--- a/lectures/Lecture 5 - Graph.pptx
+++ b/lectures/Lecture 5 - Graph.pptx
@@ -5,24 +5,22 @@
     <p:sldMasterId id="2147483679" r:id="rId1"/>
   </p:sldMasterIdLst>
   <p:notesMasterIdLst>
-    <p:notesMasterId r:id="rId17"/>
+    <p:notesMasterId r:id="rId15"/>
   </p:notesMasterIdLst>
   <p:sldIdLst>
     <p:sldId id="256" r:id="rId2"/>
-    <p:sldId id="279" r:id="rId3"/>
-    <p:sldId id="280" r:id="rId4"/>
-    <p:sldId id="281" r:id="rId5"/>
-    <p:sldId id="282" r:id="rId6"/>
-    <p:sldId id="283" r:id="rId7"/>
-    <p:sldId id="284" r:id="rId8"/>
-    <p:sldId id="285" r:id="rId9"/>
-    <p:sldId id="286" r:id="rId10"/>
-    <p:sldId id="287" r:id="rId11"/>
-    <p:sldId id="288" r:id="rId12"/>
-    <p:sldId id="289" r:id="rId13"/>
-    <p:sldId id="290" r:id="rId14"/>
-    <p:sldId id="291" r:id="rId15"/>
-    <p:sldId id="265" r:id="rId16"/>
+    <p:sldId id="280" r:id="rId3"/>
+    <p:sldId id="281" r:id="rId4"/>
+    <p:sldId id="283" r:id="rId5"/>
+    <p:sldId id="284" r:id="rId6"/>
+    <p:sldId id="285" r:id="rId7"/>
+    <p:sldId id="286" r:id="rId8"/>
+    <p:sldId id="287" r:id="rId9"/>
+    <p:sldId id="288" r:id="rId10"/>
+    <p:sldId id="289" r:id="rId11"/>
+    <p:sldId id="290" r:id="rId12"/>
+    <p:sldId id="291" r:id="rId13"/>
+    <p:sldId id="265" r:id="rId14"/>
   </p:sldIdLst>
   <p:sldSz cx="9144000" cy="5143500" type="screen16x9"/>
   <p:notesSz cx="6858000" cy="9144000"/>
@@ -1407,7 +1405,7 @@
             <a:fld id="{BA7E4AFD-04C6-6249-A58E-7FAEE9AC0F1B}" type="slidenum">
               <a:rPr lang="en-US" smtClean="0"/>
               <a:pPr/>
-              <a:t>2</a:t>
+              <a:t>3</a:t>
             </a:fld>
             <a:endParaRPr lang="en-US"/>
           </a:p>
@@ -1416,7 +1414,7 @@
     </p:spTree>
     <p:extLst>
       <p:ext uri="{BB962C8B-B14F-4D97-AF65-F5344CB8AC3E}">
-        <p14:creationId xmlns:p14="http://schemas.microsoft.com/office/powerpoint/2010/main" val="2036812688"/>
+        <p14:creationId xmlns:p14="http://schemas.microsoft.com/office/powerpoint/2010/main" val="801595185"/>
       </p:ext>
     </p:extLst>
   </p:cSld>
@@ -1518,7 +1516,7 @@
     </p:spTree>
     <p:extLst>
       <p:ext uri="{BB962C8B-B14F-4D97-AF65-F5344CB8AC3E}">
-        <p14:creationId xmlns:p14="http://schemas.microsoft.com/office/powerpoint/2010/main" val="801595185"/>
+        <p14:creationId xmlns:p14="http://schemas.microsoft.com/office/powerpoint/2010/main" val="717476231"/>
       </p:ext>
     </p:extLst>
   </p:cSld>
@@ -1620,7 +1618,7 @@
     </p:spTree>
     <p:extLst>
       <p:ext uri="{BB962C8B-B14F-4D97-AF65-F5344CB8AC3E}">
-        <p14:creationId xmlns:p14="http://schemas.microsoft.com/office/powerpoint/2010/main" val="717476231"/>
+        <p14:creationId xmlns:p14="http://schemas.microsoft.com/office/powerpoint/2010/main" val="988937381"/>
       </p:ext>
     </p:extLst>
   </p:cSld>
@@ -1722,7 +1720,7 @@
     </p:spTree>
     <p:extLst>
       <p:ext uri="{BB962C8B-B14F-4D97-AF65-F5344CB8AC3E}">
-        <p14:creationId xmlns:p14="http://schemas.microsoft.com/office/powerpoint/2010/main" val="988937381"/>
+        <p14:creationId xmlns:p14="http://schemas.microsoft.com/office/powerpoint/2010/main" val="946332158"/>
       </p:ext>
     </p:extLst>
   </p:cSld>
@@ -1733,11 +1731,11 @@
 </file>
 
 <file path=ppt/notesSlides/notesSlide6.xml><?xml version="1.0" encoding="utf-8"?>
-<p:notes xmlns:a="http://schemas.openxmlformats.org/drawingml/2006/main" xmlns:r="http://schemas.openxmlformats.org/officeDocument/2006/relationships" xmlns:p="http://schemas.openxmlformats.org/presentationml/2006/main">
+<p:notes xmlns:a="http://schemas.openxmlformats.org/drawingml/2006/main" xmlns:r="http://schemas.openxmlformats.org/officeDocument/2006/relationships" xmlns:p="http://schemas.openxmlformats.org/presentationml/2006/main" showMasterSp="0" showMasterPhAnim="0">
   <p:cSld>
     <p:spTree>
       <p:nvGrpSpPr>
-        <p:cNvPr id="1" name=""/>
+        <p:cNvPr id="1" name="Shape 275"/>
         <p:cNvGrpSpPr/>
         <p:nvPr/>
       </p:nvGrpSpPr>
@@ -1751,32 +1749,85 @@
       </p:grpSpPr>
       <p:sp>
         <p:nvSpPr>
-          <p:cNvPr id="2" name="Slide Image Placeholder 1"/>
+          <p:cNvPr id="276" name="Shape 276"/>
           <p:cNvSpPr>
             <a:spLocks noGrp="1" noRot="1" noChangeAspect="1"/>
           </p:cNvSpPr>
           <p:nvPr>
-            <p:ph type="sldImg"/>
+            <p:ph type="sldImg" idx="2"/>
           </p:nvPr>
         </p:nvSpPr>
-        <p:spPr/>
+        <p:spPr>
+          <a:xfrm>
+            <a:off x="381000" y="685800"/>
+            <a:ext cx="6096000" cy="3429000"/>
+          </a:xfrm>
+          <a:custGeom>
+            <a:avLst/>
+            <a:gdLst/>
+            <a:ahLst/>
+            <a:cxnLst/>
+            <a:rect l="0" t="0" r="0" b="0"/>
+            <a:pathLst>
+              <a:path w="120000" h="120000" extrusionOk="0">
+                <a:moveTo>
+                  <a:pt x="0" y="0"/>
+                </a:moveTo>
+                <a:lnTo>
+                  <a:pt x="120000" y="0"/>
+                </a:lnTo>
+                <a:lnTo>
+                  <a:pt x="120000" y="120000"/>
+                </a:lnTo>
+                <a:lnTo>
+                  <a:pt x="0" y="120000"/>
+                </a:lnTo>
+                <a:close/>
+              </a:path>
+            </a:pathLst>
+          </a:custGeom>
+          <a:noFill/>
+          <a:ln w="12700" cap="flat" cmpd="sng">
+            <a:solidFill>
+              <a:srgbClr val="000000"/>
+            </a:solidFill>
+            <a:prstDash val="solid"/>
+            <a:round/>
+            <a:headEnd type="none" w="med" len="med"/>
+            <a:tailEnd type="none" w="med" len="med"/>
+          </a:ln>
+        </p:spPr>
       </p:sp>
       <p:sp>
         <p:nvSpPr>
-          <p:cNvPr id="3" name="Notes Placeholder 2"/>
-          <p:cNvSpPr>
+          <p:cNvPr id="277" name="Shape 277"/>
+          <p:cNvSpPr txBox="1">
             <a:spLocks noGrp="1"/>
           </p:cNvSpPr>
           <p:nvPr>
             <p:ph type="body" idx="1"/>
           </p:nvPr>
         </p:nvSpPr>
-        <p:spPr/>
+        <p:spPr>
+          <a:xfrm>
+            <a:off x="685800" y="4343400"/>
+            <a:ext cx="5486399" cy="4114800"/>
+          </a:xfrm>
+          <a:prstGeom prst="rect">
+            <a:avLst/>
+          </a:prstGeom>
+          <a:noFill/>
+          <a:ln>
+            <a:noFill/>
+          </a:ln>
+        </p:spPr>
         <p:txBody>
-          <a:bodyPr/>
+          <a:bodyPr lIns="91425" tIns="45700" rIns="91425" bIns="45700" anchor="t" anchorCtr="0">
+            <a:noAutofit/>
+          </a:bodyPr>
           <a:lstStyle/>
           <a:p>
-            <a:pPr marL="0" marR="0" indent="0" algn="l" defTabSz="457200" rtl="0" eaLnBrk="1" fontAlgn="auto" latinLnBrk="0" hangingPunct="1">
+            <a:pPr marL="0" marR="0" lvl="0" indent="0" algn="l" rtl="0">
               <a:lnSpc>
                 <a:spcPct val="100000"/>
               </a:lnSpc>
@@ -1786,45 +1837,89 @@
               <a:spcAft>
                 <a:spcPts val="0"/>
               </a:spcAft>
-              <a:buClrTx/>
-              <a:buSzTx/>
-              <a:buFont typeface="Arial"/>
-              <a:buNone/>
-              <a:tabLst/>
-              <a:defRPr/>
+              <a:buClr>
+                <a:schemeClr val="dk1"/>
+              </a:buClr>
+              <a:buSzPct val="25000"/>
+              <a:buFont typeface="Arial"/>
+              <a:buNone/>
             </a:pPr>
-            <a:endParaRPr lang="en-US" baseline="0" dirty="0" smtClean="0"/>
+            <a:endParaRPr sz="1200" b="0" i="0" u="none" strike="noStrike" cap="none">
+              <a:solidFill>
+                <a:schemeClr val="dk1"/>
+              </a:solidFill>
+              <a:latin typeface="Calibri"/>
+              <a:ea typeface="Calibri"/>
+              <a:cs typeface="Calibri"/>
+              <a:sym typeface="Calibri"/>
+            </a:endParaRPr>
           </a:p>
         </p:txBody>
       </p:sp>
       <p:sp>
         <p:nvSpPr>
-          <p:cNvPr id="4" name="Slide Number Placeholder 3"/>
-          <p:cNvSpPr>
+          <p:cNvPr id="278" name="Shape 278"/>
+          <p:cNvSpPr txBox="1">
             <a:spLocks noGrp="1"/>
           </p:cNvSpPr>
           <p:nvPr>
-            <p:ph type="sldNum" sz="quarter" idx="10"/>
+            <p:ph type="sldNum" idx="12"/>
           </p:nvPr>
         </p:nvSpPr>
-        <p:spPr/>
+        <p:spPr>
+          <a:xfrm>
+            <a:off x="3884612" y="8685213"/>
+            <a:ext cx="2971799" cy="457200"/>
+          </a:xfrm>
+          <a:prstGeom prst="rect">
+            <a:avLst/>
+          </a:prstGeom>
+          <a:noFill/>
+          <a:ln>
+            <a:noFill/>
+          </a:ln>
+        </p:spPr>
         <p:txBody>
-          <a:bodyPr/>
+          <a:bodyPr lIns="91425" tIns="45700" rIns="91425" bIns="45700" anchor="b" anchorCtr="0">
+            <a:noAutofit/>
+          </a:bodyPr>
           <a:lstStyle/>
           <a:p>
-            <a:fld id="{BA7E4AFD-04C6-6249-A58E-7FAEE9AC0F1B}" type="slidenum">
-              <a:rPr lang="en-US" smtClean="0"/>
-              <a:pPr/>
+            <a:pPr marL="0" marR="0" lvl="0" indent="0" algn="r" rtl="0">
+              <a:spcBef>
+                <a:spcPts val="0"/>
+              </a:spcBef>
+              <a:buSzPct val="25000"/>
+              <a:buNone/>
+            </a:pPr>
+            <a:fld id="{00000000-1234-1234-1234-123412341234}" type="slidenum">
+              <a:rPr lang="en-US" sz="1200">
+                <a:solidFill>
+                  <a:schemeClr val="dk1"/>
+                </a:solidFill>
+                <a:latin typeface="Calibri"/>
+                <a:ea typeface="Calibri"/>
+                <a:cs typeface="Calibri"/>
+                <a:sym typeface="Calibri"/>
+              </a:rPr>
               <a:t>10</a:t>
             </a:fld>
-            <a:endParaRPr lang="en-US"/>
+            <a:endParaRPr lang="en-US" sz="1200">
+              <a:solidFill>
+                <a:schemeClr val="dk1"/>
+              </a:solidFill>
+              <a:latin typeface="Calibri"/>
+              <a:ea typeface="Calibri"/>
+              <a:cs typeface="Calibri"/>
+              <a:sym typeface="Calibri"/>
+            </a:endParaRPr>
           </a:p>
         </p:txBody>
       </p:sp>
     </p:spTree>
     <p:extLst>
       <p:ext uri="{BB962C8B-B14F-4D97-AF65-F5344CB8AC3E}">
-        <p14:creationId xmlns:p14="http://schemas.microsoft.com/office/powerpoint/2010/main" val="946332158"/>
+        <p14:creationId xmlns:p14="http://schemas.microsoft.com/office/powerpoint/2010/main" val="320213629"/>
       </p:ext>
     </p:extLst>
   </p:cSld>
@@ -2006,206 +2101,7 @@
                 <a:cs typeface="Calibri"/>
                 <a:sym typeface="Calibri"/>
               </a:rPr>
-              <a:t>12</a:t>
-            </a:fld>
-            <a:endParaRPr lang="en-US" sz="1200">
-              <a:solidFill>
-                <a:schemeClr val="dk1"/>
-              </a:solidFill>
-              <a:latin typeface="Calibri"/>
-              <a:ea typeface="Calibri"/>
-              <a:cs typeface="Calibri"/>
-              <a:sym typeface="Calibri"/>
-            </a:endParaRPr>
-          </a:p>
-        </p:txBody>
-      </p:sp>
-    </p:spTree>
-    <p:extLst>
-      <p:ext uri="{BB962C8B-B14F-4D97-AF65-F5344CB8AC3E}">
-        <p14:creationId xmlns:p14="http://schemas.microsoft.com/office/powerpoint/2010/main" val="320213629"/>
-      </p:ext>
-    </p:extLst>
-  </p:cSld>
-  <p:clrMapOvr>
-    <a:masterClrMapping/>
-  </p:clrMapOvr>
-</p:notes>
-</file>
-
-<file path=ppt/notesSlides/notesSlide8.xml><?xml version="1.0" encoding="utf-8"?>
-<p:notes xmlns:a="http://schemas.openxmlformats.org/drawingml/2006/main" xmlns:r="http://schemas.openxmlformats.org/officeDocument/2006/relationships" xmlns:p="http://schemas.openxmlformats.org/presentationml/2006/main" showMasterSp="0" showMasterPhAnim="0">
-  <p:cSld>
-    <p:spTree>
-      <p:nvGrpSpPr>
-        <p:cNvPr id="1" name="Shape 275"/>
-        <p:cNvGrpSpPr/>
-        <p:nvPr/>
-      </p:nvGrpSpPr>
-      <p:grpSpPr>
-        <a:xfrm>
-          <a:off x="0" y="0"/>
-          <a:ext cx="0" cy="0"/>
-          <a:chOff x="0" y="0"/>
-          <a:chExt cx="0" cy="0"/>
-        </a:xfrm>
-      </p:grpSpPr>
-      <p:sp>
-        <p:nvSpPr>
-          <p:cNvPr id="276" name="Shape 276"/>
-          <p:cNvSpPr>
-            <a:spLocks noGrp="1" noRot="1" noChangeAspect="1"/>
-          </p:cNvSpPr>
-          <p:nvPr>
-            <p:ph type="sldImg" idx="2"/>
-          </p:nvPr>
-        </p:nvSpPr>
-        <p:spPr>
-          <a:xfrm>
-            <a:off x="381000" y="685800"/>
-            <a:ext cx="6096000" cy="3429000"/>
-          </a:xfrm>
-          <a:custGeom>
-            <a:avLst/>
-            <a:gdLst/>
-            <a:ahLst/>
-            <a:cxnLst/>
-            <a:rect l="0" t="0" r="0" b="0"/>
-            <a:pathLst>
-              <a:path w="120000" h="120000" extrusionOk="0">
-                <a:moveTo>
-                  <a:pt x="0" y="0"/>
-                </a:moveTo>
-                <a:lnTo>
-                  <a:pt x="120000" y="0"/>
-                </a:lnTo>
-                <a:lnTo>
-                  <a:pt x="120000" y="120000"/>
-                </a:lnTo>
-                <a:lnTo>
-                  <a:pt x="0" y="120000"/>
-                </a:lnTo>
-                <a:close/>
-              </a:path>
-            </a:pathLst>
-          </a:custGeom>
-          <a:noFill/>
-          <a:ln w="12700" cap="flat" cmpd="sng">
-            <a:solidFill>
-              <a:srgbClr val="000000"/>
-            </a:solidFill>
-            <a:prstDash val="solid"/>
-            <a:round/>
-            <a:headEnd type="none" w="med" len="med"/>
-            <a:tailEnd type="none" w="med" len="med"/>
-          </a:ln>
-        </p:spPr>
-      </p:sp>
-      <p:sp>
-        <p:nvSpPr>
-          <p:cNvPr id="277" name="Shape 277"/>
-          <p:cNvSpPr txBox="1">
-            <a:spLocks noGrp="1"/>
-          </p:cNvSpPr>
-          <p:nvPr>
-            <p:ph type="body" idx="1"/>
-          </p:nvPr>
-        </p:nvSpPr>
-        <p:spPr>
-          <a:xfrm>
-            <a:off x="685800" y="4343400"/>
-            <a:ext cx="5486399" cy="4114800"/>
-          </a:xfrm>
-          <a:prstGeom prst="rect">
-            <a:avLst/>
-          </a:prstGeom>
-          <a:noFill/>
-          <a:ln>
-            <a:noFill/>
-          </a:ln>
-        </p:spPr>
-        <p:txBody>
-          <a:bodyPr lIns="91425" tIns="45700" rIns="91425" bIns="45700" anchor="t" anchorCtr="0">
-            <a:noAutofit/>
-          </a:bodyPr>
-          <a:lstStyle/>
-          <a:p>
-            <a:pPr marL="0" marR="0" lvl="0" indent="0" algn="l" rtl="0">
-              <a:lnSpc>
-                <a:spcPct val="100000"/>
-              </a:lnSpc>
-              <a:spcBef>
-                <a:spcPts val="0"/>
-              </a:spcBef>
-              <a:spcAft>
-                <a:spcPts val="0"/>
-              </a:spcAft>
-              <a:buClr>
-                <a:schemeClr val="dk1"/>
-              </a:buClr>
-              <a:buSzPct val="25000"/>
-              <a:buFont typeface="Arial"/>
-              <a:buNone/>
-            </a:pPr>
-            <a:endParaRPr sz="1200" b="0" i="0" u="none" strike="noStrike" cap="none">
-              <a:solidFill>
-                <a:schemeClr val="dk1"/>
-              </a:solidFill>
-              <a:latin typeface="Calibri"/>
-              <a:ea typeface="Calibri"/>
-              <a:cs typeface="Calibri"/>
-              <a:sym typeface="Calibri"/>
-            </a:endParaRPr>
-          </a:p>
-        </p:txBody>
-      </p:sp>
-      <p:sp>
-        <p:nvSpPr>
-          <p:cNvPr id="278" name="Shape 278"/>
-          <p:cNvSpPr txBox="1">
-            <a:spLocks noGrp="1"/>
-          </p:cNvSpPr>
-          <p:nvPr>
-            <p:ph type="sldNum" idx="12"/>
-          </p:nvPr>
-        </p:nvSpPr>
-        <p:spPr>
-          <a:xfrm>
-            <a:off x="3884612" y="8685213"/>
-            <a:ext cx="2971799" cy="457200"/>
-          </a:xfrm>
-          <a:prstGeom prst="rect">
-            <a:avLst/>
-          </a:prstGeom>
-          <a:noFill/>
-          <a:ln>
-            <a:noFill/>
-          </a:ln>
-        </p:spPr>
-        <p:txBody>
-          <a:bodyPr lIns="91425" tIns="45700" rIns="91425" bIns="45700" anchor="b" anchorCtr="0">
-            <a:noAutofit/>
-          </a:bodyPr>
-          <a:lstStyle/>
-          <a:p>
-            <a:pPr marL="0" marR="0" lvl="0" indent="0" algn="r" rtl="0">
-              <a:spcBef>
-                <a:spcPts val="0"/>
-              </a:spcBef>
-              <a:buSzPct val="25000"/>
-              <a:buNone/>
-            </a:pPr>
-            <a:fld id="{00000000-1234-1234-1234-123412341234}" type="slidenum">
-              <a:rPr lang="en-US" sz="1200">
-                <a:solidFill>
-                  <a:schemeClr val="dk1"/>
-                </a:solidFill>
-                <a:latin typeface="Calibri"/>
-                <a:ea typeface="Calibri"/>
-                <a:cs typeface="Calibri"/>
-                <a:sym typeface="Calibri"/>
-              </a:rPr>
-              <a:t>13</a:t>
+              <a:t>11</a:t>
             </a:fld>
             <a:endParaRPr lang="en-US" sz="1200">
               <a:solidFill>
@@ -2232,7 +2128,7 @@
 </p:notes>
 </file>
 
-<file path=ppt/notesSlides/notesSlide9.xml><?xml version="1.0" encoding="utf-8"?>
+<file path=ppt/notesSlides/notesSlide8.xml><?xml version="1.0" encoding="utf-8"?>
 <p:notes xmlns:a="http://schemas.openxmlformats.org/drawingml/2006/main" xmlns:r="http://schemas.openxmlformats.org/officeDocument/2006/relationships" xmlns:p="http://schemas.openxmlformats.org/presentationml/2006/main" showMasterSp="0" showMasterPhAnim="0">
   <p:cSld>
     <p:spTree>
@@ -2404,7 +2300,7 @@
                 <a:cs typeface="Calibri"/>
                 <a:sym typeface="Calibri"/>
               </a:rPr>
-              <a:t>15</a:t>
+              <a:t>13</a:t>
             </a:fld>
             <a:endParaRPr lang="en-US" sz="1200">
               <a:solidFill>
@@ -22196,19 +22092,7 @@
             </a:pPr>
             <a:r>
               <a:rPr lang="en-US" dirty="0" smtClean="0"/>
-              <a:t>Lecture </a:t>
-            </a:r>
-            <a:r>
-              <a:rPr lang="en-US" dirty="0" smtClean="0"/>
-              <a:t>5 </a:t>
-            </a:r>
-            <a:r>
-              <a:rPr lang="en-US" dirty="0" smtClean="0"/>
-              <a:t>- </a:t>
-            </a:r>
-            <a:r>
-              <a:rPr lang="en-US" dirty="0" smtClean="0"/>
-              <a:t>Graph</a:t>
+              <a:t>Lecture 5 - Graph</a:t>
             </a:r>
             <a:endParaRPr lang="en-US" dirty="0"/>
           </a:p>
@@ -22263,12 +22147,6 @@
               </a:rPr>
               <a:t>Gilbert.Lau@DataStax.com</a:t>
             </a:r>
-            <a:endParaRPr lang="en-US" u="sng" dirty="0" smtClean="0">
-              <a:solidFill>
-                <a:schemeClr val="hlink"/>
-              </a:solidFill>
-              <a:hlinkClick r:id="rId3"/>
-            </a:endParaRPr>
           </a:p>
           <a:p>
             <a:pPr marL="0" marR="0" lvl="0" indent="0" algn="l" rtl="0">
@@ -22301,13 +22179,8 @@
             </a:pPr>
             <a:r>
               <a:rPr lang="en-US" dirty="0" smtClean="0"/>
-              <a:t>+1 </a:t>
+              <a:t>+1 408 357 4528</a:t>
             </a:r>
-            <a:r>
-              <a:rPr lang="en-US" dirty="0" smtClean="0"/>
-              <a:t>408 357 4528</a:t>
-            </a:r>
-            <a:endParaRPr lang="en-US" dirty="0" smtClean="0"/>
           </a:p>
           <a:p>
             <a:pPr marL="0" marR="0" lvl="0" indent="0" algn="l" rtl="0">
@@ -22363,3941 +22236,6 @@
 </file>
 
 <file path=ppt/slides/slide10.xml><?xml version="1.0" encoding="utf-8"?>
-<p:sld xmlns:a="http://schemas.openxmlformats.org/drawingml/2006/main" xmlns:r="http://schemas.openxmlformats.org/officeDocument/2006/relationships" xmlns:p="http://schemas.openxmlformats.org/presentationml/2006/main">
-  <p:cSld>
-    <p:spTree>
-      <p:nvGrpSpPr>
-        <p:cNvPr id="1" name=""/>
-        <p:cNvGrpSpPr/>
-        <p:nvPr/>
-      </p:nvGrpSpPr>
-      <p:grpSpPr>
-        <a:xfrm>
-          <a:off x="0" y="0"/>
-          <a:ext cx="0" cy="0"/>
-          <a:chOff x="0" y="0"/>
-          <a:chExt cx="0" cy="0"/>
-        </a:xfrm>
-      </p:grpSpPr>
-      <p:sp>
-        <p:nvSpPr>
-          <p:cNvPr id="4" name="Title 3"/>
-          <p:cNvSpPr>
-            <a:spLocks noGrp="1"/>
-          </p:cNvSpPr>
-          <p:nvPr>
-            <p:ph type="title"/>
-          </p:nvPr>
-        </p:nvSpPr>
-        <p:spPr>
-          <a:xfrm>
-            <a:off x="264589" y="185471"/>
-            <a:ext cx="7866702" cy="519113"/>
-          </a:xfrm>
-        </p:spPr>
-        <p:txBody>
-          <a:bodyPr>
-            <a:normAutofit fontScale="90000"/>
-          </a:bodyPr>
-          <a:lstStyle/>
-          <a:p>
-            <a:r>
-              <a:rPr lang="en-US" sz="2400" dirty="0" smtClean="0">
-                <a:solidFill>
-                  <a:srgbClr val="CB6015"/>
-                </a:solidFill>
-                <a:latin typeface="Helvetica Neue"/>
-                <a:cs typeface="Helvetica Neue"/>
-              </a:rPr>
-              <a:t>Property Graph Concepts</a:t>
-            </a:r>
-            <a:endParaRPr lang="en-US" sz="2400" dirty="0">
-              <a:solidFill>
-                <a:srgbClr val="CB6015"/>
-              </a:solidFill>
-              <a:latin typeface="Helvetica Neue"/>
-              <a:cs typeface="Helvetica Neue"/>
-            </a:endParaRPr>
-          </a:p>
-        </p:txBody>
-      </p:sp>
-      <p:sp>
-        <p:nvSpPr>
-          <p:cNvPr id="46" name="Footer Placeholder 3"/>
-          <p:cNvSpPr>
-            <a:spLocks noGrp="1"/>
-          </p:cNvSpPr>
-          <p:nvPr>
-            <p:ph type="ftr" sz="quarter" idx="4294967295"/>
-          </p:nvPr>
-        </p:nvSpPr>
-        <p:spPr>
-          <a:xfrm>
-            <a:off x="257158" y="4864275"/>
-            <a:ext cx="3979722" cy="155703"/>
-          </a:xfrm>
-          <a:prstGeom prst="rect">
-            <a:avLst/>
-          </a:prstGeom>
-        </p:spPr>
-        <p:txBody>
-          <a:bodyPr/>
-          <a:lstStyle/>
-          <a:p>
-            <a:pPr algn="l"/>
-            <a:r>
-              <a:rPr lang="en-US" sz="800" dirty="0" smtClean="0">
-                <a:solidFill>
-                  <a:schemeClr val="bg1">
-                    <a:lumMod val="75000"/>
-                  </a:schemeClr>
-                </a:solidFill>
-                <a:latin typeface="Helvetica Neue"/>
-                <a:ea typeface="ＭＳ Ｐゴシック" charset="0"/>
-                <a:cs typeface="Helvetica Neue"/>
-              </a:rPr>
-              <a:t>©2015 DataStax  </a:t>
-            </a:r>
-            <a:endParaRPr lang="en-US" sz="800" dirty="0">
-              <a:solidFill>
-                <a:schemeClr val="bg1">
-                  <a:lumMod val="75000"/>
-                </a:schemeClr>
-              </a:solidFill>
-              <a:latin typeface="Helvetica Neue"/>
-              <a:ea typeface="ＭＳ Ｐゴシック" charset="0"/>
-              <a:cs typeface="Helvetica Neue"/>
-            </a:endParaRPr>
-          </a:p>
-        </p:txBody>
-      </p:sp>
-      <p:grpSp>
-        <p:nvGrpSpPr>
-          <p:cNvPr id="10" name="Group 9"/>
-          <p:cNvGrpSpPr/>
-          <p:nvPr/>
-        </p:nvGrpSpPr>
-        <p:grpSpPr>
-          <a:xfrm>
-            <a:off x="4175816" y="2514393"/>
-            <a:ext cx="748923" cy="784060"/>
-            <a:chOff x="3565766" y="1537110"/>
-            <a:chExt cx="748923" cy="784060"/>
-          </a:xfrm>
-        </p:grpSpPr>
-        <p:grpSp>
-          <p:nvGrpSpPr>
-            <p:cNvPr id="8" name="Group 7"/>
-            <p:cNvGrpSpPr/>
-            <p:nvPr/>
-          </p:nvGrpSpPr>
-          <p:grpSpPr>
-            <a:xfrm>
-              <a:off x="3595072" y="1631464"/>
-              <a:ext cx="689706" cy="689706"/>
-              <a:chOff x="3282464" y="1641233"/>
-              <a:chExt cx="689706" cy="689706"/>
-            </a:xfrm>
-          </p:grpSpPr>
-          <p:sp>
-            <p:nvSpPr>
-              <p:cNvPr id="5" name="Oval 4"/>
-              <p:cNvSpPr/>
-              <p:nvPr/>
-            </p:nvSpPr>
-            <p:spPr>
-              <a:xfrm>
-                <a:off x="3331308" y="1690077"/>
-                <a:ext cx="594360" cy="594360"/>
-              </a:xfrm>
-              <a:prstGeom prst="ellipse">
-                <a:avLst/>
-              </a:prstGeom>
-              <a:solidFill>
-                <a:srgbClr val="0097BB"/>
-              </a:solidFill>
-              <a:ln>
-                <a:noFill/>
-              </a:ln>
-              <a:effectLst/>
-            </p:spPr>
-            <p:style>
-              <a:lnRef idx="1">
-                <a:schemeClr val="accent1"/>
-              </a:lnRef>
-              <a:fillRef idx="3">
-                <a:schemeClr val="accent1"/>
-              </a:fillRef>
-              <a:effectRef idx="2">
-                <a:schemeClr val="accent1"/>
-              </a:effectRef>
-              <a:fontRef idx="minor">
-                <a:schemeClr val="lt1"/>
-              </a:fontRef>
-            </p:style>
-            <p:txBody>
-              <a:bodyPr rtlCol="0" anchor="ctr"/>
-              <a:lstStyle/>
-              <a:p>
-                <a:pPr algn="ctr"/>
-                <a:endParaRPr lang="en-US"/>
-              </a:p>
-            </p:txBody>
-          </p:sp>
-          <p:sp>
-            <p:nvSpPr>
-              <p:cNvPr id="14" name="Oval 13"/>
-              <p:cNvSpPr/>
-              <p:nvPr/>
-            </p:nvSpPr>
-            <p:spPr>
-              <a:xfrm>
-                <a:off x="3282464" y="1641233"/>
-                <a:ext cx="689706" cy="689706"/>
-              </a:xfrm>
-              <a:prstGeom prst="ellipse">
-                <a:avLst/>
-              </a:prstGeom>
-              <a:noFill/>
-              <a:ln w="28575" cmpd="sng">
-                <a:solidFill>
-                  <a:srgbClr val="0097BB"/>
-                </a:solidFill>
-              </a:ln>
-              <a:effectLst/>
-            </p:spPr>
-            <p:style>
-              <a:lnRef idx="1">
-                <a:schemeClr val="accent1"/>
-              </a:lnRef>
-              <a:fillRef idx="3">
-                <a:schemeClr val="accent1"/>
-              </a:fillRef>
-              <a:effectRef idx="2">
-                <a:schemeClr val="accent1"/>
-              </a:effectRef>
-              <a:fontRef idx="minor">
-                <a:schemeClr val="lt1"/>
-              </a:fontRef>
-            </p:style>
-            <p:txBody>
-              <a:bodyPr rtlCol="0" anchor="ctr"/>
-              <a:lstStyle/>
-              <a:p>
-                <a:pPr algn="ctr"/>
-                <a:endParaRPr lang="en-US"/>
-              </a:p>
-            </p:txBody>
-          </p:sp>
-        </p:grpSp>
-        <p:sp>
-          <p:nvSpPr>
-            <p:cNvPr id="9" name="TextBox 8"/>
-            <p:cNvSpPr txBox="1"/>
-            <p:nvPr/>
-          </p:nvSpPr>
-          <p:spPr>
-            <a:xfrm>
-              <a:off x="3565766" y="1537110"/>
-              <a:ext cx="748923" cy="769441"/>
-            </a:xfrm>
-            <a:prstGeom prst="rect">
-              <a:avLst/>
-            </a:prstGeom>
-            <a:noFill/>
-          </p:spPr>
-          <p:txBody>
-            <a:bodyPr wrap="none" rtlCol="0">
-              <a:spAutoFit/>
-            </a:bodyPr>
-            <a:lstStyle/>
-            <a:p>
-              <a:r>
-                <a:rPr lang="en-US" sz="4400" dirty="0" smtClean="0">
-                  <a:solidFill>
-                    <a:schemeClr val="bg1"/>
-                  </a:solidFill>
-                  <a:latin typeface="Webdings" charset="2"/>
-                  <a:cs typeface="Webdings" charset="2"/>
-                </a:rPr>
-                <a:t></a:t>
-              </a:r>
-              <a:endParaRPr lang="en-US" sz="4400" dirty="0">
-                <a:solidFill>
-                  <a:schemeClr val="bg1"/>
-                </a:solidFill>
-                <a:latin typeface="Webdings" charset="2"/>
-                <a:cs typeface="Webdings" charset="2"/>
-              </a:endParaRPr>
-            </a:p>
-          </p:txBody>
-        </p:sp>
-      </p:grpSp>
-      <p:grpSp>
-        <p:nvGrpSpPr>
-          <p:cNvPr id="18" name="Group 17"/>
-          <p:cNvGrpSpPr/>
-          <p:nvPr/>
-        </p:nvGrpSpPr>
-        <p:grpSpPr>
-          <a:xfrm>
-            <a:off x="2797485" y="3721594"/>
-            <a:ext cx="748923" cy="784060"/>
-            <a:chOff x="3565766" y="1537110"/>
-            <a:chExt cx="748923" cy="784060"/>
-          </a:xfrm>
-        </p:grpSpPr>
-        <p:grpSp>
-          <p:nvGrpSpPr>
-            <p:cNvPr id="21" name="Group 20"/>
-            <p:cNvGrpSpPr/>
-            <p:nvPr/>
-          </p:nvGrpSpPr>
-          <p:grpSpPr>
-            <a:xfrm>
-              <a:off x="3595072" y="1631464"/>
-              <a:ext cx="689706" cy="689706"/>
-              <a:chOff x="3282464" y="1641233"/>
-              <a:chExt cx="689706" cy="689706"/>
-            </a:xfrm>
-          </p:grpSpPr>
-          <p:sp>
-            <p:nvSpPr>
-              <p:cNvPr id="23" name="Oval 22"/>
-              <p:cNvSpPr/>
-              <p:nvPr/>
-            </p:nvSpPr>
-            <p:spPr>
-              <a:xfrm>
-                <a:off x="3331308" y="1690077"/>
-                <a:ext cx="594360" cy="594360"/>
-              </a:xfrm>
-              <a:prstGeom prst="ellipse">
-                <a:avLst/>
-              </a:prstGeom>
-              <a:solidFill>
-                <a:srgbClr val="0097BB"/>
-              </a:solidFill>
-              <a:ln>
-                <a:noFill/>
-              </a:ln>
-              <a:effectLst/>
-            </p:spPr>
-            <p:style>
-              <a:lnRef idx="1">
-                <a:schemeClr val="accent1"/>
-              </a:lnRef>
-              <a:fillRef idx="3">
-                <a:schemeClr val="accent1"/>
-              </a:fillRef>
-              <a:effectRef idx="2">
-                <a:schemeClr val="accent1"/>
-              </a:effectRef>
-              <a:fontRef idx="minor">
-                <a:schemeClr val="lt1"/>
-              </a:fontRef>
-            </p:style>
-            <p:txBody>
-              <a:bodyPr rtlCol="0" anchor="ctr"/>
-              <a:lstStyle/>
-              <a:p>
-                <a:pPr algn="ctr"/>
-                <a:endParaRPr lang="en-US"/>
-              </a:p>
-            </p:txBody>
-          </p:sp>
-          <p:sp>
-            <p:nvSpPr>
-              <p:cNvPr id="24" name="Oval 23"/>
-              <p:cNvSpPr/>
-              <p:nvPr/>
-            </p:nvSpPr>
-            <p:spPr>
-              <a:xfrm>
-                <a:off x="3282464" y="1641233"/>
-                <a:ext cx="689706" cy="689706"/>
-              </a:xfrm>
-              <a:prstGeom prst="ellipse">
-                <a:avLst/>
-              </a:prstGeom>
-              <a:noFill/>
-              <a:ln w="28575" cmpd="sng">
-                <a:solidFill>
-                  <a:srgbClr val="0097BB"/>
-                </a:solidFill>
-              </a:ln>
-              <a:effectLst/>
-            </p:spPr>
-            <p:style>
-              <a:lnRef idx="1">
-                <a:schemeClr val="accent1"/>
-              </a:lnRef>
-              <a:fillRef idx="3">
-                <a:schemeClr val="accent1"/>
-              </a:fillRef>
-              <a:effectRef idx="2">
-                <a:schemeClr val="accent1"/>
-              </a:effectRef>
-              <a:fontRef idx="minor">
-                <a:schemeClr val="lt1"/>
-              </a:fontRef>
-            </p:style>
-            <p:txBody>
-              <a:bodyPr rtlCol="0" anchor="ctr"/>
-              <a:lstStyle/>
-              <a:p>
-                <a:pPr algn="ctr"/>
-                <a:endParaRPr lang="en-US"/>
-              </a:p>
-            </p:txBody>
-          </p:sp>
-        </p:grpSp>
-        <p:sp>
-          <p:nvSpPr>
-            <p:cNvPr id="22" name="TextBox 21"/>
-            <p:cNvSpPr txBox="1"/>
-            <p:nvPr/>
-          </p:nvSpPr>
-          <p:spPr>
-            <a:xfrm>
-              <a:off x="3565766" y="1537110"/>
-              <a:ext cx="748923" cy="769441"/>
-            </a:xfrm>
-            <a:prstGeom prst="rect">
-              <a:avLst/>
-            </a:prstGeom>
-            <a:noFill/>
-          </p:spPr>
-          <p:txBody>
-            <a:bodyPr wrap="none" rtlCol="0">
-              <a:spAutoFit/>
-            </a:bodyPr>
-            <a:lstStyle/>
-            <a:p>
-              <a:r>
-                <a:rPr lang="en-US" sz="4400" dirty="0" smtClean="0">
-                  <a:solidFill>
-                    <a:schemeClr val="bg1"/>
-                  </a:solidFill>
-                  <a:latin typeface="Webdings" charset="2"/>
-                  <a:cs typeface="Webdings" charset="2"/>
-                </a:rPr>
-                <a:t></a:t>
-              </a:r>
-              <a:endParaRPr lang="en-US" sz="4400" dirty="0">
-                <a:solidFill>
-                  <a:schemeClr val="bg1"/>
-                </a:solidFill>
-                <a:latin typeface="Webdings" charset="2"/>
-                <a:cs typeface="Webdings" charset="2"/>
-              </a:endParaRPr>
-            </a:p>
-          </p:txBody>
-        </p:sp>
-      </p:grpSp>
-      <p:grpSp>
-        <p:nvGrpSpPr>
-          <p:cNvPr id="25" name="Group 24"/>
-          <p:cNvGrpSpPr/>
-          <p:nvPr/>
-        </p:nvGrpSpPr>
-        <p:grpSpPr>
-          <a:xfrm>
-            <a:off x="1343318" y="2420735"/>
-            <a:ext cx="748923" cy="784060"/>
-            <a:chOff x="3565766" y="1537110"/>
-            <a:chExt cx="748923" cy="784060"/>
-          </a:xfrm>
-        </p:grpSpPr>
-        <p:grpSp>
-          <p:nvGrpSpPr>
-            <p:cNvPr id="26" name="Group 25"/>
-            <p:cNvGrpSpPr/>
-            <p:nvPr/>
-          </p:nvGrpSpPr>
-          <p:grpSpPr>
-            <a:xfrm>
-              <a:off x="3595072" y="1631464"/>
-              <a:ext cx="689706" cy="689706"/>
-              <a:chOff x="3282464" y="1641233"/>
-              <a:chExt cx="689706" cy="689706"/>
-            </a:xfrm>
-          </p:grpSpPr>
-          <p:sp>
-            <p:nvSpPr>
-              <p:cNvPr id="28" name="Oval 27"/>
-              <p:cNvSpPr/>
-              <p:nvPr/>
-            </p:nvSpPr>
-            <p:spPr>
-              <a:xfrm>
-                <a:off x="3331308" y="1690077"/>
-                <a:ext cx="594360" cy="594360"/>
-              </a:xfrm>
-              <a:prstGeom prst="ellipse">
-                <a:avLst/>
-              </a:prstGeom>
-              <a:solidFill>
-                <a:srgbClr val="0097BB"/>
-              </a:solidFill>
-              <a:ln>
-                <a:noFill/>
-              </a:ln>
-              <a:effectLst/>
-            </p:spPr>
-            <p:style>
-              <a:lnRef idx="1">
-                <a:schemeClr val="accent1"/>
-              </a:lnRef>
-              <a:fillRef idx="3">
-                <a:schemeClr val="accent1"/>
-              </a:fillRef>
-              <a:effectRef idx="2">
-                <a:schemeClr val="accent1"/>
-              </a:effectRef>
-              <a:fontRef idx="minor">
-                <a:schemeClr val="lt1"/>
-              </a:fontRef>
-            </p:style>
-            <p:txBody>
-              <a:bodyPr rtlCol="0" anchor="ctr"/>
-              <a:lstStyle/>
-              <a:p>
-                <a:pPr algn="ctr"/>
-                <a:endParaRPr lang="en-US"/>
-              </a:p>
-            </p:txBody>
-          </p:sp>
-          <p:sp>
-            <p:nvSpPr>
-              <p:cNvPr id="29" name="Oval 28"/>
-              <p:cNvSpPr/>
-              <p:nvPr/>
-            </p:nvSpPr>
-            <p:spPr>
-              <a:xfrm>
-                <a:off x="3282464" y="1641233"/>
-                <a:ext cx="689706" cy="689706"/>
-              </a:xfrm>
-              <a:prstGeom prst="ellipse">
-                <a:avLst/>
-              </a:prstGeom>
-              <a:noFill/>
-              <a:ln w="28575" cmpd="sng">
-                <a:solidFill>
-                  <a:srgbClr val="0097BB"/>
-                </a:solidFill>
-              </a:ln>
-              <a:effectLst/>
-            </p:spPr>
-            <p:style>
-              <a:lnRef idx="1">
-                <a:schemeClr val="accent1"/>
-              </a:lnRef>
-              <a:fillRef idx="3">
-                <a:schemeClr val="accent1"/>
-              </a:fillRef>
-              <a:effectRef idx="2">
-                <a:schemeClr val="accent1"/>
-              </a:effectRef>
-              <a:fontRef idx="minor">
-                <a:schemeClr val="lt1"/>
-              </a:fontRef>
-            </p:style>
-            <p:txBody>
-              <a:bodyPr rtlCol="0" anchor="ctr"/>
-              <a:lstStyle/>
-              <a:p>
-                <a:pPr algn="ctr"/>
-                <a:endParaRPr lang="en-US"/>
-              </a:p>
-            </p:txBody>
-          </p:sp>
-        </p:grpSp>
-        <p:sp>
-          <p:nvSpPr>
-            <p:cNvPr id="27" name="TextBox 26"/>
-            <p:cNvSpPr txBox="1"/>
-            <p:nvPr/>
-          </p:nvSpPr>
-          <p:spPr>
-            <a:xfrm>
-              <a:off x="3565766" y="1537110"/>
-              <a:ext cx="748923" cy="769441"/>
-            </a:xfrm>
-            <a:prstGeom prst="rect">
-              <a:avLst/>
-            </a:prstGeom>
-            <a:noFill/>
-          </p:spPr>
-          <p:txBody>
-            <a:bodyPr wrap="none" rtlCol="0">
-              <a:spAutoFit/>
-            </a:bodyPr>
-            <a:lstStyle/>
-            <a:p>
-              <a:r>
-                <a:rPr lang="en-US" sz="4400" dirty="0" smtClean="0">
-                  <a:solidFill>
-                    <a:schemeClr val="bg1"/>
-                  </a:solidFill>
-                  <a:latin typeface="Webdings" charset="2"/>
-                  <a:cs typeface="Webdings" charset="2"/>
-                </a:rPr>
-                <a:t></a:t>
-              </a:r>
-              <a:endParaRPr lang="en-US" sz="4400" dirty="0">
-                <a:solidFill>
-                  <a:schemeClr val="bg1"/>
-                </a:solidFill>
-                <a:latin typeface="Webdings" charset="2"/>
-                <a:cs typeface="Webdings" charset="2"/>
-              </a:endParaRPr>
-            </a:p>
-          </p:txBody>
-        </p:sp>
-      </p:grpSp>
-      <p:grpSp>
-        <p:nvGrpSpPr>
-          <p:cNvPr id="30" name="Group 29"/>
-          <p:cNvGrpSpPr/>
-          <p:nvPr/>
-        </p:nvGrpSpPr>
-        <p:grpSpPr>
-          <a:xfrm>
-            <a:off x="2895385" y="1063819"/>
-            <a:ext cx="689706" cy="696139"/>
-            <a:chOff x="3595072" y="1625031"/>
-            <a:chExt cx="689706" cy="696139"/>
-          </a:xfrm>
-        </p:grpSpPr>
-        <p:grpSp>
-          <p:nvGrpSpPr>
-            <p:cNvPr id="31" name="Group 30"/>
-            <p:cNvGrpSpPr/>
-            <p:nvPr/>
-          </p:nvGrpSpPr>
-          <p:grpSpPr>
-            <a:xfrm>
-              <a:off x="3595072" y="1631464"/>
-              <a:ext cx="689706" cy="689706"/>
-              <a:chOff x="3282464" y="1641233"/>
-              <a:chExt cx="689706" cy="689706"/>
-            </a:xfrm>
-          </p:grpSpPr>
-          <p:sp>
-            <p:nvSpPr>
-              <p:cNvPr id="33" name="Oval 32"/>
-              <p:cNvSpPr/>
-              <p:nvPr/>
-            </p:nvSpPr>
-            <p:spPr>
-              <a:xfrm>
-                <a:off x="3331308" y="1690077"/>
-                <a:ext cx="594360" cy="594360"/>
-              </a:xfrm>
-              <a:prstGeom prst="ellipse">
-                <a:avLst/>
-              </a:prstGeom>
-              <a:solidFill>
-                <a:srgbClr val="0097BB"/>
-              </a:solidFill>
-              <a:ln>
-                <a:noFill/>
-              </a:ln>
-              <a:effectLst/>
-            </p:spPr>
-            <p:style>
-              <a:lnRef idx="1">
-                <a:schemeClr val="accent1"/>
-              </a:lnRef>
-              <a:fillRef idx="3">
-                <a:schemeClr val="accent1"/>
-              </a:fillRef>
-              <a:effectRef idx="2">
-                <a:schemeClr val="accent1"/>
-              </a:effectRef>
-              <a:fontRef idx="minor">
-                <a:schemeClr val="lt1"/>
-              </a:fontRef>
-            </p:style>
-            <p:txBody>
-              <a:bodyPr rtlCol="0" anchor="ctr"/>
-              <a:lstStyle/>
-              <a:p>
-                <a:pPr algn="ctr"/>
-                <a:endParaRPr lang="en-US"/>
-              </a:p>
-            </p:txBody>
-          </p:sp>
-          <p:sp>
-            <p:nvSpPr>
-              <p:cNvPr id="34" name="Oval 33"/>
-              <p:cNvSpPr/>
-              <p:nvPr/>
-            </p:nvSpPr>
-            <p:spPr>
-              <a:xfrm>
-                <a:off x="3282464" y="1641233"/>
-                <a:ext cx="689706" cy="689706"/>
-              </a:xfrm>
-              <a:prstGeom prst="ellipse">
-                <a:avLst/>
-              </a:prstGeom>
-              <a:noFill/>
-              <a:ln w="28575" cmpd="sng">
-                <a:solidFill>
-                  <a:srgbClr val="0097BB"/>
-                </a:solidFill>
-              </a:ln>
-              <a:effectLst/>
-            </p:spPr>
-            <p:style>
-              <a:lnRef idx="1">
-                <a:schemeClr val="accent1"/>
-              </a:lnRef>
-              <a:fillRef idx="3">
-                <a:schemeClr val="accent1"/>
-              </a:fillRef>
-              <a:effectRef idx="2">
-                <a:schemeClr val="accent1"/>
-              </a:effectRef>
-              <a:fontRef idx="minor">
-                <a:schemeClr val="lt1"/>
-              </a:fontRef>
-            </p:style>
-            <p:txBody>
-              <a:bodyPr rtlCol="0" anchor="ctr"/>
-              <a:lstStyle/>
-              <a:p>
-                <a:pPr algn="ctr"/>
-                <a:endParaRPr lang="en-US"/>
-              </a:p>
-            </p:txBody>
-          </p:sp>
-        </p:grpSp>
-        <p:sp>
-          <p:nvSpPr>
-            <p:cNvPr id="32" name="TextBox 31"/>
-            <p:cNvSpPr txBox="1"/>
-            <p:nvPr/>
-          </p:nvSpPr>
-          <p:spPr>
-            <a:xfrm>
-              <a:off x="3653687" y="1625031"/>
-              <a:ext cx="595035" cy="584776"/>
-            </a:xfrm>
-            <a:prstGeom prst="rect">
-              <a:avLst/>
-            </a:prstGeom>
-            <a:noFill/>
-          </p:spPr>
-          <p:txBody>
-            <a:bodyPr wrap="none" rtlCol="0">
-              <a:spAutoFit/>
-            </a:bodyPr>
-            <a:lstStyle/>
-            <a:p>
-              <a:r>
-                <a:rPr lang="en-US" sz="3200" dirty="0" smtClean="0">
-                  <a:solidFill>
-                    <a:schemeClr val="bg1"/>
-                  </a:solidFill>
-                  <a:latin typeface="Webdings" charset="2"/>
-                  <a:cs typeface="Webdings" charset="2"/>
-                </a:rPr>
-                <a:t></a:t>
-              </a:r>
-              <a:endParaRPr lang="en-US" sz="3200" dirty="0">
-                <a:solidFill>
-                  <a:schemeClr val="bg1"/>
-                </a:solidFill>
-                <a:latin typeface="Webdings" charset="2"/>
-                <a:cs typeface="Webdings" charset="2"/>
-              </a:endParaRPr>
-            </a:p>
-          </p:txBody>
-        </p:sp>
-      </p:grpSp>
-      <p:grpSp>
-        <p:nvGrpSpPr>
-          <p:cNvPr id="35" name="Group 34"/>
-          <p:cNvGrpSpPr/>
-          <p:nvPr/>
-        </p:nvGrpSpPr>
-        <p:grpSpPr>
-          <a:xfrm>
-            <a:off x="4709816" y="1242004"/>
-            <a:ext cx="689706" cy="696139"/>
-            <a:chOff x="3595072" y="1625031"/>
-            <a:chExt cx="689706" cy="696139"/>
-          </a:xfrm>
-        </p:grpSpPr>
-        <p:grpSp>
-          <p:nvGrpSpPr>
-            <p:cNvPr id="36" name="Group 35"/>
-            <p:cNvGrpSpPr/>
-            <p:nvPr/>
-          </p:nvGrpSpPr>
-          <p:grpSpPr>
-            <a:xfrm>
-              <a:off x="3595072" y="1631464"/>
-              <a:ext cx="689706" cy="689706"/>
-              <a:chOff x="3282464" y="1641233"/>
-              <a:chExt cx="689706" cy="689706"/>
-            </a:xfrm>
-          </p:grpSpPr>
-          <p:sp>
-            <p:nvSpPr>
-              <p:cNvPr id="38" name="Oval 37"/>
-              <p:cNvSpPr/>
-              <p:nvPr/>
-            </p:nvSpPr>
-            <p:spPr>
-              <a:xfrm>
-                <a:off x="3331308" y="1690077"/>
-                <a:ext cx="594360" cy="594360"/>
-              </a:xfrm>
-              <a:prstGeom prst="ellipse">
-                <a:avLst/>
-              </a:prstGeom>
-              <a:solidFill>
-                <a:srgbClr val="0097BB"/>
-              </a:solidFill>
-              <a:ln>
-                <a:noFill/>
-              </a:ln>
-              <a:effectLst/>
-            </p:spPr>
-            <p:style>
-              <a:lnRef idx="1">
-                <a:schemeClr val="accent1"/>
-              </a:lnRef>
-              <a:fillRef idx="3">
-                <a:schemeClr val="accent1"/>
-              </a:fillRef>
-              <a:effectRef idx="2">
-                <a:schemeClr val="accent1"/>
-              </a:effectRef>
-              <a:fontRef idx="minor">
-                <a:schemeClr val="lt1"/>
-              </a:fontRef>
-            </p:style>
-            <p:txBody>
-              <a:bodyPr rtlCol="0" anchor="ctr"/>
-              <a:lstStyle/>
-              <a:p>
-                <a:pPr algn="ctr"/>
-                <a:endParaRPr lang="en-US"/>
-              </a:p>
-            </p:txBody>
-          </p:sp>
-          <p:sp>
-            <p:nvSpPr>
-              <p:cNvPr id="39" name="Oval 38"/>
-              <p:cNvSpPr/>
-              <p:nvPr/>
-            </p:nvSpPr>
-            <p:spPr>
-              <a:xfrm>
-                <a:off x="3282464" y="1641233"/>
-                <a:ext cx="689706" cy="689706"/>
-              </a:xfrm>
-              <a:prstGeom prst="ellipse">
-                <a:avLst/>
-              </a:prstGeom>
-              <a:noFill/>
-              <a:ln w="28575" cmpd="sng">
-                <a:solidFill>
-                  <a:srgbClr val="0097BB"/>
-                </a:solidFill>
-              </a:ln>
-              <a:effectLst/>
-            </p:spPr>
-            <p:style>
-              <a:lnRef idx="1">
-                <a:schemeClr val="accent1"/>
-              </a:lnRef>
-              <a:fillRef idx="3">
-                <a:schemeClr val="accent1"/>
-              </a:fillRef>
-              <a:effectRef idx="2">
-                <a:schemeClr val="accent1"/>
-              </a:effectRef>
-              <a:fontRef idx="minor">
-                <a:schemeClr val="lt1"/>
-              </a:fontRef>
-            </p:style>
-            <p:txBody>
-              <a:bodyPr rtlCol="0" anchor="ctr"/>
-              <a:lstStyle/>
-              <a:p>
-                <a:pPr algn="ctr"/>
-                <a:endParaRPr lang="en-US"/>
-              </a:p>
-            </p:txBody>
-          </p:sp>
-        </p:grpSp>
-        <p:sp>
-          <p:nvSpPr>
-            <p:cNvPr id="37" name="TextBox 36"/>
-            <p:cNvSpPr txBox="1"/>
-            <p:nvPr/>
-          </p:nvSpPr>
-          <p:spPr>
-            <a:xfrm>
-              <a:off x="3653687" y="1625031"/>
-              <a:ext cx="595035" cy="584776"/>
-            </a:xfrm>
-            <a:prstGeom prst="rect">
-              <a:avLst/>
-            </a:prstGeom>
-            <a:noFill/>
-          </p:spPr>
-          <p:txBody>
-            <a:bodyPr wrap="none" rtlCol="0">
-              <a:spAutoFit/>
-            </a:bodyPr>
-            <a:lstStyle/>
-            <a:p>
-              <a:r>
-                <a:rPr lang="en-US" sz="3200" dirty="0" smtClean="0">
-                  <a:solidFill>
-                    <a:schemeClr val="bg1"/>
-                  </a:solidFill>
-                  <a:latin typeface="Webdings" charset="2"/>
-                  <a:cs typeface="Webdings" charset="2"/>
-                </a:rPr>
-                <a:t></a:t>
-              </a:r>
-              <a:endParaRPr lang="en-US" sz="3200" dirty="0">
-                <a:solidFill>
-                  <a:schemeClr val="bg1"/>
-                </a:solidFill>
-                <a:latin typeface="Webdings" charset="2"/>
-                <a:cs typeface="Webdings" charset="2"/>
-              </a:endParaRPr>
-            </a:p>
-          </p:txBody>
-        </p:sp>
-      </p:grpSp>
-      <p:grpSp>
-        <p:nvGrpSpPr>
-          <p:cNvPr id="40" name="Group 39"/>
-          <p:cNvGrpSpPr/>
-          <p:nvPr/>
-        </p:nvGrpSpPr>
-        <p:grpSpPr>
-          <a:xfrm>
-            <a:off x="6305140" y="2789056"/>
-            <a:ext cx="689706" cy="689706"/>
-            <a:chOff x="3595072" y="1631464"/>
-            <a:chExt cx="689706" cy="689706"/>
-          </a:xfrm>
-        </p:grpSpPr>
-        <p:grpSp>
-          <p:nvGrpSpPr>
-            <p:cNvPr id="41" name="Group 40"/>
-            <p:cNvGrpSpPr/>
-            <p:nvPr/>
-          </p:nvGrpSpPr>
-          <p:grpSpPr>
-            <a:xfrm>
-              <a:off x="3595072" y="1631464"/>
-              <a:ext cx="689706" cy="689706"/>
-              <a:chOff x="3282464" y="1641233"/>
-              <a:chExt cx="689706" cy="689706"/>
-            </a:xfrm>
-          </p:grpSpPr>
-          <p:sp>
-            <p:nvSpPr>
-              <p:cNvPr id="43" name="Oval 42"/>
-              <p:cNvSpPr/>
-              <p:nvPr/>
-            </p:nvSpPr>
-            <p:spPr>
-              <a:xfrm>
-                <a:off x="3331308" y="1690077"/>
-                <a:ext cx="594360" cy="594360"/>
-              </a:xfrm>
-              <a:prstGeom prst="ellipse">
-                <a:avLst/>
-              </a:prstGeom>
-              <a:solidFill>
-                <a:srgbClr val="0097BB"/>
-              </a:solidFill>
-              <a:ln>
-                <a:noFill/>
-              </a:ln>
-              <a:effectLst/>
-            </p:spPr>
-            <p:style>
-              <a:lnRef idx="1">
-                <a:schemeClr val="accent1"/>
-              </a:lnRef>
-              <a:fillRef idx="3">
-                <a:schemeClr val="accent1"/>
-              </a:fillRef>
-              <a:effectRef idx="2">
-                <a:schemeClr val="accent1"/>
-              </a:effectRef>
-              <a:fontRef idx="minor">
-                <a:schemeClr val="lt1"/>
-              </a:fontRef>
-            </p:style>
-            <p:txBody>
-              <a:bodyPr rtlCol="0" anchor="ctr"/>
-              <a:lstStyle/>
-              <a:p>
-                <a:pPr algn="ctr"/>
-                <a:endParaRPr lang="en-US"/>
-              </a:p>
-            </p:txBody>
-          </p:sp>
-          <p:sp>
-            <p:nvSpPr>
-              <p:cNvPr id="44" name="Oval 43"/>
-              <p:cNvSpPr/>
-              <p:nvPr/>
-            </p:nvSpPr>
-            <p:spPr>
-              <a:xfrm>
-                <a:off x="3282464" y="1641233"/>
-                <a:ext cx="689706" cy="689706"/>
-              </a:xfrm>
-              <a:prstGeom prst="ellipse">
-                <a:avLst/>
-              </a:prstGeom>
-              <a:noFill/>
-              <a:ln w="28575" cmpd="sng">
-                <a:solidFill>
-                  <a:srgbClr val="0097BB"/>
-                </a:solidFill>
-              </a:ln>
-              <a:effectLst/>
-            </p:spPr>
-            <p:style>
-              <a:lnRef idx="1">
-                <a:schemeClr val="accent1"/>
-              </a:lnRef>
-              <a:fillRef idx="3">
-                <a:schemeClr val="accent1"/>
-              </a:fillRef>
-              <a:effectRef idx="2">
-                <a:schemeClr val="accent1"/>
-              </a:effectRef>
-              <a:fontRef idx="minor">
-                <a:schemeClr val="lt1"/>
-              </a:fontRef>
-            </p:style>
-            <p:txBody>
-              <a:bodyPr rtlCol="0" anchor="ctr"/>
-              <a:lstStyle/>
-              <a:p>
-                <a:pPr algn="ctr"/>
-                <a:endParaRPr lang="en-US"/>
-              </a:p>
-            </p:txBody>
-          </p:sp>
-        </p:grpSp>
-        <p:sp>
-          <p:nvSpPr>
-            <p:cNvPr id="42" name="TextBox 41"/>
-            <p:cNvSpPr txBox="1"/>
-            <p:nvPr/>
-          </p:nvSpPr>
-          <p:spPr>
-            <a:xfrm>
-              <a:off x="3643918" y="1654338"/>
-              <a:ext cx="595035" cy="584776"/>
-            </a:xfrm>
-            <a:prstGeom prst="rect">
-              <a:avLst/>
-            </a:prstGeom>
-            <a:noFill/>
-          </p:spPr>
-          <p:txBody>
-            <a:bodyPr wrap="none" rtlCol="0">
-              <a:spAutoFit/>
-            </a:bodyPr>
-            <a:lstStyle/>
-            <a:p>
-              <a:r>
-                <a:rPr lang="en-US" sz="3200" dirty="0" smtClean="0">
-                  <a:solidFill>
-                    <a:schemeClr val="bg1"/>
-                  </a:solidFill>
-                  <a:latin typeface="Webdings" charset="2"/>
-                  <a:cs typeface="Webdings" charset="2"/>
-                </a:rPr>
-                <a:t></a:t>
-              </a:r>
-              <a:endParaRPr lang="en-US" sz="3200" dirty="0">
-                <a:solidFill>
-                  <a:schemeClr val="bg1"/>
-                </a:solidFill>
-                <a:latin typeface="Webdings" charset="2"/>
-                <a:cs typeface="Webdings" charset="2"/>
-              </a:endParaRPr>
-            </a:p>
-          </p:txBody>
-        </p:sp>
-      </p:grpSp>
-      <p:grpSp>
-        <p:nvGrpSpPr>
-          <p:cNvPr id="45" name="Group 44"/>
-          <p:cNvGrpSpPr/>
-          <p:nvPr/>
-        </p:nvGrpSpPr>
-        <p:grpSpPr>
-          <a:xfrm>
-            <a:off x="5142087" y="3815948"/>
-            <a:ext cx="689706" cy="689706"/>
-            <a:chOff x="3595072" y="1631464"/>
-            <a:chExt cx="689706" cy="689706"/>
-          </a:xfrm>
-        </p:grpSpPr>
-        <p:grpSp>
-          <p:nvGrpSpPr>
-            <p:cNvPr id="47" name="Group 46"/>
-            <p:cNvGrpSpPr/>
-            <p:nvPr/>
-          </p:nvGrpSpPr>
-          <p:grpSpPr>
-            <a:xfrm>
-              <a:off x="3595072" y="1631464"/>
-              <a:ext cx="689706" cy="689706"/>
-              <a:chOff x="3282464" y="1641233"/>
-              <a:chExt cx="689706" cy="689706"/>
-            </a:xfrm>
-          </p:grpSpPr>
-          <p:sp>
-            <p:nvSpPr>
-              <p:cNvPr id="49" name="Oval 48"/>
-              <p:cNvSpPr/>
-              <p:nvPr/>
-            </p:nvSpPr>
-            <p:spPr>
-              <a:xfrm>
-                <a:off x="3331308" y="1690077"/>
-                <a:ext cx="594360" cy="594360"/>
-              </a:xfrm>
-              <a:prstGeom prst="ellipse">
-                <a:avLst/>
-              </a:prstGeom>
-              <a:solidFill>
-                <a:srgbClr val="0097BB"/>
-              </a:solidFill>
-              <a:ln>
-                <a:noFill/>
-              </a:ln>
-              <a:effectLst/>
-            </p:spPr>
-            <p:style>
-              <a:lnRef idx="1">
-                <a:schemeClr val="accent1"/>
-              </a:lnRef>
-              <a:fillRef idx="3">
-                <a:schemeClr val="accent1"/>
-              </a:fillRef>
-              <a:effectRef idx="2">
-                <a:schemeClr val="accent1"/>
-              </a:effectRef>
-              <a:fontRef idx="minor">
-                <a:schemeClr val="lt1"/>
-              </a:fontRef>
-            </p:style>
-            <p:txBody>
-              <a:bodyPr rtlCol="0" anchor="ctr"/>
-              <a:lstStyle/>
-              <a:p>
-                <a:pPr algn="ctr"/>
-                <a:endParaRPr lang="en-US"/>
-              </a:p>
-            </p:txBody>
-          </p:sp>
-          <p:sp>
-            <p:nvSpPr>
-              <p:cNvPr id="50" name="Oval 49"/>
-              <p:cNvSpPr/>
-              <p:nvPr/>
-            </p:nvSpPr>
-            <p:spPr>
-              <a:xfrm>
-                <a:off x="3282464" y="1641233"/>
-                <a:ext cx="689706" cy="689706"/>
-              </a:xfrm>
-              <a:prstGeom prst="ellipse">
-                <a:avLst/>
-              </a:prstGeom>
-              <a:noFill/>
-              <a:ln w="28575" cmpd="sng">
-                <a:solidFill>
-                  <a:srgbClr val="0097BB"/>
-                </a:solidFill>
-              </a:ln>
-              <a:effectLst/>
-            </p:spPr>
-            <p:style>
-              <a:lnRef idx="1">
-                <a:schemeClr val="accent1"/>
-              </a:lnRef>
-              <a:fillRef idx="3">
-                <a:schemeClr val="accent1"/>
-              </a:fillRef>
-              <a:effectRef idx="2">
-                <a:schemeClr val="accent1"/>
-              </a:effectRef>
-              <a:fontRef idx="minor">
-                <a:schemeClr val="lt1"/>
-              </a:fontRef>
-            </p:style>
-            <p:txBody>
-              <a:bodyPr rtlCol="0" anchor="ctr"/>
-              <a:lstStyle/>
-              <a:p>
-                <a:pPr algn="ctr"/>
-                <a:endParaRPr lang="en-US"/>
-              </a:p>
-            </p:txBody>
-          </p:sp>
-        </p:grpSp>
-        <p:sp>
-          <p:nvSpPr>
-            <p:cNvPr id="48" name="TextBox 47"/>
-            <p:cNvSpPr txBox="1"/>
-            <p:nvPr/>
-          </p:nvSpPr>
-          <p:spPr>
-            <a:xfrm>
-              <a:off x="3643918" y="1654338"/>
-              <a:ext cx="595035" cy="584776"/>
-            </a:xfrm>
-            <a:prstGeom prst="rect">
-              <a:avLst/>
-            </a:prstGeom>
-            <a:noFill/>
-          </p:spPr>
-          <p:txBody>
-            <a:bodyPr wrap="none" rtlCol="0">
-              <a:spAutoFit/>
-            </a:bodyPr>
-            <a:lstStyle/>
-            <a:p>
-              <a:r>
-                <a:rPr lang="en-US" sz="3200" dirty="0" smtClean="0">
-                  <a:solidFill>
-                    <a:schemeClr val="bg1"/>
-                  </a:solidFill>
-                  <a:latin typeface="Webdings" charset="2"/>
-                  <a:cs typeface="Webdings" charset="2"/>
-                </a:rPr>
-                <a:t></a:t>
-              </a:r>
-              <a:endParaRPr lang="en-US" sz="3200" dirty="0">
-                <a:solidFill>
-                  <a:schemeClr val="bg1"/>
-                </a:solidFill>
-                <a:latin typeface="Webdings" charset="2"/>
-                <a:cs typeface="Webdings" charset="2"/>
-              </a:endParaRPr>
-            </a:p>
-          </p:txBody>
-        </p:sp>
-      </p:grpSp>
-      <p:grpSp>
-        <p:nvGrpSpPr>
-          <p:cNvPr id="51" name="Group 50"/>
-          <p:cNvGrpSpPr/>
-          <p:nvPr/>
-        </p:nvGrpSpPr>
-        <p:grpSpPr>
-          <a:xfrm>
-            <a:off x="6556791" y="1453465"/>
-            <a:ext cx="689706" cy="689706"/>
-            <a:chOff x="3595072" y="1631464"/>
-            <a:chExt cx="689706" cy="689706"/>
-          </a:xfrm>
-        </p:grpSpPr>
-        <p:grpSp>
-          <p:nvGrpSpPr>
-            <p:cNvPr id="52" name="Group 51"/>
-            <p:cNvGrpSpPr/>
-            <p:nvPr/>
-          </p:nvGrpSpPr>
-          <p:grpSpPr>
-            <a:xfrm>
-              <a:off x="3595072" y="1631464"/>
-              <a:ext cx="689706" cy="689706"/>
-              <a:chOff x="3282464" y="1641233"/>
-              <a:chExt cx="689706" cy="689706"/>
-            </a:xfrm>
-          </p:grpSpPr>
-          <p:sp>
-            <p:nvSpPr>
-              <p:cNvPr id="54" name="Oval 53"/>
-              <p:cNvSpPr/>
-              <p:nvPr/>
-            </p:nvSpPr>
-            <p:spPr>
-              <a:xfrm>
-                <a:off x="3331308" y="1690077"/>
-                <a:ext cx="594360" cy="594360"/>
-              </a:xfrm>
-              <a:prstGeom prst="ellipse">
-                <a:avLst/>
-              </a:prstGeom>
-              <a:solidFill>
-                <a:srgbClr val="0097BB"/>
-              </a:solidFill>
-              <a:ln>
-                <a:noFill/>
-              </a:ln>
-              <a:effectLst/>
-            </p:spPr>
-            <p:style>
-              <a:lnRef idx="1">
-                <a:schemeClr val="accent1"/>
-              </a:lnRef>
-              <a:fillRef idx="3">
-                <a:schemeClr val="accent1"/>
-              </a:fillRef>
-              <a:effectRef idx="2">
-                <a:schemeClr val="accent1"/>
-              </a:effectRef>
-              <a:fontRef idx="minor">
-                <a:schemeClr val="lt1"/>
-              </a:fontRef>
-            </p:style>
-            <p:txBody>
-              <a:bodyPr rtlCol="0" anchor="ctr"/>
-              <a:lstStyle/>
-              <a:p>
-                <a:pPr algn="ctr"/>
-                <a:endParaRPr lang="en-US"/>
-              </a:p>
-            </p:txBody>
-          </p:sp>
-          <p:sp>
-            <p:nvSpPr>
-              <p:cNvPr id="55" name="Oval 54"/>
-              <p:cNvSpPr/>
-              <p:nvPr/>
-            </p:nvSpPr>
-            <p:spPr>
-              <a:xfrm>
-                <a:off x="3282464" y="1641233"/>
-                <a:ext cx="689706" cy="689706"/>
-              </a:xfrm>
-              <a:prstGeom prst="ellipse">
-                <a:avLst/>
-              </a:prstGeom>
-              <a:noFill/>
-              <a:ln w="28575" cmpd="sng">
-                <a:solidFill>
-                  <a:srgbClr val="0097BB"/>
-                </a:solidFill>
-              </a:ln>
-              <a:effectLst/>
-            </p:spPr>
-            <p:style>
-              <a:lnRef idx="1">
-                <a:schemeClr val="accent1"/>
-              </a:lnRef>
-              <a:fillRef idx="3">
-                <a:schemeClr val="accent1"/>
-              </a:fillRef>
-              <a:effectRef idx="2">
-                <a:schemeClr val="accent1"/>
-              </a:effectRef>
-              <a:fontRef idx="minor">
-                <a:schemeClr val="lt1"/>
-              </a:fontRef>
-            </p:style>
-            <p:txBody>
-              <a:bodyPr rtlCol="0" anchor="ctr"/>
-              <a:lstStyle/>
-              <a:p>
-                <a:pPr algn="ctr"/>
-                <a:endParaRPr lang="en-US"/>
-              </a:p>
-            </p:txBody>
-          </p:sp>
-        </p:grpSp>
-        <p:sp>
-          <p:nvSpPr>
-            <p:cNvPr id="53" name="TextBox 52"/>
-            <p:cNvSpPr txBox="1"/>
-            <p:nvPr/>
-          </p:nvSpPr>
-          <p:spPr>
-            <a:xfrm>
-              <a:off x="3643918" y="1654338"/>
-              <a:ext cx="595035" cy="584776"/>
-            </a:xfrm>
-            <a:prstGeom prst="rect">
-              <a:avLst/>
-            </a:prstGeom>
-            <a:noFill/>
-          </p:spPr>
-          <p:txBody>
-            <a:bodyPr wrap="none" rtlCol="0">
-              <a:spAutoFit/>
-            </a:bodyPr>
-            <a:lstStyle/>
-            <a:p>
-              <a:r>
-                <a:rPr lang="en-US" sz="3200" dirty="0" smtClean="0">
-                  <a:solidFill>
-                    <a:schemeClr val="bg1"/>
-                  </a:solidFill>
-                  <a:latin typeface="Webdings" charset="2"/>
-                  <a:cs typeface="Webdings" charset="2"/>
-                </a:rPr>
-                <a:t></a:t>
-              </a:r>
-              <a:endParaRPr lang="en-US" sz="3200" dirty="0">
-                <a:solidFill>
-                  <a:schemeClr val="bg1"/>
-                </a:solidFill>
-                <a:latin typeface="Webdings" charset="2"/>
-                <a:cs typeface="Webdings" charset="2"/>
-              </a:endParaRPr>
-            </a:p>
-          </p:txBody>
-        </p:sp>
-      </p:grpSp>
-      <p:cxnSp>
-        <p:nvCxnSpPr>
-          <p:cNvPr id="16" name="Straight Arrow Connector 15"/>
-          <p:cNvCxnSpPr>
-            <a:endCxn id="34" idx="3"/>
-          </p:cNvCxnSpPr>
-          <p:nvPr/>
-        </p:nvCxnSpPr>
-        <p:spPr>
-          <a:xfrm flipV="1">
-            <a:off x="1944073" y="1658953"/>
-            <a:ext cx="1052317" cy="904980"/>
-          </a:xfrm>
-          <a:prstGeom prst="straightConnector1">
-            <a:avLst/>
-          </a:prstGeom>
-          <a:ln w="38100" cmpd="sng">
-            <a:solidFill>
-              <a:srgbClr val="0097BB"/>
-            </a:solidFill>
-            <a:headEnd type="none"/>
-            <a:tailEnd type="triangle" w="lg" len="lg"/>
-          </a:ln>
-          <a:effectLst/>
-        </p:spPr>
-        <p:style>
-          <a:lnRef idx="2">
-            <a:schemeClr val="accent1"/>
-          </a:lnRef>
-          <a:fillRef idx="0">
-            <a:schemeClr val="accent1"/>
-          </a:fillRef>
-          <a:effectRef idx="1">
-            <a:schemeClr val="accent1"/>
-          </a:effectRef>
-          <a:fontRef idx="minor">
-            <a:schemeClr val="tx1"/>
-          </a:fontRef>
-        </p:style>
-      </p:cxnSp>
-      <p:cxnSp>
-        <p:nvCxnSpPr>
-          <p:cNvPr id="56" name="Straight Arrow Connector 55"/>
-          <p:cNvCxnSpPr>
-            <a:endCxn id="34" idx="5"/>
-          </p:cNvCxnSpPr>
-          <p:nvPr/>
-        </p:nvCxnSpPr>
-        <p:spPr>
-          <a:xfrm flipH="1" flipV="1">
-            <a:off x="3484086" y="1658953"/>
-            <a:ext cx="909098" cy="998638"/>
-          </a:xfrm>
-          <a:prstGeom prst="straightConnector1">
-            <a:avLst/>
-          </a:prstGeom>
-          <a:ln w="38100" cmpd="sng">
-            <a:solidFill>
-              <a:srgbClr val="0097BB"/>
-            </a:solidFill>
-            <a:headEnd type="none"/>
-            <a:tailEnd type="triangle" w="lg" len="lg"/>
-          </a:ln>
-          <a:effectLst/>
-        </p:spPr>
-        <p:style>
-          <a:lnRef idx="2">
-            <a:schemeClr val="accent1"/>
-          </a:lnRef>
-          <a:fillRef idx="0">
-            <a:schemeClr val="accent1"/>
-          </a:fillRef>
-          <a:effectRef idx="1">
-            <a:schemeClr val="accent1"/>
-          </a:effectRef>
-          <a:fontRef idx="minor">
-            <a:schemeClr val="tx1"/>
-          </a:fontRef>
-        </p:style>
-      </p:cxnSp>
-      <p:cxnSp>
-        <p:nvCxnSpPr>
-          <p:cNvPr id="58" name="Straight Arrow Connector 57"/>
-          <p:cNvCxnSpPr>
-            <a:stCxn id="39" idx="2"/>
-            <a:endCxn id="34" idx="6"/>
-          </p:cNvCxnSpPr>
-          <p:nvPr/>
-        </p:nvCxnSpPr>
-        <p:spPr>
-          <a:xfrm flipH="1" flipV="1">
-            <a:off x="3585091" y="1415105"/>
-            <a:ext cx="1124725" cy="178185"/>
-          </a:xfrm>
-          <a:prstGeom prst="straightConnector1">
-            <a:avLst/>
-          </a:prstGeom>
-          <a:ln w="38100" cmpd="sng">
-            <a:solidFill>
-              <a:srgbClr val="0097BB"/>
-            </a:solidFill>
-            <a:headEnd type="triangle" w="lg" len="lg"/>
-            <a:tailEnd type="triangle" w="lg" len="lg"/>
-          </a:ln>
-          <a:effectLst/>
-        </p:spPr>
-        <p:style>
-          <a:lnRef idx="2">
-            <a:schemeClr val="accent1"/>
-          </a:lnRef>
-          <a:fillRef idx="0">
-            <a:schemeClr val="accent1"/>
-          </a:fillRef>
-          <a:effectRef idx="1">
-            <a:schemeClr val="accent1"/>
-          </a:effectRef>
-          <a:fontRef idx="minor">
-            <a:schemeClr val="tx1"/>
-          </a:fontRef>
-        </p:style>
-      </p:cxnSp>
-      <p:cxnSp>
-        <p:nvCxnSpPr>
-          <p:cNvPr id="61" name="Straight Arrow Connector 60"/>
-          <p:cNvCxnSpPr>
-            <a:endCxn id="34" idx="4"/>
-          </p:cNvCxnSpPr>
-          <p:nvPr/>
-        </p:nvCxnSpPr>
-        <p:spPr>
-          <a:xfrm flipV="1">
-            <a:off x="3240238" y="1759958"/>
-            <a:ext cx="0" cy="2055990"/>
-          </a:xfrm>
-          <a:prstGeom prst="straightConnector1">
-            <a:avLst/>
-          </a:prstGeom>
-          <a:ln w="38100" cmpd="sng">
-            <a:solidFill>
-              <a:srgbClr val="0097BB"/>
-            </a:solidFill>
-            <a:headEnd type="none"/>
-            <a:tailEnd type="triangle" w="lg" len="lg"/>
-          </a:ln>
-          <a:effectLst/>
-        </p:spPr>
-        <p:style>
-          <a:lnRef idx="2">
-            <a:schemeClr val="accent1"/>
-          </a:lnRef>
-          <a:fillRef idx="0">
-            <a:schemeClr val="accent1"/>
-          </a:fillRef>
-          <a:effectRef idx="1">
-            <a:schemeClr val="accent1"/>
-          </a:effectRef>
-          <a:fontRef idx="minor">
-            <a:schemeClr val="tx1"/>
-          </a:fontRef>
-        </p:style>
-      </p:cxnSp>
-      <p:cxnSp>
-        <p:nvCxnSpPr>
-          <p:cNvPr id="66" name="Straight Arrow Connector 65"/>
-          <p:cNvCxnSpPr/>
-          <p:nvPr/>
-        </p:nvCxnSpPr>
-        <p:spPr>
-          <a:xfrm flipH="1" flipV="1">
-            <a:off x="1944073" y="3133909"/>
-            <a:ext cx="951312" cy="783044"/>
-          </a:xfrm>
-          <a:prstGeom prst="straightConnector1">
-            <a:avLst/>
-          </a:prstGeom>
-          <a:ln w="38100" cmpd="sng">
-            <a:solidFill>
-              <a:srgbClr val="0097BB"/>
-            </a:solidFill>
-            <a:headEnd type="none"/>
-            <a:tailEnd type="triangle" w="lg" len="lg"/>
-          </a:ln>
-          <a:effectLst/>
-        </p:spPr>
-        <p:style>
-          <a:lnRef idx="2">
-            <a:schemeClr val="accent1"/>
-          </a:lnRef>
-          <a:fillRef idx="0">
-            <a:schemeClr val="accent1"/>
-          </a:fillRef>
-          <a:effectRef idx="1">
-            <a:schemeClr val="accent1"/>
-          </a:effectRef>
-          <a:fontRef idx="minor">
-            <a:schemeClr val="tx1"/>
-          </a:fontRef>
-        </p:style>
-      </p:cxnSp>
-      <p:cxnSp>
-        <p:nvCxnSpPr>
-          <p:cNvPr id="70" name="Straight Arrow Connector 69"/>
-          <p:cNvCxnSpPr>
-            <a:stCxn id="14" idx="2"/>
-            <a:endCxn id="29" idx="6"/>
-          </p:cNvCxnSpPr>
-          <p:nvPr/>
-        </p:nvCxnSpPr>
-        <p:spPr>
-          <a:xfrm flipH="1" flipV="1">
-            <a:off x="2062330" y="2859942"/>
-            <a:ext cx="2142792" cy="93658"/>
-          </a:xfrm>
-          <a:prstGeom prst="straightConnector1">
-            <a:avLst/>
-          </a:prstGeom>
-          <a:ln w="38100" cmpd="sng">
-            <a:solidFill>
-              <a:srgbClr val="0097BB"/>
-            </a:solidFill>
-            <a:headEnd type="none"/>
-            <a:tailEnd type="triangle" w="lg" len="lg"/>
-          </a:ln>
-          <a:effectLst/>
-        </p:spPr>
-        <p:style>
-          <a:lnRef idx="2">
-            <a:schemeClr val="accent1"/>
-          </a:lnRef>
-          <a:fillRef idx="0">
-            <a:schemeClr val="accent1"/>
-          </a:fillRef>
-          <a:effectRef idx="1">
-            <a:schemeClr val="accent1"/>
-          </a:effectRef>
-          <a:fontRef idx="minor">
-            <a:schemeClr val="tx1"/>
-          </a:fontRef>
-        </p:style>
-      </p:cxnSp>
-      <p:cxnSp>
-        <p:nvCxnSpPr>
-          <p:cNvPr id="73" name="Straight Arrow Connector 72"/>
-          <p:cNvCxnSpPr>
-            <a:stCxn id="39" idx="6"/>
-            <a:endCxn id="55" idx="2"/>
-          </p:cNvCxnSpPr>
-          <p:nvPr/>
-        </p:nvCxnSpPr>
-        <p:spPr>
-          <a:xfrm>
-            <a:off x="5399522" y="1593290"/>
-            <a:ext cx="1157269" cy="205028"/>
-          </a:xfrm>
-          <a:prstGeom prst="straightConnector1">
-            <a:avLst/>
-          </a:prstGeom>
-          <a:ln w="38100" cmpd="sng">
-            <a:solidFill>
-              <a:srgbClr val="0097BB"/>
-            </a:solidFill>
-            <a:headEnd type="none"/>
-            <a:tailEnd type="triangle" w="lg" len="lg"/>
-          </a:ln>
-          <a:effectLst/>
-        </p:spPr>
-        <p:style>
-          <a:lnRef idx="2">
-            <a:schemeClr val="accent1"/>
-          </a:lnRef>
-          <a:fillRef idx="0">
-            <a:schemeClr val="accent1"/>
-          </a:fillRef>
-          <a:effectRef idx="1">
-            <a:schemeClr val="accent1"/>
-          </a:effectRef>
-          <a:fontRef idx="minor">
-            <a:schemeClr val="tx1"/>
-          </a:fontRef>
-        </p:style>
-      </p:cxnSp>
-      <p:cxnSp>
-        <p:nvCxnSpPr>
-          <p:cNvPr id="76" name="Straight Arrow Connector 75"/>
-          <p:cNvCxnSpPr>
-            <a:stCxn id="44" idx="0"/>
-            <a:endCxn id="55" idx="4"/>
-          </p:cNvCxnSpPr>
-          <p:nvPr/>
-        </p:nvCxnSpPr>
-        <p:spPr>
-          <a:xfrm flipV="1">
-            <a:off x="6649993" y="2143171"/>
-            <a:ext cx="251651" cy="645885"/>
-          </a:xfrm>
-          <a:prstGeom prst="straightConnector1">
-            <a:avLst/>
-          </a:prstGeom>
-          <a:ln w="38100" cmpd="sng">
-            <a:solidFill>
-              <a:srgbClr val="0097BB"/>
-            </a:solidFill>
-            <a:headEnd type="none"/>
-            <a:tailEnd type="triangle" w="lg" len="lg"/>
-          </a:ln>
-          <a:effectLst/>
-        </p:spPr>
-        <p:style>
-          <a:lnRef idx="2">
-            <a:schemeClr val="accent1"/>
-          </a:lnRef>
-          <a:fillRef idx="0">
-            <a:schemeClr val="accent1"/>
-          </a:fillRef>
-          <a:effectRef idx="1">
-            <a:schemeClr val="accent1"/>
-          </a:effectRef>
-          <a:fontRef idx="minor">
-            <a:schemeClr val="tx1"/>
-          </a:fontRef>
-        </p:style>
-      </p:cxnSp>
-      <p:cxnSp>
-        <p:nvCxnSpPr>
-          <p:cNvPr id="79" name="Straight Arrow Connector 78"/>
-          <p:cNvCxnSpPr>
-            <a:stCxn id="44" idx="3"/>
-            <a:endCxn id="50" idx="7"/>
-          </p:cNvCxnSpPr>
-          <p:nvPr/>
-        </p:nvCxnSpPr>
-        <p:spPr>
-          <a:xfrm flipH="1">
-            <a:off x="5730788" y="3377757"/>
-            <a:ext cx="675357" cy="539196"/>
-          </a:xfrm>
-          <a:prstGeom prst="straightConnector1">
-            <a:avLst/>
-          </a:prstGeom>
-          <a:ln w="38100" cmpd="sng">
-            <a:solidFill>
-              <a:srgbClr val="0097BB"/>
-            </a:solidFill>
-            <a:headEnd type="none"/>
-            <a:tailEnd type="triangle" w="lg" len="lg"/>
-          </a:ln>
-          <a:effectLst/>
-        </p:spPr>
-        <p:style>
-          <a:lnRef idx="2">
-            <a:schemeClr val="accent1"/>
-          </a:lnRef>
-          <a:fillRef idx="0">
-            <a:schemeClr val="accent1"/>
-          </a:fillRef>
-          <a:effectRef idx="1">
-            <a:schemeClr val="accent1"/>
-          </a:effectRef>
-          <a:fontRef idx="minor">
-            <a:schemeClr val="tx1"/>
-          </a:fontRef>
-        </p:style>
-      </p:cxnSp>
-      <p:cxnSp>
-        <p:nvCxnSpPr>
-          <p:cNvPr id="82" name="Straight Arrow Connector 81"/>
-          <p:cNvCxnSpPr>
-            <a:stCxn id="24" idx="6"/>
-            <a:endCxn id="50" idx="2"/>
-          </p:cNvCxnSpPr>
-          <p:nvPr/>
-        </p:nvCxnSpPr>
-        <p:spPr>
-          <a:xfrm>
-            <a:off x="3516497" y="4160801"/>
-            <a:ext cx="1625590" cy="0"/>
-          </a:xfrm>
-          <a:prstGeom prst="straightConnector1">
-            <a:avLst/>
-          </a:prstGeom>
-          <a:ln w="38100" cmpd="sng">
-            <a:solidFill>
-              <a:srgbClr val="0097BB"/>
-            </a:solidFill>
-            <a:headEnd type="none"/>
-            <a:tailEnd type="triangle" w="lg" len="lg"/>
-          </a:ln>
-          <a:effectLst/>
-        </p:spPr>
-        <p:style>
-          <a:lnRef idx="2">
-            <a:schemeClr val="accent1"/>
-          </a:lnRef>
-          <a:fillRef idx="0">
-            <a:schemeClr val="accent1"/>
-          </a:fillRef>
-          <a:effectRef idx="1">
-            <a:schemeClr val="accent1"/>
-          </a:effectRef>
-          <a:fontRef idx="minor">
-            <a:schemeClr val="tx1"/>
-          </a:fontRef>
-        </p:style>
-      </p:cxnSp>
-      <p:cxnSp>
-        <p:nvCxnSpPr>
-          <p:cNvPr id="86" name="Straight Arrow Connector 85"/>
-          <p:cNvCxnSpPr>
-            <a:endCxn id="44" idx="2"/>
-          </p:cNvCxnSpPr>
-          <p:nvPr/>
-        </p:nvCxnSpPr>
-        <p:spPr>
-          <a:xfrm>
-            <a:off x="4894828" y="2953600"/>
-            <a:ext cx="1410312" cy="180309"/>
-          </a:xfrm>
-          <a:prstGeom prst="straightConnector1">
-            <a:avLst/>
-          </a:prstGeom>
-          <a:ln w="38100" cmpd="sng">
-            <a:solidFill>
-              <a:srgbClr val="0097BB"/>
-            </a:solidFill>
-            <a:headEnd type="none"/>
-            <a:tailEnd type="triangle" w="lg" len="lg"/>
-          </a:ln>
-          <a:effectLst/>
-        </p:spPr>
-        <p:style>
-          <a:lnRef idx="2">
-            <a:schemeClr val="accent1"/>
-          </a:lnRef>
-          <a:fillRef idx="0">
-            <a:schemeClr val="accent1"/>
-          </a:fillRef>
-          <a:effectRef idx="1">
-            <a:schemeClr val="accent1"/>
-          </a:effectRef>
-          <a:fontRef idx="minor">
-            <a:schemeClr val="tx1"/>
-          </a:fontRef>
-        </p:style>
-      </p:cxnSp>
-      <p:sp>
-        <p:nvSpPr>
-          <p:cNvPr id="100" name="TextBox 99"/>
-          <p:cNvSpPr txBox="1"/>
-          <p:nvPr/>
-        </p:nvSpPr>
-        <p:spPr>
-          <a:xfrm>
-            <a:off x="2774455" y="741442"/>
-            <a:ext cx="928459" cy="307777"/>
-          </a:xfrm>
-          <a:prstGeom prst="rect">
-            <a:avLst/>
-          </a:prstGeom>
-          <a:noFill/>
-        </p:spPr>
-        <p:txBody>
-          <a:bodyPr wrap="none" rtlCol="0">
-            <a:spAutoFit/>
-          </a:bodyPr>
-          <a:lstStyle/>
-          <a:p>
-            <a:r>
-              <a:rPr lang="en-US" sz="1400" dirty="0" err="1" smtClean="0">
-                <a:solidFill>
-                  <a:srgbClr val="0A556D"/>
-                </a:solidFill>
-                <a:latin typeface="Helvetica"/>
-                <a:cs typeface="Helvetica"/>
-              </a:rPr>
-              <a:t>DataStax</a:t>
-            </a:r>
-            <a:endParaRPr lang="en-US" sz="1400" dirty="0">
-              <a:solidFill>
-                <a:srgbClr val="0A556D"/>
-              </a:solidFill>
-              <a:latin typeface="Helvetica"/>
-              <a:cs typeface="Helvetica"/>
-            </a:endParaRPr>
-          </a:p>
-        </p:txBody>
-      </p:sp>
-      <p:sp>
-        <p:nvSpPr>
-          <p:cNvPr id="101" name="TextBox 100"/>
-          <p:cNvSpPr txBox="1"/>
-          <p:nvPr/>
-        </p:nvSpPr>
-        <p:spPr>
-          <a:xfrm>
-            <a:off x="4530057" y="913380"/>
-            <a:ext cx="1052629" cy="307777"/>
-          </a:xfrm>
-          <a:prstGeom prst="rect">
-            <a:avLst/>
-          </a:prstGeom>
-          <a:noFill/>
-        </p:spPr>
-        <p:txBody>
-          <a:bodyPr wrap="none" rtlCol="0">
-            <a:spAutoFit/>
-          </a:bodyPr>
-          <a:lstStyle/>
-          <a:p>
-            <a:r>
-              <a:rPr lang="en-US" sz="1400" dirty="0" err="1" smtClean="0">
-                <a:solidFill>
-                  <a:srgbClr val="0A556D"/>
-                </a:solidFill>
-                <a:latin typeface="Helvetica"/>
-                <a:cs typeface="Helvetica"/>
-              </a:rPr>
-              <a:t>DataBricks</a:t>
-            </a:r>
-            <a:endParaRPr lang="en-US" sz="1400" dirty="0">
-              <a:solidFill>
-                <a:srgbClr val="0A556D"/>
-              </a:solidFill>
-              <a:latin typeface="Helvetica"/>
-              <a:cs typeface="Helvetica"/>
-            </a:endParaRPr>
-          </a:p>
-        </p:txBody>
-      </p:sp>
-      <p:sp>
-        <p:nvSpPr>
-          <p:cNvPr id="102" name="TextBox 101"/>
-          <p:cNvSpPr txBox="1"/>
-          <p:nvPr/>
-        </p:nvSpPr>
-        <p:spPr>
-          <a:xfrm>
-            <a:off x="6549366" y="1114625"/>
-            <a:ext cx="659155" cy="307777"/>
-          </a:xfrm>
-          <a:prstGeom prst="rect">
-            <a:avLst/>
-          </a:prstGeom>
-          <a:noFill/>
-        </p:spPr>
-        <p:txBody>
-          <a:bodyPr wrap="none" rtlCol="0">
-            <a:spAutoFit/>
-          </a:bodyPr>
-          <a:lstStyle/>
-          <a:p>
-            <a:r>
-              <a:rPr lang="en-US" sz="1400" dirty="0" smtClean="0">
-                <a:solidFill>
-                  <a:srgbClr val="0A556D"/>
-                </a:solidFill>
-                <a:latin typeface="Helvetica"/>
-                <a:cs typeface="Helvetica"/>
-              </a:rPr>
-              <a:t>Spark</a:t>
-            </a:r>
-            <a:endParaRPr lang="en-US" sz="1400" dirty="0">
-              <a:solidFill>
-                <a:srgbClr val="0A556D"/>
-              </a:solidFill>
-              <a:latin typeface="Helvetica"/>
-              <a:cs typeface="Helvetica"/>
-            </a:endParaRPr>
-          </a:p>
-        </p:txBody>
-      </p:sp>
-      <p:sp>
-        <p:nvSpPr>
-          <p:cNvPr id="103" name="TextBox 102"/>
-          <p:cNvSpPr txBox="1"/>
-          <p:nvPr/>
-        </p:nvSpPr>
-        <p:spPr>
-          <a:xfrm>
-            <a:off x="6374767" y="3468993"/>
-            <a:ext cx="553820" cy="307777"/>
-          </a:xfrm>
-          <a:prstGeom prst="rect">
-            <a:avLst/>
-          </a:prstGeom>
-          <a:noFill/>
-        </p:spPr>
-        <p:txBody>
-          <a:bodyPr wrap="none" rtlCol="0">
-            <a:spAutoFit/>
-          </a:bodyPr>
-          <a:lstStyle/>
-          <a:p>
-            <a:r>
-              <a:rPr lang="en-US" sz="1400" dirty="0" smtClean="0">
-                <a:solidFill>
-                  <a:srgbClr val="0A556D"/>
-                </a:solidFill>
-                <a:latin typeface="Helvetica"/>
-                <a:cs typeface="Helvetica"/>
-              </a:rPr>
-              <a:t>DSE</a:t>
-            </a:r>
-            <a:endParaRPr lang="en-US" sz="1400" dirty="0">
-              <a:solidFill>
-                <a:srgbClr val="0A556D"/>
-              </a:solidFill>
-              <a:latin typeface="Helvetica"/>
-              <a:cs typeface="Helvetica"/>
-            </a:endParaRPr>
-          </a:p>
-        </p:txBody>
-      </p:sp>
-      <p:sp>
-        <p:nvSpPr>
-          <p:cNvPr id="104" name="TextBox 103"/>
-          <p:cNvSpPr txBox="1"/>
-          <p:nvPr/>
-        </p:nvSpPr>
-        <p:spPr>
-          <a:xfrm>
-            <a:off x="4963815" y="4495885"/>
-            <a:ext cx="1056700" cy="307777"/>
-          </a:xfrm>
-          <a:prstGeom prst="rect">
-            <a:avLst/>
-          </a:prstGeom>
-          <a:noFill/>
-        </p:spPr>
-        <p:txBody>
-          <a:bodyPr wrap="none" rtlCol="0">
-            <a:spAutoFit/>
-          </a:bodyPr>
-          <a:lstStyle/>
-          <a:p>
-            <a:r>
-              <a:rPr lang="en-US" sz="1400" dirty="0" smtClean="0">
-                <a:solidFill>
-                  <a:srgbClr val="0A556D"/>
-                </a:solidFill>
-                <a:latin typeface="Helvetica"/>
-                <a:cs typeface="Helvetica"/>
-              </a:rPr>
-              <a:t>Cassandra</a:t>
-            </a:r>
-            <a:endParaRPr lang="en-US" sz="1400" dirty="0">
-              <a:solidFill>
-                <a:srgbClr val="0A556D"/>
-              </a:solidFill>
-              <a:latin typeface="Helvetica"/>
-              <a:cs typeface="Helvetica"/>
-            </a:endParaRPr>
-          </a:p>
-        </p:txBody>
-      </p:sp>
-      <p:sp>
-        <p:nvSpPr>
-          <p:cNvPr id="105" name="TextBox 104"/>
-          <p:cNvSpPr txBox="1"/>
-          <p:nvPr/>
-        </p:nvSpPr>
-        <p:spPr>
-          <a:xfrm>
-            <a:off x="2577831" y="4472443"/>
-            <a:ext cx="1302472" cy="307777"/>
-          </a:xfrm>
-          <a:prstGeom prst="rect">
-            <a:avLst/>
-          </a:prstGeom>
-          <a:noFill/>
-        </p:spPr>
-        <p:txBody>
-          <a:bodyPr wrap="none" rtlCol="0">
-            <a:spAutoFit/>
-          </a:bodyPr>
-          <a:lstStyle/>
-          <a:p>
-            <a:r>
-              <a:rPr lang="en-US" sz="1400" dirty="0" smtClean="0">
-                <a:solidFill>
-                  <a:srgbClr val="0A556D"/>
-                </a:solidFill>
-                <a:latin typeface="Helvetica"/>
-                <a:cs typeface="Helvetica"/>
-              </a:rPr>
-              <a:t>Jonathan Ellis</a:t>
-            </a:r>
-            <a:endParaRPr lang="en-US" sz="1400" dirty="0">
-              <a:solidFill>
-                <a:srgbClr val="0A556D"/>
-              </a:solidFill>
-              <a:latin typeface="Helvetica"/>
-              <a:cs typeface="Helvetica"/>
-            </a:endParaRPr>
-          </a:p>
-        </p:txBody>
-      </p:sp>
-      <p:sp>
-        <p:nvSpPr>
-          <p:cNvPr id="106" name="TextBox 105"/>
-          <p:cNvSpPr txBox="1"/>
-          <p:nvPr/>
-        </p:nvSpPr>
-        <p:spPr>
-          <a:xfrm>
-            <a:off x="3947075" y="3296590"/>
-            <a:ext cx="1197764" cy="444224"/>
-          </a:xfrm>
-          <a:prstGeom prst="rect">
-            <a:avLst/>
-          </a:prstGeom>
-          <a:noFill/>
-        </p:spPr>
-        <p:txBody>
-          <a:bodyPr wrap="none" rtlCol="0">
-            <a:spAutoFit/>
-          </a:bodyPr>
-          <a:lstStyle/>
-          <a:p>
-            <a:pPr algn="ctr">
-              <a:lnSpc>
-                <a:spcPct val="80000"/>
-              </a:lnSpc>
-            </a:pPr>
-            <a:r>
-              <a:rPr lang="en-US" sz="1400" dirty="0" smtClean="0">
-                <a:solidFill>
-                  <a:srgbClr val="0A556D"/>
-                </a:solidFill>
-                <a:latin typeface="Helvetica"/>
-                <a:cs typeface="Helvetica"/>
-              </a:rPr>
-              <a:t>Robin </a:t>
-            </a:r>
-          </a:p>
-          <a:p>
-            <a:pPr algn="ctr">
-              <a:lnSpc>
-                <a:spcPct val="80000"/>
-              </a:lnSpc>
-            </a:pPr>
-            <a:r>
-              <a:rPr lang="en-US" sz="1400" dirty="0" smtClean="0">
-                <a:solidFill>
-                  <a:srgbClr val="0A556D"/>
-                </a:solidFill>
-                <a:latin typeface="Helvetica"/>
-                <a:cs typeface="Helvetica"/>
-              </a:rPr>
-              <a:t>Schumacher</a:t>
-            </a:r>
-            <a:endParaRPr lang="en-US" sz="1400" dirty="0">
-              <a:solidFill>
-                <a:srgbClr val="0A556D"/>
-              </a:solidFill>
-              <a:latin typeface="Helvetica"/>
-              <a:cs typeface="Helvetica"/>
-            </a:endParaRPr>
-          </a:p>
-        </p:txBody>
-      </p:sp>
-      <p:sp>
-        <p:nvSpPr>
-          <p:cNvPr id="107" name="TextBox 106"/>
-          <p:cNvSpPr txBox="1"/>
-          <p:nvPr/>
-        </p:nvSpPr>
-        <p:spPr>
-          <a:xfrm>
-            <a:off x="1245301" y="3247745"/>
-            <a:ext cx="933055" cy="444224"/>
-          </a:xfrm>
-          <a:prstGeom prst="rect">
-            <a:avLst/>
-          </a:prstGeom>
-          <a:noFill/>
-        </p:spPr>
-        <p:txBody>
-          <a:bodyPr wrap="none" rtlCol="0">
-            <a:spAutoFit/>
-          </a:bodyPr>
-          <a:lstStyle/>
-          <a:p>
-            <a:pPr algn="ctr">
-              <a:lnSpc>
-                <a:spcPct val="80000"/>
-              </a:lnSpc>
-            </a:pPr>
-            <a:r>
-              <a:rPr lang="en-US" sz="1400" dirty="0" smtClean="0">
-                <a:solidFill>
-                  <a:srgbClr val="0A556D"/>
-                </a:solidFill>
-                <a:latin typeface="Helvetica"/>
-                <a:cs typeface="Helvetica"/>
-              </a:rPr>
-              <a:t>Billy </a:t>
-            </a:r>
-            <a:br>
-              <a:rPr lang="en-US" sz="1400" dirty="0" smtClean="0">
-                <a:solidFill>
-                  <a:srgbClr val="0A556D"/>
-                </a:solidFill>
-                <a:latin typeface="Helvetica"/>
-                <a:cs typeface="Helvetica"/>
-              </a:rPr>
-            </a:br>
-            <a:r>
-              <a:rPr lang="en-US" sz="1400" dirty="0" smtClean="0">
-                <a:solidFill>
-                  <a:srgbClr val="0A556D"/>
-                </a:solidFill>
-                <a:latin typeface="Helvetica"/>
-                <a:cs typeface="Helvetica"/>
-              </a:rPr>
-              <a:t>Bosworth</a:t>
-            </a:r>
-            <a:endParaRPr lang="en-US" sz="1400" dirty="0">
-              <a:solidFill>
-                <a:srgbClr val="0A556D"/>
-              </a:solidFill>
-              <a:latin typeface="Helvetica"/>
-              <a:cs typeface="Helvetica"/>
-            </a:endParaRPr>
-          </a:p>
-        </p:txBody>
-      </p:sp>
-      <p:sp>
-        <p:nvSpPr>
-          <p:cNvPr id="108" name="TextBox 107"/>
-          <p:cNvSpPr txBox="1"/>
-          <p:nvPr/>
-        </p:nvSpPr>
-        <p:spPr>
-          <a:xfrm rot="561620">
-            <a:off x="3840478" y="1219130"/>
-            <a:ext cx="670676" cy="261610"/>
-          </a:xfrm>
-          <a:prstGeom prst="rect">
-            <a:avLst/>
-          </a:prstGeom>
-          <a:noFill/>
-        </p:spPr>
-        <p:txBody>
-          <a:bodyPr wrap="none" rtlCol="0">
-            <a:spAutoFit/>
-          </a:bodyPr>
-          <a:lstStyle/>
-          <a:p>
-            <a:r>
-              <a:rPr lang="en-US" sz="1100" b="1" dirty="0" smtClean="0">
-                <a:solidFill>
-                  <a:srgbClr val="0A556D"/>
-                </a:solidFill>
-                <a:latin typeface="Helvetica"/>
-                <a:cs typeface="Helvetica"/>
-              </a:rPr>
-              <a:t>partner</a:t>
-            </a:r>
-            <a:endParaRPr lang="en-US" sz="1100" b="1" dirty="0">
-              <a:solidFill>
-                <a:srgbClr val="0A556D"/>
-              </a:solidFill>
-              <a:latin typeface="Helvetica"/>
-              <a:cs typeface="Helvetica"/>
-            </a:endParaRPr>
-          </a:p>
-        </p:txBody>
-      </p:sp>
-      <p:sp>
-        <p:nvSpPr>
-          <p:cNvPr id="109" name="TextBox 108"/>
-          <p:cNvSpPr txBox="1"/>
-          <p:nvPr/>
-        </p:nvSpPr>
-        <p:spPr>
-          <a:xfrm>
-            <a:off x="3965998" y="1989331"/>
-            <a:ext cx="1313180" cy="430887"/>
-          </a:xfrm>
-          <a:prstGeom prst="rect">
-            <a:avLst/>
-          </a:prstGeom>
-          <a:noFill/>
-        </p:spPr>
-        <p:txBody>
-          <a:bodyPr wrap="none" rtlCol="0">
-            <a:spAutoFit/>
-          </a:bodyPr>
-          <a:lstStyle/>
-          <a:p>
-            <a:r>
-              <a:rPr lang="en-US" sz="1100" b="1" dirty="0" err="1" smtClean="0">
-                <a:solidFill>
-                  <a:srgbClr val="0A556D"/>
-                </a:solidFill>
-                <a:latin typeface="Helvetica"/>
-                <a:cs typeface="Helvetica"/>
-              </a:rPr>
-              <a:t>worksFor</a:t>
-            </a:r>
-            <a:r>
-              <a:rPr lang="en-US" sz="1100" b="1" dirty="0" smtClean="0">
-                <a:solidFill>
-                  <a:srgbClr val="0A556D"/>
-                </a:solidFill>
-                <a:latin typeface="Helvetica"/>
-                <a:cs typeface="Helvetica"/>
-              </a:rPr>
-              <a:t/>
-            </a:r>
-            <a:br>
-              <a:rPr lang="en-US" sz="1100" b="1" dirty="0" smtClean="0">
-                <a:solidFill>
-                  <a:srgbClr val="0A556D"/>
-                </a:solidFill>
-                <a:latin typeface="Helvetica"/>
-                <a:cs typeface="Helvetica"/>
-              </a:rPr>
-            </a:br>
-            <a:r>
-              <a:rPr lang="en-US" sz="1100" b="1" dirty="0" smtClean="0">
-                <a:solidFill>
-                  <a:srgbClr val="0A556D"/>
-                </a:solidFill>
-                <a:latin typeface="Helvetica"/>
-                <a:cs typeface="Helvetica"/>
-              </a:rPr>
-              <a:t>   </a:t>
-            </a:r>
-            <a:r>
-              <a:rPr lang="en-US" sz="1100" dirty="0" smtClean="0">
-                <a:solidFill>
-                  <a:srgbClr val="0A556D"/>
-                </a:solidFill>
-                <a:latin typeface="Helvetica"/>
-                <a:cs typeface="Helvetica"/>
-              </a:rPr>
-              <a:t>title: VP Product</a:t>
-            </a:r>
-            <a:endParaRPr lang="en-US" sz="1100" dirty="0">
-              <a:solidFill>
-                <a:srgbClr val="0A556D"/>
-              </a:solidFill>
-              <a:latin typeface="Helvetica"/>
-              <a:cs typeface="Helvetica"/>
-            </a:endParaRPr>
-          </a:p>
-        </p:txBody>
-      </p:sp>
-      <p:sp>
-        <p:nvSpPr>
-          <p:cNvPr id="110" name="TextBox 109"/>
-          <p:cNvSpPr txBox="1"/>
-          <p:nvPr/>
-        </p:nvSpPr>
-        <p:spPr>
-          <a:xfrm rot="573286">
-            <a:off x="5551153" y="1400837"/>
-            <a:ext cx="796174" cy="261610"/>
-          </a:xfrm>
-          <a:prstGeom prst="rect">
-            <a:avLst/>
-          </a:prstGeom>
-          <a:noFill/>
-        </p:spPr>
-        <p:txBody>
-          <a:bodyPr wrap="none" rtlCol="0">
-            <a:spAutoFit/>
-          </a:bodyPr>
-          <a:lstStyle/>
-          <a:p>
-            <a:r>
-              <a:rPr lang="en-US" sz="1100" b="1" dirty="0" smtClean="0">
-                <a:solidFill>
-                  <a:srgbClr val="0A556D"/>
-                </a:solidFill>
-                <a:latin typeface="Helvetica"/>
-                <a:cs typeface="Helvetica"/>
-              </a:rPr>
-              <a:t>develops</a:t>
-            </a:r>
-            <a:endParaRPr lang="en-US" sz="1100" b="1" dirty="0">
-              <a:solidFill>
-                <a:srgbClr val="0A556D"/>
-              </a:solidFill>
-              <a:latin typeface="Helvetica"/>
-              <a:cs typeface="Helvetica"/>
-            </a:endParaRPr>
-          </a:p>
-        </p:txBody>
-      </p:sp>
-      <p:sp>
-        <p:nvSpPr>
-          <p:cNvPr id="111" name="TextBox 110"/>
-          <p:cNvSpPr txBox="1"/>
-          <p:nvPr/>
-        </p:nvSpPr>
-        <p:spPr>
-          <a:xfrm>
-            <a:off x="3836342" y="4171757"/>
-            <a:ext cx="796174" cy="261610"/>
-          </a:xfrm>
-          <a:prstGeom prst="rect">
-            <a:avLst/>
-          </a:prstGeom>
-          <a:noFill/>
-        </p:spPr>
-        <p:txBody>
-          <a:bodyPr wrap="none" rtlCol="0">
-            <a:spAutoFit/>
-          </a:bodyPr>
-          <a:lstStyle/>
-          <a:p>
-            <a:r>
-              <a:rPr lang="en-US" sz="1100" b="1" dirty="0" smtClean="0">
-                <a:solidFill>
-                  <a:srgbClr val="0A556D"/>
-                </a:solidFill>
-                <a:latin typeface="Helvetica"/>
-                <a:cs typeface="Helvetica"/>
-              </a:rPr>
-              <a:t>develops</a:t>
-            </a:r>
-            <a:endParaRPr lang="en-US" sz="1100" b="1" dirty="0">
-              <a:solidFill>
-                <a:srgbClr val="0A556D"/>
-              </a:solidFill>
-              <a:latin typeface="Helvetica"/>
-              <a:cs typeface="Helvetica"/>
-            </a:endParaRPr>
-          </a:p>
-        </p:txBody>
-      </p:sp>
-      <p:sp>
-        <p:nvSpPr>
-          <p:cNvPr id="112" name="TextBox 111"/>
-          <p:cNvSpPr txBox="1"/>
-          <p:nvPr/>
-        </p:nvSpPr>
-        <p:spPr>
-          <a:xfrm>
-            <a:off x="5634418" y="3405094"/>
-            <a:ext cx="506193" cy="261610"/>
-          </a:xfrm>
-          <a:prstGeom prst="rect">
-            <a:avLst/>
-          </a:prstGeom>
-          <a:noFill/>
-        </p:spPr>
-        <p:txBody>
-          <a:bodyPr wrap="none" rtlCol="0">
-            <a:spAutoFit/>
-          </a:bodyPr>
-          <a:lstStyle/>
-          <a:p>
-            <a:r>
-              <a:rPr lang="en-US" sz="1100" b="1" dirty="0" smtClean="0">
-                <a:solidFill>
-                  <a:srgbClr val="0A556D"/>
-                </a:solidFill>
-                <a:latin typeface="Helvetica"/>
-                <a:cs typeface="Helvetica"/>
-              </a:rPr>
-              <a:t>uses</a:t>
-            </a:r>
-            <a:endParaRPr lang="en-US" sz="1100" b="1" dirty="0">
-              <a:solidFill>
-                <a:srgbClr val="0A556D"/>
-              </a:solidFill>
-              <a:latin typeface="Helvetica"/>
-              <a:cs typeface="Helvetica"/>
-            </a:endParaRPr>
-          </a:p>
-        </p:txBody>
-      </p:sp>
-      <p:sp>
-        <p:nvSpPr>
-          <p:cNvPr id="113" name="TextBox 112"/>
-          <p:cNvSpPr txBox="1"/>
-          <p:nvPr/>
-        </p:nvSpPr>
-        <p:spPr>
-          <a:xfrm>
-            <a:off x="6260507" y="2358400"/>
-            <a:ext cx="506193" cy="261610"/>
-          </a:xfrm>
-          <a:prstGeom prst="rect">
-            <a:avLst/>
-          </a:prstGeom>
-          <a:noFill/>
-        </p:spPr>
-        <p:txBody>
-          <a:bodyPr wrap="none" rtlCol="0">
-            <a:spAutoFit/>
-          </a:bodyPr>
-          <a:lstStyle/>
-          <a:p>
-            <a:r>
-              <a:rPr lang="en-US" sz="1100" b="1" dirty="0" smtClean="0">
-                <a:solidFill>
-                  <a:srgbClr val="0A556D"/>
-                </a:solidFill>
-                <a:latin typeface="Helvetica"/>
-                <a:cs typeface="Helvetica"/>
-              </a:rPr>
-              <a:t>uses</a:t>
-            </a:r>
-            <a:endParaRPr lang="en-US" sz="1100" b="1" dirty="0">
-              <a:solidFill>
-                <a:srgbClr val="0A556D"/>
-              </a:solidFill>
-              <a:latin typeface="Helvetica"/>
-              <a:cs typeface="Helvetica"/>
-            </a:endParaRPr>
-          </a:p>
-        </p:txBody>
-      </p:sp>
-      <p:sp>
-        <p:nvSpPr>
-          <p:cNvPr id="114" name="TextBox 113"/>
-          <p:cNvSpPr txBox="1"/>
-          <p:nvPr/>
-        </p:nvSpPr>
-        <p:spPr>
-          <a:xfrm rot="196166">
-            <a:off x="3352767" y="2645265"/>
-            <a:ext cx="832611" cy="261610"/>
-          </a:xfrm>
-          <a:prstGeom prst="rect">
-            <a:avLst/>
-          </a:prstGeom>
-          <a:noFill/>
-        </p:spPr>
-        <p:txBody>
-          <a:bodyPr wrap="none" rtlCol="0">
-            <a:spAutoFit/>
-          </a:bodyPr>
-          <a:lstStyle/>
-          <a:p>
-            <a:r>
-              <a:rPr lang="en-US" sz="1100" b="1" dirty="0" err="1" smtClean="0">
-                <a:solidFill>
-                  <a:srgbClr val="0A556D"/>
-                </a:solidFill>
-                <a:latin typeface="Helvetica"/>
-                <a:cs typeface="Helvetica"/>
-              </a:rPr>
-              <a:t>reportsTo</a:t>
-            </a:r>
-            <a:endParaRPr lang="en-US" sz="1100" b="1" dirty="0">
-              <a:solidFill>
-                <a:srgbClr val="0A556D"/>
-              </a:solidFill>
-              <a:latin typeface="Helvetica"/>
-              <a:cs typeface="Helvetica"/>
-            </a:endParaRPr>
-          </a:p>
-        </p:txBody>
-      </p:sp>
-      <p:sp>
-        <p:nvSpPr>
-          <p:cNvPr id="115" name="TextBox 114"/>
-          <p:cNvSpPr txBox="1"/>
-          <p:nvPr/>
-        </p:nvSpPr>
-        <p:spPr>
-          <a:xfrm>
-            <a:off x="1941844" y="3694912"/>
-            <a:ext cx="832611" cy="261610"/>
-          </a:xfrm>
-          <a:prstGeom prst="rect">
-            <a:avLst/>
-          </a:prstGeom>
-          <a:noFill/>
-        </p:spPr>
-        <p:txBody>
-          <a:bodyPr wrap="none" rtlCol="0">
-            <a:spAutoFit/>
-          </a:bodyPr>
-          <a:lstStyle/>
-          <a:p>
-            <a:r>
-              <a:rPr lang="en-US" sz="1100" b="1" dirty="0" err="1" smtClean="0">
-                <a:solidFill>
-                  <a:srgbClr val="0A556D"/>
-                </a:solidFill>
-                <a:latin typeface="Helvetica"/>
-                <a:cs typeface="Helvetica"/>
-              </a:rPr>
-              <a:t>reportsTo</a:t>
-            </a:r>
-            <a:endParaRPr lang="en-US" sz="1100" b="1" dirty="0">
-              <a:solidFill>
-                <a:srgbClr val="0A556D"/>
-              </a:solidFill>
-              <a:latin typeface="Helvetica"/>
-              <a:cs typeface="Helvetica"/>
-            </a:endParaRPr>
-          </a:p>
-        </p:txBody>
-      </p:sp>
-      <p:sp>
-        <p:nvSpPr>
-          <p:cNvPr id="116" name="TextBox 115"/>
-          <p:cNvSpPr txBox="1"/>
-          <p:nvPr/>
-        </p:nvSpPr>
-        <p:spPr>
-          <a:xfrm rot="450671">
-            <a:off x="5154385" y="2758444"/>
-            <a:ext cx="796243" cy="261610"/>
-          </a:xfrm>
-          <a:prstGeom prst="rect">
-            <a:avLst/>
-          </a:prstGeom>
-          <a:noFill/>
-        </p:spPr>
-        <p:txBody>
-          <a:bodyPr wrap="none" rtlCol="0">
-            <a:spAutoFit/>
-          </a:bodyPr>
-          <a:lstStyle/>
-          <a:p>
-            <a:r>
-              <a:rPr lang="en-US" sz="1100" b="1" dirty="0" smtClean="0">
-                <a:solidFill>
-                  <a:srgbClr val="0A556D"/>
-                </a:solidFill>
-                <a:latin typeface="Helvetica"/>
-                <a:cs typeface="Helvetica"/>
-              </a:rPr>
-              <a:t>manages</a:t>
-            </a:r>
-            <a:endParaRPr lang="en-US" sz="1100" b="1" dirty="0">
-              <a:solidFill>
-                <a:srgbClr val="0A556D"/>
-              </a:solidFill>
-              <a:latin typeface="Helvetica"/>
-              <a:cs typeface="Helvetica"/>
-            </a:endParaRPr>
-          </a:p>
-        </p:txBody>
-      </p:sp>
-      <p:sp>
-        <p:nvSpPr>
-          <p:cNvPr id="117" name="TextBox 116"/>
-          <p:cNvSpPr txBox="1"/>
-          <p:nvPr/>
-        </p:nvSpPr>
-        <p:spPr>
-          <a:xfrm>
-            <a:off x="2347320" y="3030680"/>
-            <a:ext cx="902811" cy="430887"/>
-          </a:xfrm>
-          <a:prstGeom prst="rect">
-            <a:avLst/>
-          </a:prstGeom>
-          <a:noFill/>
-        </p:spPr>
-        <p:txBody>
-          <a:bodyPr wrap="none" rtlCol="0">
-            <a:spAutoFit/>
-          </a:bodyPr>
-          <a:lstStyle/>
-          <a:p>
-            <a:pPr algn="r"/>
-            <a:r>
-              <a:rPr lang="en-US" sz="1100" b="1" dirty="0" err="1" smtClean="0">
-                <a:solidFill>
-                  <a:srgbClr val="0A556D"/>
-                </a:solidFill>
-                <a:latin typeface="Helvetica"/>
-                <a:cs typeface="Helvetica"/>
-              </a:rPr>
-              <a:t>worksFor</a:t>
-            </a:r>
-            <a:r>
-              <a:rPr lang="en-US" sz="1100" b="1" dirty="0" smtClean="0">
-                <a:solidFill>
-                  <a:srgbClr val="0A556D"/>
-                </a:solidFill>
-                <a:latin typeface="Helvetica"/>
-                <a:cs typeface="Helvetica"/>
-              </a:rPr>
-              <a:t/>
-            </a:r>
-            <a:br>
-              <a:rPr lang="en-US" sz="1100" b="1" dirty="0" smtClean="0">
-                <a:solidFill>
-                  <a:srgbClr val="0A556D"/>
-                </a:solidFill>
-                <a:latin typeface="Helvetica"/>
-                <a:cs typeface="Helvetica"/>
-              </a:rPr>
-            </a:br>
-            <a:r>
-              <a:rPr lang="en-US" sz="1100" b="1" dirty="0" smtClean="0">
-                <a:solidFill>
-                  <a:srgbClr val="0A556D"/>
-                </a:solidFill>
-                <a:latin typeface="Helvetica"/>
-                <a:cs typeface="Helvetica"/>
-              </a:rPr>
-              <a:t>   </a:t>
-            </a:r>
-            <a:r>
-              <a:rPr lang="en-US" sz="1100" dirty="0" smtClean="0">
-                <a:solidFill>
-                  <a:srgbClr val="0A556D"/>
-                </a:solidFill>
-                <a:latin typeface="Helvetica"/>
-                <a:cs typeface="Helvetica"/>
-              </a:rPr>
-              <a:t>title: CTO</a:t>
-            </a:r>
-            <a:endParaRPr lang="en-US" sz="1100" dirty="0">
-              <a:solidFill>
-                <a:srgbClr val="0A556D"/>
-              </a:solidFill>
-              <a:latin typeface="Helvetica"/>
-              <a:cs typeface="Helvetica"/>
-            </a:endParaRPr>
-          </a:p>
-        </p:txBody>
-      </p:sp>
-      <p:sp>
-        <p:nvSpPr>
-          <p:cNvPr id="118" name="TextBox 117"/>
-          <p:cNvSpPr txBox="1"/>
-          <p:nvPr/>
-        </p:nvSpPr>
-        <p:spPr>
-          <a:xfrm>
-            <a:off x="1506009" y="1777091"/>
-            <a:ext cx="922185" cy="430887"/>
-          </a:xfrm>
-          <a:prstGeom prst="rect">
-            <a:avLst/>
-          </a:prstGeom>
-          <a:noFill/>
-        </p:spPr>
-        <p:txBody>
-          <a:bodyPr wrap="none" rtlCol="0">
-            <a:spAutoFit/>
-          </a:bodyPr>
-          <a:lstStyle/>
-          <a:p>
-            <a:pPr algn="r"/>
-            <a:r>
-              <a:rPr lang="en-US" sz="1100" b="1" dirty="0" err="1" smtClean="0">
-                <a:solidFill>
-                  <a:srgbClr val="0A556D"/>
-                </a:solidFill>
-                <a:latin typeface="Helvetica"/>
-                <a:cs typeface="Helvetica"/>
-              </a:rPr>
-              <a:t>worksFor</a:t>
-            </a:r>
-            <a:r>
-              <a:rPr lang="en-US" sz="1100" b="1" dirty="0" smtClean="0">
-                <a:solidFill>
-                  <a:srgbClr val="0A556D"/>
-                </a:solidFill>
-                <a:latin typeface="Helvetica"/>
-                <a:cs typeface="Helvetica"/>
-              </a:rPr>
-              <a:t/>
-            </a:r>
-            <a:br>
-              <a:rPr lang="en-US" sz="1100" b="1" dirty="0" smtClean="0">
-                <a:solidFill>
-                  <a:srgbClr val="0A556D"/>
-                </a:solidFill>
-                <a:latin typeface="Helvetica"/>
-                <a:cs typeface="Helvetica"/>
-              </a:rPr>
-            </a:br>
-            <a:r>
-              <a:rPr lang="en-US" sz="1100" b="1" dirty="0" smtClean="0">
-                <a:solidFill>
-                  <a:srgbClr val="0A556D"/>
-                </a:solidFill>
-                <a:latin typeface="Helvetica"/>
-                <a:cs typeface="Helvetica"/>
-              </a:rPr>
-              <a:t>   </a:t>
-            </a:r>
-            <a:r>
-              <a:rPr lang="en-US" sz="1100" dirty="0" smtClean="0">
-                <a:solidFill>
-                  <a:srgbClr val="0A556D"/>
-                </a:solidFill>
-                <a:latin typeface="Helvetica"/>
-                <a:cs typeface="Helvetica"/>
-              </a:rPr>
-              <a:t>title: CEO </a:t>
-            </a:r>
-            <a:endParaRPr lang="en-US" sz="1100" dirty="0">
-              <a:solidFill>
-                <a:schemeClr val="bg1"/>
-              </a:solidFill>
-              <a:latin typeface="Helvetica"/>
-              <a:cs typeface="Helvetica"/>
-            </a:endParaRPr>
-          </a:p>
-        </p:txBody>
-      </p:sp>
-      <p:grpSp>
-        <p:nvGrpSpPr>
-          <p:cNvPr id="122" name="Group 121"/>
-          <p:cNvGrpSpPr/>
-          <p:nvPr/>
-        </p:nvGrpSpPr>
-        <p:grpSpPr>
-          <a:xfrm>
-            <a:off x="132456" y="3864792"/>
-            <a:ext cx="1373553" cy="450360"/>
-            <a:chOff x="7694246" y="1295889"/>
-            <a:chExt cx="1373553" cy="450360"/>
-          </a:xfrm>
-        </p:grpSpPr>
-        <p:sp>
-          <p:nvSpPr>
-            <p:cNvPr id="120" name="Rounded Rectangle 119"/>
-            <p:cNvSpPr/>
-            <p:nvPr/>
-          </p:nvSpPr>
-          <p:spPr>
-            <a:xfrm>
-              <a:off x="7737232" y="1336573"/>
-              <a:ext cx="1289304" cy="365760"/>
-            </a:xfrm>
-            <a:prstGeom prst="roundRect">
-              <a:avLst/>
-            </a:prstGeom>
-            <a:solidFill>
-              <a:srgbClr val="BB4B1B"/>
-            </a:solidFill>
-            <a:ln>
-              <a:noFill/>
-            </a:ln>
-            <a:effectLst/>
-          </p:spPr>
-          <p:style>
-            <a:lnRef idx="1">
-              <a:schemeClr val="accent1"/>
-            </a:lnRef>
-            <a:fillRef idx="3">
-              <a:schemeClr val="accent1"/>
-            </a:fillRef>
-            <a:effectRef idx="2">
-              <a:schemeClr val="accent1"/>
-            </a:effectRef>
-            <a:fontRef idx="minor">
-              <a:schemeClr val="lt1"/>
-            </a:fontRef>
-          </p:style>
-          <p:txBody>
-            <a:bodyPr rtlCol="0" anchor="ctr"/>
-            <a:lstStyle/>
-            <a:p>
-              <a:pPr algn="ctr"/>
-              <a:r>
-                <a:rPr lang="en-US" dirty="0" smtClean="0"/>
-                <a:t>Property</a:t>
-              </a:r>
-              <a:endParaRPr lang="en-US" dirty="0"/>
-            </a:p>
-          </p:txBody>
-        </p:sp>
-        <p:sp>
-          <p:nvSpPr>
-            <p:cNvPr id="121" name="Rounded Rectangle 120"/>
-            <p:cNvSpPr/>
-            <p:nvPr/>
-          </p:nvSpPr>
-          <p:spPr>
-            <a:xfrm>
-              <a:off x="7694246" y="1295889"/>
-              <a:ext cx="1373553" cy="450360"/>
-            </a:xfrm>
-            <a:prstGeom prst="roundRect">
-              <a:avLst/>
-            </a:prstGeom>
-            <a:noFill/>
-            <a:ln w="28575" cmpd="sng">
-              <a:solidFill>
-                <a:srgbClr val="BB4B1B"/>
-              </a:solidFill>
-            </a:ln>
-            <a:effectLst/>
-          </p:spPr>
-          <p:style>
-            <a:lnRef idx="1">
-              <a:schemeClr val="accent1"/>
-            </a:lnRef>
-            <a:fillRef idx="3">
-              <a:schemeClr val="accent1"/>
-            </a:fillRef>
-            <a:effectRef idx="2">
-              <a:schemeClr val="accent1"/>
-            </a:effectRef>
-            <a:fontRef idx="minor">
-              <a:schemeClr val="lt1"/>
-            </a:fontRef>
-          </p:style>
-          <p:txBody>
-            <a:bodyPr rtlCol="0" anchor="ctr"/>
-            <a:lstStyle/>
-            <a:p>
-              <a:pPr algn="ctr"/>
-              <a:endParaRPr lang="en-US"/>
-            </a:p>
-          </p:txBody>
-        </p:sp>
-      </p:grpSp>
-      <p:grpSp>
-        <p:nvGrpSpPr>
-          <p:cNvPr id="123" name="Group 122"/>
-          <p:cNvGrpSpPr/>
-          <p:nvPr/>
-        </p:nvGrpSpPr>
-        <p:grpSpPr>
-          <a:xfrm>
-            <a:off x="402087" y="913380"/>
-            <a:ext cx="1373553" cy="450360"/>
-            <a:chOff x="7694246" y="1295889"/>
-            <a:chExt cx="1373553" cy="450360"/>
-          </a:xfrm>
-        </p:grpSpPr>
-        <p:sp>
-          <p:nvSpPr>
-            <p:cNvPr id="124" name="Rounded Rectangle 123"/>
-            <p:cNvSpPr/>
-            <p:nvPr/>
-          </p:nvSpPr>
-          <p:spPr>
-            <a:xfrm>
-              <a:off x="7737232" y="1336573"/>
-              <a:ext cx="1289304" cy="365760"/>
-            </a:xfrm>
-            <a:prstGeom prst="roundRect">
-              <a:avLst/>
-            </a:prstGeom>
-            <a:solidFill>
-              <a:srgbClr val="BB4B1B"/>
-            </a:solidFill>
-            <a:ln>
-              <a:noFill/>
-            </a:ln>
-            <a:effectLst/>
-          </p:spPr>
-          <p:style>
-            <a:lnRef idx="1">
-              <a:schemeClr val="accent1"/>
-            </a:lnRef>
-            <a:fillRef idx="3">
-              <a:schemeClr val="accent1"/>
-            </a:fillRef>
-            <a:effectRef idx="2">
-              <a:schemeClr val="accent1"/>
-            </a:effectRef>
-            <a:fontRef idx="minor">
-              <a:schemeClr val="lt1"/>
-            </a:fontRef>
-          </p:style>
-          <p:txBody>
-            <a:bodyPr rtlCol="0" anchor="ctr"/>
-            <a:lstStyle/>
-            <a:p>
-              <a:pPr algn="ctr"/>
-              <a:r>
-                <a:rPr lang="en-US" dirty="0" smtClean="0"/>
-                <a:t>Edge</a:t>
-              </a:r>
-              <a:endParaRPr lang="en-US" dirty="0"/>
-            </a:p>
-          </p:txBody>
-        </p:sp>
-        <p:sp>
-          <p:nvSpPr>
-            <p:cNvPr id="125" name="Rounded Rectangle 124"/>
-            <p:cNvSpPr/>
-            <p:nvPr/>
-          </p:nvSpPr>
-          <p:spPr>
-            <a:xfrm>
-              <a:off x="7694246" y="1295889"/>
-              <a:ext cx="1373553" cy="450360"/>
-            </a:xfrm>
-            <a:prstGeom prst="roundRect">
-              <a:avLst/>
-            </a:prstGeom>
-            <a:noFill/>
-            <a:ln w="28575" cmpd="sng">
-              <a:solidFill>
-                <a:srgbClr val="BB4B1B"/>
-              </a:solidFill>
-            </a:ln>
-            <a:effectLst/>
-          </p:spPr>
-          <p:style>
-            <a:lnRef idx="1">
-              <a:schemeClr val="accent1"/>
-            </a:lnRef>
-            <a:fillRef idx="3">
-              <a:schemeClr val="accent1"/>
-            </a:fillRef>
-            <a:effectRef idx="2">
-              <a:schemeClr val="accent1"/>
-            </a:effectRef>
-            <a:fontRef idx="minor">
-              <a:schemeClr val="lt1"/>
-            </a:fontRef>
-          </p:style>
-          <p:txBody>
-            <a:bodyPr rtlCol="0" anchor="ctr"/>
-            <a:lstStyle/>
-            <a:p>
-              <a:pPr algn="ctr"/>
-              <a:endParaRPr lang="en-US"/>
-            </a:p>
-          </p:txBody>
-        </p:sp>
-      </p:grpSp>
-      <p:grpSp>
-        <p:nvGrpSpPr>
-          <p:cNvPr id="126" name="Group 125"/>
-          <p:cNvGrpSpPr/>
-          <p:nvPr/>
-        </p:nvGrpSpPr>
-        <p:grpSpPr>
-          <a:xfrm>
-            <a:off x="7559026" y="2383567"/>
-            <a:ext cx="1373553" cy="450360"/>
-            <a:chOff x="7694246" y="1295889"/>
-            <a:chExt cx="1373553" cy="450360"/>
-          </a:xfrm>
-        </p:grpSpPr>
-        <p:sp>
-          <p:nvSpPr>
-            <p:cNvPr id="127" name="Rounded Rectangle 126"/>
-            <p:cNvSpPr/>
-            <p:nvPr/>
-          </p:nvSpPr>
-          <p:spPr>
-            <a:xfrm>
-              <a:off x="7737232" y="1336573"/>
-              <a:ext cx="1289304" cy="365760"/>
-            </a:xfrm>
-            <a:prstGeom prst="roundRect">
-              <a:avLst/>
-            </a:prstGeom>
-            <a:solidFill>
-              <a:srgbClr val="BB4B1B"/>
-            </a:solidFill>
-            <a:ln>
-              <a:noFill/>
-            </a:ln>
-            <a:effectLst/>
-          </p:spPr>
-          <p:style>
-            <a:lnRef idx="1">
-              <a:schemeClr val="accent1"/>
-            </a:lnRef>
-            <a:fillRef idx="3">
-              <a:schemeClr val="accent1"/>
-            </a:fillRef>
-            <a:effectRef idx="2">
-              <a:schemeClr val="accent1"/>
-            </a:effectRef>
-            <a:fontRef idx="minor">
-              <a:schemeClr val="lt1"/>
-            </a:fontRef>
-          </p:style>
-          <p:txBody>
-            <a:bodyPr rtlCol="0" anchor="ctr"/>
-            <a:lstStyle/>
-            <a:p>
-              <a:pPr algn="ctr"/>
-              <a:r>
-                <a:rPr lang="en-US" dirty="0" smtClean="0"/>
-                <a:t>Vertex</a:t>
-              </a:r>
-              <a:endParaRPr lang="en-US" dirty="0"/>
-            </a:p>
-          </p:txBody>
-        </p:sp>
-        <p:sp>
-          <p:nvSpPr>
-            <p:cNvPr id="128" name="Rounded Rectangle 127"/>
-            <p:cNvSpPr/>
-            <p:nvPr/>
-          </p:nvSpPr>
-          <p:spPr>
-            <a:xfrm>
-              <a:off x="7694246" y="1295889"/>
-              <a:ext cx="1373553" cy="450360"/>
-            </a:xfrm>
-            <a:prstGeom prst="roundRect">
-              <a:avLst/>
-            </a:prstGeom>
-            <a:noFill/>
-            <a:ln w="28575" cmpd="sng">
-              <a:solidFill>
-                <a:srgbClr val="BB4B1B"/>
-              </a:solidFill>
-            </a:ln>
-            <a:effectLst/>
-          </p:spPr>
-          <p:style>
-            <a:lnRef idx="1">
-              <a:schemeClr val="accent1"/>
-            </a:lnRef>
-            <a:fillRef idx="3">
-              <a:schemeClr val="accent1"/>
-            </a:fillRef>
-            <a:effectRef idx="2">
-              <a:schemeClr val="accent1"/>
-            </a:effectRef>
-            <a:fontRef idx="minor">
-              <a:schemeClr val="lt1"/>
-            </a:fontRef>
-          </p:style>
-          <p:txBody>
-            <a:bodyPr rtlCol="0" anchor="ctr"/>
-            <a:lstStyle/>
-            <a:p>
-              <a:pPr algn="ctr"/>
-              <a:endParaRPr lang="en-US"/>
-            </a:p>
-          </p:txBody>
-        </p:sp>
-      </p:grpSp>
-      <p:cxnSp>
-        <p:nvCxnSpPr>
-          <p:cNvPr id="134" name="Elbow Connector 133"/>
-          <p:cNvCxnSpPr/>
-          <p:nvPr/>
-        </p:nvCxnSpPr>
-        <p:spPr>
-          <a:xfrm rot="5400000" flipH="1" flipV="1">
-            <a:off x="348605" y="2629236"/>
-            <a:ext cx="1784336" cy="686776"/>
-          </a:xfrm>
-          <a:prstGeom prst="bentConnector2">
-            <a:avLst/>
-          </a:prstGeom>
-          <a:ln w="28575" cmpd="sng">
-            <a:solidFill>
-              <a:srgbClr val="BB4B1B"/>
-            </a:solidFill>
-            <a:headEnd type="none"/>
-            <a:tailEnd type="triangle" w="lg" len="lg"/>
-          </a:ln>
-          <a:effectLst/>
-        </p:spPr>
-        <p:style>
-          <a:lnRef idx="2">
-            <a:schemeClr val="accent1"/>
-          </a:lnRef>
-          <a:fillRef idx="0">
-            <a:schemeClr val="accent1"/>
-          </a:fillRef>
-          <a:effectRef idx="1">
-            <a:schemeClr val="accent1"/>
-          </a:effectRef>
-          <a:fontRef idx="minor">
-            <a:schemeClr val="tx1"/>
-          </a:fontRef>
-        </p:style>
-      </p:cxnSp>
-      <p:cxnSp>
-        <p:nvCxnSpPr>
-          <p:cNvPr id="138" name="Elbow Connector 137"/>
-          <p:cNvCxnSpPr>
-            <a:stCxn id="121" idx="0"/>
-            <a:endCxn id="107" idx="1"/>
-          </p:cNvCxnSpPr>
-          <p:nvPr/>
-        </p:nvCxnSpPr>
-        <p:spPr>
-          <a:xfrm rot="5400000" flipH="1" flipV="1">
-            <a:off x="834800" y="3454291"/>
-            <a:ext cx="394935" cy="426068"/>
-          </a:xfrm>
-          <a:prstGeom prst="bentConnector2">
-            <a:avLst/>
-          </a:prstGeom>
-          <a:ln w="28575" cmpd="sng">
-            <a:solidFill>
-              <a:srgbClr val="BB4B1B"/>
-            </a:solidFill>
-            <a:headEnd type="none"/>
-            <a:tailEnd type="triangle" w="lg" len="lg"/>
-          </a:ln>
-          <a:effectLst/>
-        </p:spPr>
-        <p:style>
-          <a:lnRef idx="2">
-            <a:schemeClr val="accent1"/>
-          </a:lnRef>
-          <a:fillRef idx="0">
-            <a:schemeClr val="accent1"/>
-          </a:fillRef>
-          <a:effectRef idx="1">
-            <a:schemeClr val="accent1"/>
-          </a:effectRef>
-          <a:fontRef idx="minor">
-            <a:schemeClr val="tx1"/>
-          </a:fontRef>
-        </p:style>
-      </p:cxnSp>
-      <p:cxnSp>
-        <p:nvCxnSpPr>
-          <p:cNvPr id="141" name="Elbow Connector 140"/>
-          <p:cNvCxnSpPr>
-            <a:stCxn id="125" idx="3"/>
-          </p:cNvCxnSpPr>
-          <p:nvPr/>
-        </p:nvCxnSpPr>
-        <p:spPr>
-          <a:xfrm>
-            <a:off x="1775640" y="1138560"/>
-            <a:ext cx="881592" cy="753082"/>
-          </a:xfrm>
-          <a:prstGeom prst="bentConnector3">
-            <a:avLst>
-              <a:gd name="adj1" fmla="val 98758"/>
-            </a:avLst>
-          </a:prstGeom>
-          <a:ln w="28575" cmpd="sng">
-            <a:solidFill>
-              <a:srgbClr val="BB4B1B"/>
-            </a:solidFill>
-            <a:headEnd type="none"/>
-            <a:tailEnd type="triangle" w="lg" len="lg"/>
-          </a:ln>
-          <a:effectLst/>
-        </p:spPr>
-        <p:style>
-          <a:lnRef idx="2">
-            <a:schemeClr val="accent1"/>
-          </a:lnRef>
-          <a:fillRef idx="0">
-            <a:schemeClr val="accent1"/>
-          </a:fillRef>
-          <a:effectRef idx="1">
-            <a:schemeClr val="accent1"/>
-          </a:effectRef>
-          <a:fontRef idx="minor">
-            <a:schemeClr val="tx1"/>
-          </a:fontRef>
-        </p:style>
-      </p:cxnSp>
-      <p:cxnSp>
-        <p:nvCxnSpPr>
-          <p:cNvPr id="145" name="Elbow Connector 144"/>
-          <p:cNvCxnSpPr>
-            <a:stCxn id="128" idx="0"/>
-            <a:endCxn id="55" idx="6"/>
-          </p:cNvCxnSpPr>
-          <p:nvPr/>
-        </p:nvCxnSpPr>
-        <p:spPr>
-          <a:xfrm rot="16200000" flipV="1">
-            <a:off x="7453526" y="1591290"/>
-            <a:ext cx="585249" cy="999306"/>
-          </a:xfrm>
-          <a:prstGeom prst="bentConnector2">
-            <a:avLst/>
-          </a:prstGeom>
-          <a:ln w="28575" cmpd="sng">
-            <a:solidFill>
-              <a:srgbClr val="BB4B1B"/>
-            </a:solidFill>
-            <a:headEnd type="none"/>
-            <a:tailEnd type="triangle" w="lg" len="lg"/>
-          </a:ln>
-          <a:effectLst/>
-        </p:spPr>
-        <p:style>
-          <a:lnRef idx="2">
-            <a:schemeClr val="accent1"/>
-          </a:lnRef>
-          <a:fillRef idx="0">
-            <a:schemeClr val="accent1"/>
-          </a:fillRef>
-          <a:effectRef idx="1">
-            <a:schemeClr val="accent1"/>
-          </a:effectRef>
-          <a:fontRef idx="minor">
-            <a:schemeClr val="tx1"/>
-          </a:fontRef>
-        </p:style>
-      </p:cxnSp>
-    </p:spTree>
-    <p:extLst>
-      <p:ext uri="{BB962C8B-B14F-4D97-AF65-F5344CB8AC3E}">
-        <p14:creationId xmlns:p14="http://schemas.microsoft.com/office/powerpoint/2010/main" val="184944081"/>
-      </p:ext>
-    </p:extLst>
-  </p:cSld>
-  <p:clrMapOvr>
-    <a:masterClrMapping/>
-  </p:clrMapOvr>
-  <p:timing>
-    <p:tnLst>
-      <p:par>
-        <p:cTn id="1" dur="indefinite" restart="never" nodeType="tmRoot"/>
-      </p:par>
-    </p:tnLst>
-  </p:timing>
-</p:sld>
-</file>
-
-<file path=ppt/slides/slide11.xml><?xml version="1.0" encoding="utf-8"?>
-<p:sld xmlns:a="http://schemas.openxmlformats.org/drawingml/2006/main" xmlns:r="http://schemas.openxmlformats.org/officeDocument/2006/relationships" xmlns:p="http://schemas.openxmlformats.org/presentationml/2006/main">
-  <p:cSld>
-    <p:spTree>
-      <p:nvGrpSpPr>
-        <p:cNvPr id="1" name=""/>
-        <p:cNvGrpSpPr/>
-        <p:nvPr/>
-      </p:nvGrpSpPr>
-      <p:grpSpPr>
-        <a:xfrm>
-          <a:off x="0" y="0"/>
-          <a:ext cx="0" cy="0"/>
-          <a:chOff x="0" y="0"/>
-          <a:chExt cx="0" cy="0"/>
-        </a:xfrm>
-      </p:grpSpPr>
-      <p:sp>
-        <p:nvSpPr>
-          <p:cNvPr id="3" name="Footer Placeholder 2"/>
-          <p:cNvSpPr>
-            <a:spLocks noGrp="1"/>
-          </p:cNvSpPr>
-          <p:nvPr>
-            <p:ph type="ftr" sz="quarter" idx="11"/>
-          </p:nvPr>
-        </p:nvSpPr>
-        <p:spPr/>
-        <p:txBody>
-          <a:bodyPr/>
-          <a:lstStyle/>
-          <a:p>
-            <a:r>
-              <a:rPr lang="en-US" dirty="0"/>
-              <a:t>© DataStax, All Rights Reserved.</a:t>
-            </a:r>
-          </a:p>
-        </p:txBody>
-      </p:sp>
-      <p:sp>
-        <p:nvSpPr>
-          <p:cNvPr id="4" name="Slide Number Placeholder 3"/>
-          <p:cNvSpPr>
-            <a:spLocks noGrp="1"/>
-          </p:cNvSpPr>
-          <p:nvPr>
-            <p:ph type="sldNum" sz="quarter" idx="12"/>
-          </p:nvPr>
-        </p:nvSpPr>
-        <p:spPr/>
-        <p:txBody>
-          <a:bodyPr/>
-          <a:lstStyle/>
-          <a:p>
-            <a:fld id="{B10D5614-B734-4280-8F57-1D4947433C97}" type="slidenum">
-              <a:rPr lang="en-US" smtClean="0"/>
-              <a:pPr/>
-              <a:t>11</a:t>
-            </a:fld>
-            <a:endParaRPr lang="en-US" dirty="0"/>
-          </a:p>
-        </p:txBody>
-      </p:sp>
-      <p:sp>
-        <p:nvSpPr>
-          <p:cNvPr id="2" name="TextBox 1"/>
-          <p:cNvSpPr txBox="1"/>
-          <p:nvPr/>
-        </p:nvSpPr>
-        <p:spPr>
-          <a:xfrm>
-            <a:off x="611560" y="3363838"/>
-            <a:ext cx="8532440" cy="1200329"/>
-          </a:xfrm>
-          <a:prstGeom prst="rect">
-            <a:avLst/>
-          </a:prstGeom>
-          <a:noFill/>
-        </p:spPr>
-        <p:txBody>
-          <a:bodyPr wrap="square" rtlCol="0">
-            <a:spAutoFit/>
-          </a:bodyPr>
-          <a:lstStyle/>
-          <a:p>
-            <a:r>
-              <a:rPr lang="en-US" b="1" dirty="0">
-                <a:latin typeface="Courier New"/>
-                <a:cs typeface="Courier New"/>
-              </a:rPr>
-              <a:t> </a:t>
-            </a:r>
-            <a:r>
-              <a:rPr lang="en-US" b="1" dirty="0" err="1">
-                <a:solidFill>
-                  <a:srgbClr val="0989A9"/>
-                </a:solidFill>
-                <a:latin typeface="Courier New"/>
-                <a:cs typeface="Courier New"/>
-              </a:rPr>
-              <a:t>g</a:t>
-            </a:r>
-            <a:r>
-              <a:rPr lang="en-US" b="1" dirty="0" err="1">
-                <a:latin typeface="Courier New"/>
-                <a:cs typeface="Courier New"/>
-              </a:rPr>
-              <a:t>.</a:t>
-            </a:r>
-            <a:r>
-              <a:rPr lang="en-US" b="1" dirty="0" err="1">
-                <a:solidFill>
-                  <a:schemeClr val="accent5">
-                    <a:lumMod val="75000"/>
-                  </a:schemeClr>
-                </a:solidFill>
-                <a:latin typeface="Courier New"/>
-                <a:cs typeface="Courier New"/>
-              </a:rPr>
-              <a:t>V</a:t>
-            </a:r>
-            <a:r>
-              <a:rPr lang="en-US" b="1" dirty="0">
-                <a:latin typeface="Courier New"/>
-                <a:cs typeface="Courier New"/>
-              </a:rPr>
-              <a:t>().</a:t>
-            </a:r>
-            <a:r>
-              <a:rPr lang="en-US" b="1" dirty="0">
-                <a:solidFill>
-                  <a:srgbClr val="0989A9"/>
-                </a:solidFill>
-                <a:latin typeface="Courier New"/>
-                <a:cs typeface="Courier New"/>
-              </a:rPr>
-              <a:t>has</a:t>
-            </a:r>
-            <a:r>
-              <a:rPr lang="en-US" b="1" dirty="0">
-                <a:latin typeface="Courier New"/>
-                <a:cs typeface="Courier New"/>
-              </a:rPr>
-              <a:t>(</a:t>
-            </a:r>
-            <a:r>
-              <a:rPr lang="en-US" b="1" dirty="0">
-                <a:solidFill>
-                  <a:srgbClr val="7CA023"/>
-                </a:solidFill>
-                <a:latin typeface="Courier New"/>
-                <a:cs typeface="Courier New"/>
-              </a:rPr>
-              <a:t>"</a:t>
-            </a:r>
-            <a:r>
-              <a:rPr lang="en-US" b="1" dirty="0" err="1">
-                <a:solidFill>
-                  <a:srgbClr val="7CA023"/>
-                </a:solidFill>
-                <a:latin typeface="Courier New"/>
-                <a:cs typeface="Courier New"/>
-              </a:rPr>
-              <a:t>name"</a:t>
-            </a:r>
-            <a:r>
-              <a:rPr lang="en-US" b="1" dirty="0" err="1">
-                <a:latin typeface="Courier New"/>
-                <a:cs typeface="Courier New"/>
-              </a:rPr>
-              <a:t>,</a:t>
-            </a:r>
-            <a:r>
-              <a:rPr lang="en-US" b="1" dirty="0" err="1">
-                <a:solidFill>
-                  <a:srgbClr val="7CA023"/>
-                </a:solidFill>
-                <a:latin typeface="Courier New"/>
-                <a:cs typeface="Courier New"/>
-              </a:rPr>
-              <a:t>"gremlin</a:t>
-            </a:r>
-            <a:r>
-              <a:rPr lang="en-US" b="1" dirty="0">
-                <a:solidFill>
-                  <a:srgbClr val="7CA023"/>
-                </a:solidFill>
-                <a:latin typeface="Courier New"/>
-                <a:cs typeface="Courier New"/>
-              </a:rPr>
-              <a:t>"</a:t>
-            </a:r>
-            <a:r>
-              <a:rPr lang="en-US" b="1" dirty="0">
-                <a:latin typeface="Courier New"/>
-                <a:cs typeface="Courier New"/>
-              </a:rPr>
-              <a:t>).</a:t>
-            </a:r>
-          </a:p>
-          <a:p>
-            <a:r>
-              <a:rPr lang="en-US" b="1" dirty="0">
-                <a:latin typeface="Courier New"/>
-                <a:cs typeface="Courier New"/>
-              </a:rPr>
-              <a:t>      </a:t>
-            </a:r>
-            <a:r>
-              <a:rPr lang="en-US" b="1" dirty="0">
-                <a:solidFill>
-                  <a:srgbClr val="0989A9"/>
-                </a:solidFill>
-                <a:latin typeface="Courier New"/>
-                <a:cs typeface="Courier New"/>
-              </a:rPr>
-              <a:t>repeat</a:t>
-            </a:r>
-            <a:r>
-              <a:rPr lang="en-US" b="1" dirty="0">
-                <a:latin typeface="Courier New"/>
-                <a:cs typeface="Courier New"/>
-              </a:rPr>
-              <a:t>(</a:t>
-            </a:r>
-            <a:r>
-              <a:rPr lang="en-US" b="1" dirty="0">
-                <a:solidFill>
-                  <a:srgbClr val="0989A9"/>
-                </a:solidFill>
-                <a:latin typeface="Courier New"/>
-                <a:cs typeface="Courier New"/>
-              </a:rPr>
-              <a:t>in</a:t>
-            </a:r>
-            <a:r>
-              <a:rPr lang="en-US" b="1" dirty="0">
-                <a:latin typeface="Courier New"/>
-                <a:cs typeface="Courier New"/>
-              </a:rPr>
-              <a:t>(</a:t>
-            </a:r>
-            <a:r>
-              <a:rPr lang="en-US" b="1" dirty="0">
-                <a:solidFill>
-                  <a:srgbClr val="7CA023"/>
-                </a:solidFill>
-                <a:latin typeface="Courier New"/>
-                <a:cs typeface="Courier New"/>
-              </a:rPr>
-              <a:t>"manages"</a:t>
-            </a:r>
-            <a:r>
-              <a:rPr lang="en-US" b="1" dirty="0">
-                <a:latin typeface="Courier New"/>
-                <a:cs typeface="Courier New"/>
-              </a:rPr>
-              <a:t>)).</a:t>
-            </a:r>
-            <a:r>
-              <a:rPr lang="en-US" b="1" dirty="0">
-                <a:solidFill>
-                  <a:srgbClr val="0989A9"/>
-                </a:solidFill>
-                <a:latin typeface="Courier New"/>
-                <a:cs typeface="Courier New"/>
-              </a:rPr>
-              <a:t>until</a:t>
-            </a:r>
-            <a:r>
-              <a:rPr lang="en-US" b="1" dirty="0">
-                <a:latin typeface="Courier New"/>
-                <a:cs typeface="Courier New"/>
-              </a:rPr>
-              <a:t>(</a:t>
-            </a:r>
-            <a:r>
-              <a:rPr lang="en-US" b="1" dirty="0">
-                <a:solidFill>
-                  <a:srgbClr val="0989A9"/>
-                </a:solidFill>
-                <a:latin typeface="Courier New"/>
-                <a:cs typeface="Courier New"/>
-              </a:rPr>
-              <a:t>has</a:t>
-            </a:r>
-            <a:r>
-              <a:rPr lang="en-US" b="1" dirty="0">
-                <a:latin typeface="Courier New"/>
-                <a:cs typeface="Courier New"/>
-              </a:rPr>
-              <a:t>(</a:t>
-            </a:r>
-            <a:r>
-              <a:rPr lang="en-US" b="1" dirty="0">
-                <a:solidFill>
-                  <a:srgbClr val="7CA023"/>
-                </a:solidFill>
-                <a:latin typeface="Courier New"/>
-                <a:cs typeface="Courier New"/>
-              </a:rPr>
-              <a:t>"title"</a:t>
-            </a:r>
-            <a:r>
-              <a:rPr lang="en-US" b="1" dirty="0">
-                <a:latin typeface="Courier New"/>
-                <a:cs typeface="Courier New"/>
-              </a:rPr>
-              <a:t>,</a:t>
-            </a:r>
-            <a:r>
-              <a:rPr lang="en-US" b="1" dirty="0">
-                <a:solidFill>
-                  <a:srgbClr val="7CA023"/>
-                </a:solidFill>
-                <a:latin typeface="Courier New"/>
-                <a:cs typeface="Courier New"/>
-              </a:rPr>
-              <a:t>"</a:t>
-            </a:r>
-            <a:r>
-              <a:rPr lang="en-US" b="1" dirty="0" err="1">
-                <a:solidFill>
-                  <a:srgbClr val="7CA023"/>
-                </a:solidFill>
-                <a:latin typeface="Courier New"/>
-                <a:cs typeface="Courier New"/>
-              </a:rPr>
-              <a:t>ceo</a:t>
-            </a:r>
-            <a:r>
-              <a:rPr lang="en-US" b="1" dirty="0">
-                <a:solidFill>
-                  <a:srgbClr val="7CA023"/>
-                </a:solidFill>
-                <a:latin typeface="Courier New"/>
-                <a:cs typeface="Courier New"/>
-              </a:rPr>
-              <a:t>"</a:t>
-            </a:r>
-            <a:r>
-              <a:rPr lang="en-US" b="1" dirty="0">
-                <a:latin typeface="Courier New"/>
-                <a:cs typeface="Courier New"/>
-              </a:rPr>
-              <a:t>)).</a:t>
-            </a:r>
-          </a:p>
-          <a:p>
-            <a:r>
-              <a:rPr lang="en-US" b="1" dirty="0">
-                <a:latin typeface="Courier New"/>
-                <a:cs typeface="Courier New"/>
-              </a:rPr>
-              <a:t>      </a:t>
-            </a:r>
-            <a:r>
-              <a:rPr lang="en-US" b="1" dirty="0">
-                <a:solidFill>
-                  <a:srgbClr val="0989A9"/>
-                </a:solidFill>
-                <a:latin typeface="Courier New"/>
-                <a:cs typeface="Courier New"/>
-              </a:rPr>
-              <a:t>path</a:t>
-            </a:r>
-            <a:r>
-              <a:rPr lang="en-US" b="1" dirty="0">
-                <a:latin typeface="Courier New"/>
-                <a:cs typeface="Courier New"/>
-              </a:rPr>
-              <a:t>().</a:t>
-            </a:r>
-            <a:r>
-              <a:rPr lang="en-US" b="1" dirty="0">
-                <a:solidFill>
-                  <a:srgbClr val="0989A9"/>
-                </a:solidFill>
-                <a:latin typeface="Courier New"/>
-                <a:cs typeface="Courier New"/>
-              </a:rPr>
-              <a:t>by</a:t>
-            </a:r>
-            <a:r>
-              <a:rPr lang="en-US" b="1" dirty="0">
-                <a:latin typeface="Courier New"/>
-                <a:cs typeface="Courier New"/>
-              </a:rPr>
-              <a:t>(</a:t>
-            </a:r>
-            <a:r>
-              <a:rPr lang="en-US" b="1" dirty="0">
-                <a:solidFill>
-                  <a:srgbClr val="7CA023"/>
-                </a:solidFill>
-                <a:latin typeface="Courier New"/>
-                <a:cs typeface="Courier New"/>
-              </a:rPr>
-              <a:t>"name"</a:t>
-            </a:r>
-            <a:r>
-              <a:rPr lang="en-US" b="1" dirty="0" smtClean="0">
-                <a:latin typeface="Courier New"/>
-                <a:cs typeface="Courier New"/>
-              </a:rPr>
-              <a:t>)</a:t>
-            </a:r>
-          </a:p>
-          <a:p>
-            <a:r>
-              <a:rPr lang="en-US" dirty="0" smtClean="0">
-                <a:latin typeface="Courier New"/>
-                <a:cs typeface="Courier New"/>
-                <a:sym typeface="Wingdings"/>
-              </a:rPr>
-              <a:t>&gt;&gt; </a:t>
-            </a:r>
-            <a:r>
-              <a:rPr lang="en-US" dirty="0" smtClean="0">
-                <a:latin typeface="Courier New"/>
-                <a:cs typeface="Courier New"/>
-              </a:rPr>
-              <a:t>The management chain from Gremlin to the CEO</a:t>
-            </a:r>
-            <a:endParaRPr lang="en-US" dirty="0">
-              <a:latin typeface="Courier New"/>
-              <a:cs typeface="Courier New"/>
-            </a:endParaRPr>
-          </a:p>
-        </p:txBody>
-      </p:sp>
-      <p:grpSp>
-        <p:nvGrpSpPr>
-          <p:cNvPr id="9" name="Group 8"/>
-          <p:cNvGrpSpPr/>
-          <p:nvPr/>
-        </p:nvGrpSpPr>
-        <p:grpSpPr>
-          <a:xfrm>
-            <a:off x="1331640" y="267494"/>
-            <a:ext cx="3024336" cy="3024336"/>
-            <a:chOff x="1763688" y="195486"/>
-            <a:chExt cx="3024336" cy="3024336"/>
-          </a:xfrm>
-        </p:grpSpPr>
-        <p:pic>
-          <p:nvPicPr>
-            <p:cNvPr id="7" name="Picture 6"/>
-            <p:cNvPicPr>
-              <a:picLocks noChangeAspect="1"/>
-            </p:cNvPicPr>
-            <p:nvPr/>
-          </p:nvPicPr>
-          <p:blipFill rotWithShape="1">
-            <a:blip r:embed="rId2"/>
-            <a:srcRect r="64621"/>
-            <a:stretch/>
-          </p:blipFill>
-          <p:spPr>
-            <a:xfrm>
-              <a:off x="1763688" y="195486"/>
-              <a:ext cx="2758846" cy="3024336"/>
-            </a:xfrm>
-            <a:prstGeom prst="rect">
-              <a:avLst/>
-            </a:prstGeom>
-          </p:spPr>
-        </p:pic>
-        <p:sp>
-          <p:nvSpPr>
-            <p:cNvPr id="8" name="Rectangle 7"/>
-            <p:cNvSpPr/>
-            <p:nvPr/>
-          </p:nvSpPr>
-          <p:spPr>
-            <a:xfrm>
-              <a:off x="4283968" y="1707654"/>
-              <a:ext cx="504056" cy="1008112"/>
-            </a:xfrm>
-            <a:prstGeom prst="rect">
-              <a:avLst/>
-            </a:prstGeom>
-            <a:ln>
-              <a:noFill/>
-            </a:ln>
-          </p:spPr>
-          <p:style>
-            <a:lnRef idx="2">
-              <a:schemeClr val="dk1"/>
-            </a:lnRef>
-            <a:fillRef idx="1">
-              <a:schemeClr val="lt1"/>
-            </a:fillRef>
-            <a:effectRef idx="0">
-              <a:schemeClr val="dk1"/>
-            </a:effectRef>
-            <a:fontRef idx="minor">
-              <a:schemeClr val="dk1"/>
-            </a:fontRef>
-          </p:style>
-          <p:txBody>
-            <a:bodyPr rtlCol="0" anchor="ctr"/>
-            <a:lstStyle/>
-            <a:p>
-              <a:pPr algn="ctr"/>
-              <a:endParaRPr lang="en-US"/>
-            </a:p>
-          </p:txBody>
-        </p:sp>
-      </p:grpSp>
-      <p:sp>
-        <p:nvSpPr>
-          <p:cNvPr id="6" name="TextBox 5"/>
-          <p:cNvSpPr txBox="1"/>
-          <p:nvPr/>
-        </p:nvSpPr>
-        <p:spPr>
-          <a:xfrm>
-            <a:off x="4067944" y="1853411"/>
-            <a:ext cx="4762842" cy="646331"/>
-          </a:xfrm>
-          <a:prstGeom prst="rect">
-            <a:avLst/>
-          </a:prstGeom>
-          <a:noFill/>
-        </p:spPr>
-        <p:txBody>
-          <a:bodyPr wrap="none" rtlCol="0">
-            <a:spAutoFit/>
-          </a:bodyPr>
-          <a:lstStyle/>
-          <a:p>
-            <a:r>
-              <a:rPr lang="en-US" sz="3600" dirty="0" err="1" smtClean="0">
-                <a:solidFill>
-                  <a:schemeClr val="accent4">
-                    <a:lumMod val="50000"/>
-                  </a:schemeClr>
-                </a:solidFill>
-                <a:latin typeface="Helvetica Neue"/>
-                <a:cs typeface="Helvetica Neue"/>
-              </a:rPr>
-              <a:t>tinkerpop.apache.org</a:t>
-            </a:r>
-            <a:endParaRPr lang="en-US" sz="3600" dirty="0">
-              <a:solidFill>
-                <a:schemeClr val="accent4">
-                  <a:lumMod val="50000"/>
-                </a:schemeClr>
-              </a:solidFill>
-              <a:latin typeface="Helvetica Neue"/>
-              <a:cs typeface="Helvetica Neue"/>
-            </a:endParaRPr>
-          </a:p>
-        </p:txBody>
-      </p:sp>
-      <p:sp>
-        <p:nvSpPr>
-          <p:cNvPr id="10" name="Title 1"/>
-          <p:cNvSpPr>
-            <a:spLocks noGrp="1"/>
-          </p:cNvSpPr>
-          <p:nvPr>
-            <p:ph type="title"/>
-          </p:nvPr>
-        </p:nvSpPr>
-        <p:spPr>
-          <a:xfrm>
-            <a:off x="381002" y="200026"/>
-            <a:ext cx="7544152" cy="519112"/>
-          </a:xfrm>
-        </p:spPr>
-        <p:txBody>
-          <a:bodyPr>
-            <a:normAutofit fontScale="90000"/>
-          </a:bodyPr>
-          <a:lstStyle/>
-          <a:p>
-            <a:r>
-              <a:rPr lang="en-US" dirty="0" smtClean="0"/>
-              <a:t>Gremlin</a:t>
-            </a:r>
-            <a:endParaRPr lang="en-US" dirty="0"/>
-          </a:p>
-        </p:txBody>
-      </p:sp>
-    </p:spTree>
-    <p:extLst>
-      <p:ext uri="{BB962C8B-B14F-4D97-AF65-F5344CB8AC3E}">
-        <p14:creationId xmlns:p14="http://schemas.microsoft.com/office/powerpoint/2010/main" val="740689824"/>
-      </p:ext>
-    </p:extLst>
-  </p:cSld>
-  <p:clrMapOvr>
-    <a:masterClrMapping/>
-  </p:clrMapOvr>
-  <mc:AlternateContent xmlns:mc="http://schemas.openxmlformats.org/markup-compatibility/2006" xmlns:p14="http://schemas.microsoft.com/office/powerpoint/2010/main">
-    <mc:Choice Requires="p14">
-      <p:transition p14:dur="0"/>
-    </mc:Choice>
-    <mc:Fallback xmlns="">
-      <p:transition xmlns:p14="http://schemas.microsoft.com/office/powerpoint/2010/main"/>
-    </mc:Fallback>
-  </mc:AlternateContent>
-  <p:timing>
-    <p:tnLst>
-      <p:par>
-        <p:cTn id="1" dur="indefinite" restart="never" nodeType="tmRoot"/>
-      </p:par>
-    </p:tnLst>
-  </p:timing>
-</p:sld>
-</file>
-
-<file path=ppt/slides/slide12.xml><?xml version="1.0" encoding="utf-8"?>
 <p:sld xmlns:a="http://schemas.openxmlformats.org/drawingml/2006/main" xmlns:r="http://schemas.openxmlformats.org/officeDocument/2006/relationships" xmlns:p="http://schemas.openxmlformats.org/presentationml/2006/main">
   <p:cSld>
     <p:spTree>
@@ -26590,7 +22528,7 @@
 </p:sld>
 </file>
 
-<file path=ppt/slides/slide13.xml><?xml version="1.0" encoding="utf-8"?>
+<file path=ppt/slides/slide11.xml><?xml version="1.0" encoding="utf-8"?>
 <p:sld xmlns:a="http://schemas.openxmlformats.org/drawingml/2006/main" xmlns:r="http://schemas.openxmlformats.org/officeDocument/2006/relationships" xmlns:p="http://schemas.openxmlformats.org/presentationml/2006/main">
   <p:cSld>
     <p:spTree>
@@ -28690,7 +24628,7 @@
 </p:sld>
 </file>
 
-<file path=ppt/slides/slide14.xml><?xml version="1.0" encoding="utf-8"?>
+<file path=ppt/slides/slide12.xml><?xml version="1.0" encoding="utf-8"?>
 <p:sld xmlns:a="http://schemas.openxmlformats.org/drawingml/2006/main" xmlns:r="http://schemas.openxmlformats.org/officeDocument/2006/relationships" xmlns:p="http://schemas.openxmlformats.org/presentationml/2006/main">
   <p:cSld>
     <p:spTree>
@@ -28775,7 +24713,7 @@
           <a:p>
             <a:fld id="{B10D5614-B734-4280-8F57-1D4947433C97}" type="slidenum">
               <a:rPr lang="en-US" smtClean="0"/>
-              <a:t>14</a:t>
+              <a:t>12</a:t>
             </a:fld>
             <a:endParaRPr lang="en-US" dirty="0"/>
           </a:p>
@@ -29446,7 +25384,7 @@
 </p:sld>
 </file>
 
-<file path=ppt/slides/slide15.xml><?xml version="1.0" encoding="utf-8"?>
+<file path=ppt/slides/slide13.xml><?xml version="1.0" encoding="utf-8"?>
 <p:sld xmlns:a="http://schemas.openxmlformats.org/drawingml/2006/main" xmlns:r="http://schemas.openxmlformats.org/officeDocument/2006/relationships" xmlns:p="http://schemas.openxmlformats.org/presentationml/2006/main">
   <p:cSld>
     <p:spTree>
@@ -29481,19 +25419,7 @@
             <a:pPr lvl="0"/>
             <a:r>
               <a:rPr lang="en-US" dirty="0" smtClean="0"/>
-              <a:t>Lab </a:t>
-            </a:r>
-            <a:r>
-              <a:rPr lang="en-US" dirty="0" smtClean="0"/>
-              <a:t>7 </a:t>
-            </a:r>
-            <a:r>
-              <a:rPr lang="en-US" dirty="0" smtClean="0"/>
-              <a:t>– </a:t>
-            </a:r>
-            <a:r>
-              <a:rPr lang="en-US" dirty="0" smtClean="0"/>
-              <a:t>Graph</a:t>
+              <a:t>Lab 7 – Graph</a:t>
             </a:r>
             <a:r>
               <a:rPr lang="en-US" smtClean="0"/>
@@ -29547,231 +25473,6 @@
 </file>
 
 <file path=ppt/slides/slide2.xml><?xml version="1.0" encoding="utf-8"?>
-<p:sld xmlns:a="http://schemas.openxmlformats.org/drawingml/2006/main" xmlns:r="http://schemas.openxmlformats.org/officeDocument/2006/relationships" xmlns:p="http://schemas.openxmlformats.org/presentationml/2006/main">
-  <p:cSld>
-    <p:spTree>
-      <p:nvGrpSpPr>
-        <p:cNvPr id="1" name=""/>
-        <p:cNvGrpSpPr/>
-        <p:nvPr/>
-      </p:nvGrpSpPr>
-      <p:grpSpPr>
-        <a:xfrm>
-          <a:off x="0" y="0"/>
-          <a:ext cx="0" cy="0"/>
-          <a:chOff x="0" y="0"/>
-          <a:chExt cx="0" cy="0"/>
-        </a:xfrm>
-      </p:grpSpPr>
-      <p:sp>
-        <p:nvSpPr>
-          <p:cNvPr id="46" name="Footer Placeholder 3"/>
-          <p:cNvSpPr>
-            <a:spLocks noGrp="1"/>
-          </p:cNvSpPr>
-          <p:nvPr>
-            <p:ph type="ftr" sz="quarter" idx="4294967295"/>
-          </p:nvPr>
-        </p:nvSpPr>
-        <p:spPr>
-          <a:xfrm>
-            <a:off x="257158" y="4864275"/>
-            <a:ext cx="3979722" cy="155703"/>
-          </a:xfrm>
-          <a:prstGeom prst="rect">
-            <a:avLst/>
-          </a:prstGeom>
-        </p:spPr>
-        <p:txBody>
-          <a:bodyPr/>
-          <a:lstStyle/>
-          <a:p>
-            <a:pPr algn="l"/>
-            <a:r>
-              <a:rPr lang="en-US" sz="800" dirty="0" smtClean="0">
-                <a:solidFill>
-                  <a:schemeClr val="bg1">
-                    <a:lumMod val="75000"/>
-                  </a:schemeClr>
-                </a:solidFill>
-                <a:latin typeface="Helvetica Neue"/>
-                <a:ea typeface="ＭＳ Ｐゴシック" charset="0"/>
-                <a:cs typeface="Helvetica Neue"/>
-              </a:rPr>
-              <a:t>©2016 DataStax Confidential. Do not distribute without consent.</a:t>
-            </a:r>
-            <a:endParaRPr lang="en-US" sz="800" dirty="0">
-              <a:solidFill>
-                <a:schemeClr val="bg1">
-                  <a:lumMod val="75000"/>
-                </a:schemeClr>
-              </a:solidFill>
-              <a:latin typeface="Helvetica Neue"/>
-              <a:ea typeface="ＭＳ Ｐゴシック" charset="0"/>
-              <a:cs typeface="Helvetica Neue"/>
-            </a:endParaRPr>
-          </a:p>
-        </p:txBody>
-      </p:sp>
-      <p:sp>
-        <p:nvSpPr>
-          <p:cNvPr id="7" name="TextBox 6"/>
-          <p:cNvSpPr txBox="1"/>
-          <p:nvPr/>
-        </p:nvSpPr>
-        <p:spPr>
-          <a:xfrm>
-            <a:off x="467544" y="1563638"/>
-            <a:ext cx="8622577" cy="1938988"/>
-          </a:xfrm>
-          <a:prstGeom prst="rect">
-            <a:avLst/>
-          </a:prstGeom>
-          <a:noFill/>
-        </p:spPr>
-        <p:txBody>
-          <a:bodyPr wrap="square" lIns="91435" tIns="45718" rIns="91435" bIns="45718" rtlCol="0">
-            <a:spAutoFit/>
-          </a:bodyPr>
-          <a:lstStyle/>
-          <a:p>
-            <a:pPr marL="457200" indent="-457200">
-              <a:buFont typeface="+mj-lt"/>
-              <a:buAutoNum type="arabicPeriod"/>
-            </a:pPr>
-            <a:r>
-              <a:rPr lang="en-US" sz="2000" dirty="0" smtClean="0">
-                <a:latin typeface="Helvetica Neue Light"/>
-                <a:cs typeface="Helvetica Neue Light"/>
-              </a:rPr>
-              <a:t>Review Graph Market Problems –&gt; Why Graph</a:t>
-            </a:r>
-          </a:p>
-          <a:p>
-            <a:pPr marL="457200" indent="-457200">
-              <a:buFont typeface="+mj-lt"/>
-              <a:buAutoNum type="arabicPeriod"/>
-            </a:pPr>
-            <a:r>
-              <a:rPr lang="en-US" sz="2000" dirty="0" smtClean="0">
-                <a:latin typeface="Helvetica Neue Light"/>
-                <a:cs typeface="Helvetica Neue Light"/>
-              </a:rPr>
-              <a:t>Review DSE Graph’s Differentiators –&gt; Why DSE Graph</a:t>
-            </a:r>
-          </a:p>
-          <a:p>
-            <a:pPr marL="457200" indent="-457200">
-              <a:buFont typeface="+mj-lt"/>
-              <a:buAutoNum type="arabicPeriod"/>
-            </a:pPr>
-            <a:r>
-              <a:rPr lang="en-US" sz="2000" dirty="0" smtClean="0">
-                <a:latin typeface="Helvetica Neue Light"/>
-                <a:cs typeface="Helvetica Neue Light"/>
-              </a:rPr>
-              <a:t>Review Key Graph Needs of Cloud Application Graph -&gt; DSE Graph Features</a:t>
-            </a:r>
-          </a:p>
-          <a:p>
-            <a:pPr marL="457200" indent="-457200">
-              <a:buFont typeface="+mj-lt"/>
-              <a:buAutoNum type="arabicPeriod"/>
-            </a:pPr>
-            <a:endParaRPr lang="en-US" sz="2000" dirty="0">
-              <a:latin typeface="Helvetica Neue Light"/>
-              <a:cs typeface="Helvetica Neue Light"/>
-            </a:endParaRPr>
-          </a:p>
-          <a:p>
-            <a:endParaRPr lang="en-US" sz="2000" dirty="0" smtClean="0">
-              <a:latin typeface="Helvetica Neue Light"/>
-              <a:cs typeface="Helvetica Neue Light"/>
-            </a:endParaRPr>
-          </a:p>
-        </p:txBody>
-      </p:sp>
-      <p:sp>
-        <p:nvSpPr>
-          <p:cNvPr id="2" name="Title 1"/>
-          <p:cNvSpPr>
-            <a:spLocks noGrp="1"/>
-          </p:cNvSpPr>
-          <p:nvPr>
-            <p:ph type="title"/>
-          </p:nvPr>
-        </p:nvSpPr>
-        <p:spPr>
-          <a:xfrm>
-            <a:off x="381002" y="51470"/>
-            <a:ext cx="7544152" cy="519112"/>
-          </a:xfrm>
-        </p:spPr>
-        <p:txBody>
-          <a:bodyPr>
-            <a:normAutofit fontScale="90000"/>
-          </a:bodyPr>
-          <a:lstStyle/>
-          <a:p>
-            <a:r>
-              <a:rPr lang="en-US" dirty="0" smtClean="0"/>
-              <a:t>Agenda</a:t>
-            </a:r>
-            <a:endParaRPr lang="en-US" dirty="0"/>
-          </a:p>
-        </p:txBody>
-      </p:sp>
-      <p:pic>
-        <p:nvPicPr>
-          <p:cNvPr id="4" name="Picture 3" descr="DSE Graph Icon.png"/>
-          <p:cNvPicPr>
-            <a:picLocks noChangeAspect="1"/>
-          </p:cNvPicPr>
-          <p:nvPr/>
-        </p:nvPicPr>
-        <p:blipFill>
-          <a:blip r:embed="rId3">
-            <a:extLst>
-              <a:ext uri="{28A0092B-C50C-407E-A947-70E740481C1C}">
-                <a14:useLocalDpi xmlns:a14="http://schemas.microsoft.com/office/drawing/2010/main" val="0"/>
-              </a:ext>
-            </a:extLst>
-          </a:blip>
-          <a:stretch>
-            <a:fillRect/>
-          </a:stretch>
-        </p:blipFill>
-        <p:spPr>
-          <a:xfrm>
-            <a:off x="6084168" y="2859782"/>
-            <a:ext cx="1697628" cy="1697628"/>
-          </a:xfrm>
-          <a:prstGeom prst="rect">
-            <a:avLst/>
-          </a:prstGeom>
-        </p:spPr>
-      </p:pic>
-    </p:spTree>
-    <p:extLst>
-      <p:ext uri="{BB962C8B-B14F-4D97-AF65-F5344CB8AC3E}">
-        <p14:creationId xmlns:p14="http://schemas.microsoft.com/office/powerpoint/2010/main" val="1396170830"/>
-      </p:ext>
-    </p:extLst>
-  </p:cSld>
-  <p:clrMapOvr>
-    <a:masterClrMapping/>
-  </p:clrMapOvr>
-  <p:timing>
-    <p:tnLst>
-      <p:par>
-        <p:cTn id="1" dur="indefinite" restart="never" nodeType="tmRoot"/>
-      </p:par>
-    </p:tnLst>
-  </p:timing>
-</p:sld>
-</file>
-
-<file path=ppt/slides/slide3.xml><?xml version="1.0" encoding="utf-8"?>
 <p:sld xmlns:a="http://schemas.openxmlformats.org/drawingml/2006/main" xmlns:r="http://schemas.openxmlformats.org/officeDocument/2006/relationships" xmlns:p="http://schemas.openxmlformats.org/presentationml/2006/main">
   <p:cSld>
     <p:spTree>
@@ -30321,7 +26022,7 @@
 </p:sld>
 </file>
 
-<file path=ppt/slides/slide4.xml><?xml version="1.0" encoding="utf-8"?>
+<file path=ppt/slides/slide3.xml><?xml version="1.0" encoding="utf-8"?>
 <p:sld xmlns:a="http://schemas.openxmlformats.org/drawingml/2006/main" xmlns:r="http://schemas.openxmlformats.org/officeDocument/2006/relationships" xmlns:p="http://schemas.openxmlformats.org/presentationml/2006/main">
   <p:cSld>
     <p:spTree>
@@ -30551,594 +26252,7 @@
 </p:sld>
 </file>
 
-<file path=ppt/slides/slide5.xml><?xml version="1.0" encoding="utf-8"?>
-<p:sld xmlns:a="http://schemas.openxmlformats.org/drawingml/2006/main" xmlns:r="http://schemas.openxmlformats.org/officeDocument/2006/relationships" xmlns:p="http://schemas.openxmlformats.org/presentationml/2006/main">
-  <p:cSld>
-    <p:spTree>
-      <p:nvGrpSpPr>
-        <p:cNvPr id="1" name=""/>
-        <p:cNvGrpSpPr/>
-        <p:nvPr/>
-      </p:nvGrpSpPr>
-      <p:grpSpPr>
-        <a:xfrm>
-          <a:off x="0" y="0"/>
-          <a:ext cx="0" cy="0"/>
-          <a:chOff x="0" y="0"/>
-          <a:chExt cx="0" cy="0"/>
-        </a:xfrm>
-      </p:grpSpPr>
-      <p:sp>
-        <p:nvSpPr>
-          <p:cNvPr id="4" name="Title 3"/>
-          <p:cNvSpPr>
-            <a:spLocks noGrp="1"/>
-          </p:cNvSpPr>
-          <p:nvPr>
-            <p:ph type="title"/>
-          </p:nvPr>
-        </p:nvSpPr>
-        <p:spPr/>
-        <p:txBody>
-          <a:bodyPr>
-            <a:normAutofit fontScale="90000"/>
-          </a:bodyPr>
-          <a:lstStyle/>
-          <a:p>
-            <a:r>
-              <a:rPr lang="en-US" dirty="0" smtClean="0"/>
-              <a:t>Problem(s) That Drive the DSE Graph Database</a:t>
-            </a:r>
-            <a:endParaRPr lang="en-US" dirty="0"/>
-          </a:p>
-        </p:txBody>
-      </p:sp>
-      <p:sp>
-        <p:nvSpPr>
-          <p:cNvPr id="5" name="Content Placeholder 4"/>
-          <p:cNvSpPr>
-            <a:spLocks noGrp="1"/>
-          </p:cNvSpPr>
-          <p:nvPr>
-            <p:ph idx="1"/>
-          </p:nvPr>
-        </p:nvSpPr>
-        <p:spPr>
-          <a:xfrm>
-            <a:off x="251520" y="1059582"/>
-            <a:ext cx="8784976" cy="1296144"/>
-          </a:xfrm>
-        </p:spPr>
-        <p:txBody>
-          <a:bodyPr>
-            <a:normAutofit/>
-          </a:bodyPr>
-          <a:lstStyle/>
-          <a:p>
-            <a:pPr algn="l"/>
-            <a:r>
-              <a:rPr lang="en-US" sz="2000" dirty="0" smtClean="0">
-                <a:solidFill>
-                  <a:schemeClr val="tx1"/>
-                </a:solidFill>
-                <a:latin typeface="Helvetica Neue" charset="0"/>
-                <a:ea typeface="Helvetica Neue" charset="0"/>
-                <a:cs typeface="Helvetica Neue" charset="0"/>
-              </a:rPr>
-              <a:t>The first versions of Graph Databases were focused on </a:t>
-            </a:r>
-            <a:r>
-              <a:rPr lang="is-IS" sz="2000" dirty="0" smtClean="0">
-                <a:solidFill>
-                  <a:schemeClr val="tx1"/>
-                </a:solidFill>
-                <a:latin typeface="Helvetica Neue" charset="0"/>
-                <a:ea typeface="Helvetica Neue" charset="0"/>
-                <a:cs typeface="Helvetica Neue" charset="0"/>
-              </a:rPr>
-              <a:t>…</a:t>
-            </a:r>
-            <a:endParaRPr lang="en-US" sz="2000" dirty="0" smtClean="0">
-              <a:solidFill>
-                <a:schemeClr val="tx1"/>
-              </a:solidFill>
-              <a:latin typeface="Helvetica Neue" charset="0"/>
-              <a:ea typeface="Helvetica Neue" charset="0"/>
-              <a:cs typeface="Helvetica Neue" charset="0"/>
-            </a:endParaRPr>
-          </a:p>
-          <a:p>
-            <a:pPr marL="1085850" lvl="1" indent="-342900">
-              <a:buFont typeface="+mj-lt"/>
-              <a:buAutoNum type="arabicPeriod"/>
-            </a:pPr>
-            <a:r>
-              <a:rPr lang="en-US" sz="2000" dirty="0" smtClean="0">
-                <a:solidFill>
-                  <a:schemeClr val="tx1"/>
-                </a:solidFill>
-                <a:latin typeface="Helvetica Neue" charset="0"/>
-                <a:ea typeface="Helvetica Neue" charset="0"/>
-                <a:cs typeface="Helvetica Neue" charset="0"/>
-              </a:rPr>
-              <a:t>storing and analyzing related things</a:t>
-            </a:r>
-          </a:p>
-          <a:p>
-            <a:pPr marL="1085850" lvl="1" indent="-342900">
-              <a:buFont typeface="+mj-lt"/>
-              <a:buAutoNum type="arabicPeriod"/>
-            </a:pPr>
-            <a:r>
-              <a:rPr lang="en-US" sz="2000" dirty="0" smtClean="0">
-                <a:solidFill>
-                  <a:schemeClr val="tx1"/>
-                </a:solidFill>
-                <a:latin typeface="Helvetica Neue" charset="0"/>
-                <a:ea typeface="Helvetica Neue" charset="0"/>
-                <a:cs typeface="Helvetica Neue" charset="0"/>
-              </a:rPr>
-              <a:t>offline analysis of graph data</a:t>
-            </a:r>
-            <a:endParaRPr lang="en-US" sz="1600" dirty="0">
-              <a:solidFill>
-                <a:schemeClr val="tx1"/>
-              </a:solidFill>
-              <a:latin typeface="Helvetica Neue" charset="0"/>
-              <a:ea typeface="Helvetica Neue" charset="0"/>
-              <a:cs typeface="Helvetica Neue" charset="0"/>
-            </a:endParaRPr>
-          </a:p>
-        </p:txBody>
-      </p:sp>
-      <p:sp>
-        <p:nvSpPr>
-          <p:cNvPr id="6" name="Footer Placeholder 3"/>
-          <p:cNvSpPr txBox="1">
-            <a:spLocks/>
-          </p:cNvSpPr>
-          <p:nvPr/>
-        </p:nvSpPr>
-        <p:spPr>
-          <a:xfrm>
-            <a:off x="257158" y="4864275"/>
-            <a:ext cx="3979722" cy="155703"/>
-          </a:xfrm>
-          <a:prstGeom prst="rect">
-            <a:avLst/>
-          </a:prstGeom>
-        </p:spPr>
-        <p:txBody>
-          <a:bodyPr vert="horz" lIns="91440" tIns="45720" rIns="91440" bIns="45720" rtlCol="0" anchor="ctr" anchorCtr="0"/>
-          <a:lstStyle>
-            <a:defPPr>
-              <a:defRPr lang="en-US"/>
-            </a:defPPr>
-            <a:lvl1pPr marL="0" algn="l" defTabSz="914400" rtl="0" eaLnBrk="1" latinLnBrk="0" hangingPunct="1">
-              <a:defRPr sz="600" kern="1200">
-                <a:solidFill>
-                  <a:schemeClr val="bg1">
-                    <a:lumMod val="75000"/>
-                  </a:schemeClr>
-                </a:solidFill>
-                <a:latin typeface="Helvetica Neue"/>
-                <a:ea typeface="+mn-ea"/>
-                <a:cs typeface="Helvetica Neue"/>
-              </a:defRPr>
-            </a:lvl1pPr>
-            <a:lvl2pPr marL="457200" algn="l" defTabSz="914400" rtl="0" eaLnBrk="1" latinLnBrk="0" hangingPunct="1">
-              <a:defRPr sz="1800" kern="1200">
-                <a:solidFill>
-                  <a:schemeClr val="tx1"/>
-                </a:solidFill>
-                <a:latin typeface="+mn-lt"/>
-                <a:ea typeface="+mn-ea"/>
-                <a:cs typeface="+mn-cs"/>
-              </a:defRPr>
-            </a:lvl2pPr>
-            <a:lvl3pPr marL="914400" algn="l" defTabSz="914400" rtl="0" eaLnBrk="1" latinLnBrk="0" hangingPunct="1">
-              <a:defRPr sz="1800" kern="1200">
-                <a:solidFill>
-                  <a:schemeClr val="tx1"/>
-                </a:solidFill>
-                <a:latin typeface="+mn-lt"/>
-                <a:ea typeface="+mn-ea"/>
-                <a:cs typeface="+mn-cs"/>
-              </a:defRPr>
-            </a:lvl3pPr>
-            <a:lvl4pPr marL="1371600" algn="l" defTabSz="914400" rtl="0" eaLnBrk="1" latinLnBrk="0" hangingPunct="1">
-              <a:defRPr sz="1800" kern="1200">
-                <a:solidFill>
-                  <a:schemeClr val="tx1"/>
-                </a:solidFill>
-                <a:latin typeface="+mn-lt"/>
-                <a:ea typeface="+mn-ea"/>
-                <a:cs typeface="+mn-cs"/>
-              </a:defRPr>
-            </a:lvl4pPr>
-            <a:lvl5pPr marL="1828800" algn="l" defTabSz="914400" rtl="0" eaLnBrk="1" latinLnBrk="0" hangingPunct="1">
-              <a:defRPr sz="1800" kern="1200">
-                <a:solidFill>
-                  <a:schemeClr val="tx1"/>
-                </a:solidFill>
-                <a:latin typeface="+mn-lt"/>
-                <a:ea typeface="+mn-ea"/>
-                <a:cs typeface="+mn-cs"/>
-              </a:defRPr>
-            </a:lvl5pPr>
-            <a:lvl6pPr marL="2286000" algn="l" defTabSz="914400" rtl="0" eaLnBrk="1" latinLnBrk="0" hangingPunct="1">
-              <a:defRPr sz="1800" kern="1200">
-                <a:solidFill>
-                  <a:schemeClr val="tx1"/>
-                </a:solidFill>
-                <a:latin typeface="+mn-lt"/>
-                <a:ea typeface="+mn-ea"/>
-                <a:cs typeface="+mn-cs"/>
-              </a:defRPr>
-            </a:lvl6pPr>
-            <a:lvl7pPr marL="2743200" algn="l" defTabSz="914400" rtl="0" eaLnBrk="1" latinLnBrk="0" hangingPunct="1">
-              <a:defRPr sz="1800" kern="1200">
-                <a:solidFill>
-                  <a:schemeClr val="tx1"/>
-                </a:solidFill>
-                <a:latin typeface="+mn-lt"/>
-                <a:ea typeface="+mn-ea"/>
-                <a:cs typeface="+mn-cs"/>
-              </a:defRPr>
-            </a:lvl7pPr>
-            <a:lvl8pPr marL="3200400" algn="l" defTabSz="914400" rtl="0" eaLnBrk="1" latinLnBrk="0" hangingPunct="1">
-              <a:defRPr sz="1800" kern="1200">
-                <a:solidFill>
-                  <a:schemeClr val="tx1"/>
-                </a:solidFill>
-                <a:latin typeface="+mn-lt"/>
-                <a:ea typeface="+mn-ea"/>
-                <a:cs typeface="+mn-cs"/>
-              </a:defRPr>
-            </a:lvl8pPr>
-            <a:lvl9pPr marL="3657600" algn="l" defTabSz="914400" rtl="0" eaLnBrk="1" latinLnBrk="0" hangingPunct="1">
-              <a:defRPr sz="1800" kern="1200">
-                <a:solidFill>
-                  <a:schemeClr val="tx1"/>
-                </a:solidFill>
-                <a:latin typeface="+mn-lt"/>
-                <a:ea typeface="+mn-ea"/>
-                <a:cs typeface="+mn-cs"/>
-              </a:defRPr>
-            </a:lvl9pPr>
-          </a:lstStyle>
-          <a:p>
-            <a:r>
-              <a:rPr lang="en-US" sz="800" smtClean="0">
-                <a:ea typeface="ＭＳ Ｐゴシック" charset="0"/>
-              </a:rPr>
-              <a:t>©2016 DataStax Confidential. Do not distribute without consent.</a:t>
-            </a:r>
-            <a:endParaRPr lang="en-US" sz="800" dirty="0">
-              <a:ea typeface="ＭＳ Ｐゴシック" charset="0"/>
-            </a:endParaRPr>
-          </a:p>
-        </p:txBody>
-      </p:sp>
-      <p:sp>
-        <p:nvSpPr>
-          <p:cNvPr id="9" name="Rectangle 8"/>
-          <p:cNvSpPr/>
-          <p:nvPr/>
-        </p:nvSpPr>
-        <p:spPr>
-          <a:xfrm>
-            <a:off x="2288094" y="3386045"/>
-            <a:ext cx="6316354" cy="707886"/>
-          </a:xfrm>
-          <a:prstGeom prst="rect">
-            <a:avLst/>
-          </a:prstGeom>
-        </p:spPr>
-        <p:txBody>
-          <a:bodyPr wrap="square">
-            <a:spAutoFit/>
-          </a:bodyPr>
-          <a:lstStyle/>
-          <a:p>
-            <a:r>
-              <a:rPr lang="en-US" sz="2000" dirty="0" smtClean="0"/>
-              <a:t>The </a:t>
-            </a:r>
-            <a:r>
-              <a:rPr lang="en-US" sz="2000" b="1" dirty="0" smtClean="0"/>
-              <a:t>DSE Graph Database</a:t>
-            </a:r>
-            <a:r>
-              <a:rPr lang="en-US" sz="2000" dirty="0" smtClean="0"/>
-              <a:t> is the best choice for Cloud Application Graph Problems</a:t>
-            </a:r>
-            <a:endParaRPr lang="en-US" sz="2000" dirty="0"/>
-          </a:p>
-        </p:txBody>
-      </p:sp>
-      <p:grpSp>
-        <p:nvGrpSpPr>
-          <p:cNvPr id="10" name="Group 9"/>
-          <p:cNvGrpSpPr/>
-          <p:nvPr/>
-        </p:nvGrpSpPr>
-        <p:grpSpPr>
-          <a:xfrm>
-            <a:off x="467544" y="2871925"/>
-            <a:ext cx="1656184" cy="1788057"/>
-            <a:chOff x="5436096" y="2787774"/>
-            <a:chExt cx="1725312" cy="1926485"/>
-          </a:xfrm>
-        </p:grpSpPr>
-        <p:pic>
-          <p:nvPicPr>
-            <p:cNvPr id="11" name="Picture 10" descr="Cassandra Node2.png"/>
-            <p:cNvPicPr>
-              <a:picLocks noChangeAspect="1"/>
-            </p:cNvPicPr>
-            <p:nvPr/>
-          </p:nvPicPr>
-          <p:blipFill>
-            <a:blip r:embed="rId2">
-              <a:extLst>
-                <a:ext uri="{28A0092B-C50C-407E-A947-70E740481C1C}">
-                  <a14:useLocalDpi xmlns:a14="http://schemas.microsoft.com/office/drawing/2010/main" val="0"/>
-                </a:ext>
-              </a:extLst>
-            </a:blip>
-            <a:stretch>
-              <a:fillRect/>
-            </a:stretch>
-          </p:blipFill>
-          <p:spPr>
-            <a:xfrm>
-              <a:off x="5436096" y="2787774"/>
-              <a:ext cx="1725312" cy="1926485"/>
-            </a:xfrm>
-            <a:prstGeom prst="rect">
-              <a:avLst/>
-            </a:prstGeom>
-          </p:spPr>
-        </p:pic>
-        <p:pic>
-          <p:nvPicPr>
-            <p:cNvPr id="12" name="Picture 11" descr="DSE Graph Icon.png"/>
-            <p:cNvPicPr>
-              <a:picLocks noChangeAspect="1"/>
-            </p:cNvPicPr>
-            <p:nvPr/>
-          </p:nvPicPr>
-          <p:blipFill>
-            <a:blip r:embed="rId3">
-              <a:extLst>
-                <a:ext uri="{28A0092B-C50C-407E-A947-70E740481C1C}">
-                  <a14:useLocalDpi xmlns:a14="http://schemas.microsoft.com/office/drawing/2010/main" val="0"/>
-                </a:ext>
-              </a:extLst>
-            </a:blip>
-            <a:stretch>
-              <a:fillRect/>
-            </a:stretch>
-          </p:blipFill>
-          <p:spPr>
-            <a:xfrm>
-              <a:off x="5862712" y="3301894"/>
-              <a:ext cx="899190" cy="899190"/>
-            </a:xfrm>
-            <a:prstGeom prst="rect">
-              <a:avLst/>
-            </a:prstGeom>
-          </p:spPr>
-        </p:pic>
-      </p:grpSp>
-      <p:sp>
-        <p:nvSpPr>
-          <p:cNvPr id="19" name="Content Placeholder 4"/>
-          <p:cNvSpPr txBox="1">
-            <a:spLocks/>
-          </p:cNvSpPr>
-          <p:nvPr/>
-        </p:nvSpPr>
-        <p:spPr>
-          <a:xfrm>
-            <a:off x="1331640" y="2408477"/>
-            <a:ext cx="6624736" cy="406173"/>
-          </a:xfrm>
-          <a:prstGeom prst="rect">
-            <a:avLst/>
-          </a:prstGeom>
-        </p:spPr>
-        <p:txBody>
-          <a:bodyPr vert="horz" lIns="91440" tIns="45720" rIns="91440" bIns="45720" rtlCol="0">
-            <a:noAutofit/>
-          </a:bodyPr>
-          <a:lstStyle>
-            <a:lvl1pPr marL="0" indent="0" algn="ctr" defTabSz="914400" rtl="0" eaLnBrk="1" latinLnBrk="0" hangingPunct="1">
-              <a:spcBef>
-                <a:spcPts val="600"/>
-              </a:spcBef>
-              <a:buFont typeface="Arial" pitchFamily="34" charset="0"/>
-              <a:buNone/>
-              <a:defRPr sz="1800" b="0" i="0" kern="1200">
-                <a:solidFill>
-                  <a:schemeClr val="bg1">
-                    <a:lumMod val="65000"/>
-                  </a:schemeClr>
-                </a:solidFill>
-                <a:latin typeface="HelveticaNeueLT Std Lt"/>
-                <a:ea typeface="+mn-ea"/>
-                <a:cs typeface="HelveticaNeueLT Std Lt"/>
-              </a:defRPr>
-            </a:lvl1pPr>
-            <a:lvl2pPr marL="742950" indent="-285750" algn="l" defTabSz="914400" rtl="0" eaLnBrk="1" latinLnBrk="0" hangingPunct="1">
-              <a:spcBef>
-                <a:spcPts val="600"/>
-              </a:spcBef>
-              <a:buFont typeface="Arial" pitchFamily="34" charset="0"/>
-              <a:buChar char="–"/>
-              <a:defRPr sz="1200" b="0" i="0" kern="1200">
-                <a:solidFill>
-                  <a:schemeClr val="bg1">
-                    <a:lumMod val="65000"/>
-                  </a:schemeClr>
-                </a:solidFill>
-                <a:latin typeface="HelveticaNeueLT Std Lt"/>
-                <a:ea typeface="+mn-ea"/>
-                <a:cs typeface="HelveticaNeueLT Std Lt"/>
-              </a:defRPr>
-            </a:lvl2pPr>
-            <a:lvl3pPr marL="1143000" indent="-228600" algn="l" defTabSz="914400" rtl="0" eaLnBrk="1" latinLnBrk="0" hangingPunct="1">
-              <a:spcBef>
-                <a:spcPts val="600"/>
-              </a:spcBef>
-              <a:buFont typeface="Arial" pitchFamily="34" charset="0"/>
-              <a:buChar char="•"/>
-              <a:defRPr sz="1100" b="0" i="0" kern="1200">
-                <a:solidFill>
-                  <a:schemeClr val="bg1">
-                    <a:lumMod val="65000"/>
-                  </a:schemeClr>
-                </a:solidFill>
-                <a:latin typeface="HelveticaNeueLT Std Lt"/>
-                <a:ea typeface="+mn-ea"/>
-                <a:cs typeface="HelveticaNeueLT Std Lt"/>
-              </a:defRPr>
-            </a:lvl3pPr>
-            <a:lvl4pPr marL="1600200" indent="-228600" algn="l" defTabSz="914400" rtl="0" eaLnBrk="1" latinLnBrk="0" hangingPunct="1">
-              <a:spcBef>
-                <a:spcPts val="600"/>
-              </a:spcBef>
-              <a:buFont typeface="Arial" pitchFamily="34" charset="0"/>
-              <a:buChar char="–"/>
-              <a:defRPr sz="1050" b="0" i="0" kern="1200">
-                <a:solidFill>
-                  <a:schemeClr val="bg1">
-                    <a:lumMod val="65000"/>
-                  </a:schemeClr>
-                </a:solidFill>
-                <a:latin typeface="HelveticaNeueLT Std Lt"/>
-                <a:ea typeface="+mn-ea"/>
-                <a:cs typeface="HelveticaNeueLT Std Lt"/>
-              </a:defRPr>
-            </a:lvl4pPr>
-            <a:lvl5pPr marL="2057400" indent="-228600" algn="l" defTabSz="914400" rtl="0" eaLnBrk="1" latinLnBrk="0" hangingPunct="1">
-              <a:spcBef>
-                <a:spcPts val="600"/>
-              </a:spcBef>
-              <a:buFont typeface="Arial" pitchFamily="34" charset="0"/>
-              <a:buChar char="»"/>
-              <a:defRPr sz="1050" b="0" i="0" kern="1200">
-                <a:solidFill>
-                  <a:schemeClr val="bg1">
-                    <a:lumMod val="65000"/>
-                  </a:schemeClr>
-                </a:solidFill>
-                <a:latin typeface="HelveticaNeueLT Std Lt"/>
-                <a:ea typeface="+mn-ea"/>
-                <a:cs typeface="HelveticaNeueLT Std Lt"/>
-              </a:defRPr>
-            </a:lvl5pPr>
-            <a:lvl6pPr marL="2514600" indent="-228600" algn="l" defTabSz="914400" rtl="0" eaLnBrk="1" latinLnBrk="0" hangingPunct="1">
-              <a:spcBef>
-                <a:spcPct val="20000"/>
-              </a:spcBef>
-              <a:buFont typeface="Arial" pitchFamily="34" charset="0"/>
-              <a:buChar char="•"/>
-              <a:defRPr sz="2000" kern="1200">
-                <a:solidFill>
-                  <a:schemeClr val="tx1"/>
-                </a:solidFill>
-                <a:latin typeface="+mn-lt"/>
-                <a:ea typeface="+mn-ea"/>
-                <a:cs typeface="+mn-cs"/>
-              </a:defRPr>
-            </a:lvl6pPr>
-            <a:lvl7pPr marL="2971800" indent="-228600" algn="l" defTabSz="914400" rtl="0" eaLnBrk="1" latinLnBrk="0" hangingPunct="1">
-              <a:spcBef>
-                <a:spcPct val="20000"/>
-              </a:spcBef>
-              <a:buFont typeface="Arial" pitchFamily="34" charset="0"/>
-              <a:buChar char="•"/>
-              <a:defRPr sz="2000" kern="1200">
-                <a:solidFill>
-                  <a:schemeClr val="tx1"/>
-                </a:solidFill>
-                <a:latin typeface="+mn-lt"/>
-                <a:ea typeface="+mn-ea"/>
-                <a:cs typeface="+mn-cs"/>
-              </a:defRPr>
-            </a:lvl7pPr>
-            <a:lvl8pPr marL="3429000" indent="-228600" algn="l" defTabSz="914400" rtl="0" eaLnBrk="1" latinLnBrk="0" hangingPunct="1">
-              <a:spcBef>
-                <a:spcPct val="20000"/>
-              </a:spcBef>
-              <a:buFont typeface="Arial" pitchFamily="34" charset="0"/>
-              <a:buChar char="•"/>
-              <a:defRPr sz="2000" kern="1200">
-                <a:solidFill>
-                  <a:schemeClr val="tx1"/>
-                </a:solidFill>
-                <a:latin typeface="+mn-lt"/>
-                <a:ea typeface="+mn-ea"/>
-                <a:cs typeface="+mn-cs"/>
-              </a:defRPr>
-            </a:lvl8pPr>
-            <a:lvl9pPr marL="3886200" indent="-228600" algn="l" defTabSz="914400" rtl="0" eaLnBrk="1" latinLnBrk="0" hangingPunct="1">
-              <a:spcBef>
-                <a:spcPct val="20000"/>
-              </a:spcBef>
-              <a:buFont typeface="Arial" pitchFamily="34" charset="0"/>
-              <a:buChar char="•"/>
-              <a:defRPr sz="2000" kern="1200">
-                <a:solidFill>
-                  <a:schemeClr val="tx1"/>
-                </a:solidFill>
-                <a:latin typeface="+mn-lt"/>
-                <a:ea typeface="+mn-ea"/>
-                <a:cs typeface="+mn-cs"/>
-              </a:defRPr>
-            </a:lvl9pPr>
-          </a:lstStyle>
-          <a:p>
-            <a:r>
-              <a:rPr lang="en-US" b="1" u="sng" dirty="0" smtClean="0">
-                <a:solidFill>
-                  <a:srgbClr val="002060"/>
-                </a:solidFill>
-              </a:rPr>
-              <a:t>1 + 2 = Market Opportunity for </a:t>
-            </a:r>
-            <a:r>
-              <a:rPr lang="en-US" b="1" u="sng" smtClean="0">
-                <a:solidFill>
-                  <a:srgbClr val="002060"/>
-                </a:solidFill>
-              </a:rPr>
-              <a:t>Cloud Application Graph Needs</a:t>
-            </a:r>
-            <a:endParaRPr lang="en-US" b="1" u="sng" dirty="0" smtClean="0">
-              <a:solidFill>
-                <a:srgbClr val="002060"/>
-              </a:solidFill>
-            </a:endParaRPr>
-          </a:p>
-        </p:txBody>
-      </p:sp>
-    </p:spTree>
-    <p:extLst>
-      <p:ext uri="{BB962C8B-B14F-4D97-AF65-F5344CB8AC3E}">
-        <p14:creationId xmlns:p14="http://schemas.microsoft.com/office/powerpoint/2010/main" val="750441891"/>
-      </p:ext>
-    </p:extLst>
-  </p:cSld>
-  <p:clrMapOvr>
-    <a:masterClrMapping/>
-  </p:clrMapOvr>
-</p:sld>
-</file>
-
-<file path=ppt/slides/slide6.xml><?xml version="1.0" encoding="utf-8"?>
+<file path=ppt/slides/slide4.xml><?xml version="1.0" encoding="utf-8"?>
 <p:sld xmlns:a="http://schemas.openxmlformats.org/drawingml/2006/main" xmlns:r="http://schemas.openxmlformats.org/officeDocument/2006/relationships" xmlns:p="http://schemas.openxmlformats.org/presentationml/2006/main">
   <p:cSld>
     <p:spTree>
@@ -31508,7 +26622,7 @@
 </p:sld>
 </file>
 
-<file path=ppt/slides/slide7.xml><?xml version="1.0" encoding="utf-8"?>
+<file path=ppt/slides/slide5.xml><?xml version="1.0" encoding="utf-8"?>
 <p:sld xmlns:a="http://schemas.openxmlformats.org/drawingml/2006/main" xmlns:r="http://schemas.openxmlformats.org/officeDocument/2006/relationships" xmlns:p="http://schemas.openxmlformats.org/presentationml/2006/main">
   <p:cSld>
     <p:spTree>
@@ -32081,7 +27195,7 @@
 </p:sld>
 </file>
 
-<file path=ppt/slides/slide8.xml><?xml version="1.0" encoding="utf-8"?>
+<file path=ppt/slides/slide6.xml><?xml version="1.0" encoding="utf-8"?>
 <p:sld xmlns:a="http://schemas.openxmlformats.org/drawingml/2006/main" xmlns:r="http://schemas.openxmlformats.org/officeDocument/2006/relationships" xmlns:p="http://schemas.openxmlformats.org/presentationml/2006/main">
   <p:cSld>
     <p:spTree>
@@ -32360,7 +27474,7 @@
 </p:sld>
 </file>
 
-<file path=ppt/slides/slide9.xml><?xml version="1.0" encoding="utf-8"?>
+<file path=ppt/slides/slide7.xml><?xml version="1.0" encoding="utf-8"?>
 <p:sld xmlns:a="http://schemas.openxmlformats.org/drawingml/2006/main" xmlns:r="http://schemas.openxmlformats.org/officeDocument/2006/relationships" xmlns:p="http://schemas.openxmlformats.org/presentationml/2006/main">
   <p:cSld>
     <p:spTree>
@@ -32768,7 +27882,7 @@
             <a:fld id="{B10D5614-B734-4280-8F57-1D4947433C97}" type="slidenum">
               <a:rPr lang="en-US" smtClean="0"/>
               <a:pPr/>
-              <a:t>9</a:t>
+              <a:t>7</a:t>
             </a:fld>
             <a:endParaRPr lang="en-US" dirty="0"/>
           </a:p>
@@ -32784,6 +27898,3941 @@
   <p:clrMapOvr>
     <a:masterClrMapping/>
   </p:clrMapOvr>
+</p:sld>
+</file>
+
+<file path=ppt/slides/slide8.xml><?xml version="1.0" encoding="utf-8"?>
+<p:sld xmlns:a="http://schemas.openxmlformats.org/drawingml/2006/main" xmlns:r="http://schemas.openxmlformats.org/officeDocument/2006/relationships" xmlns:p="http://schemas.openxmlformats.org/presentationml/2006/main">
+  <p:cSld>
+    <p:spTree>
+      <p:nvGrpSpPr>
+        <p:cNvPr id="1" name=""/>
+        <p:cNvGrpSpPr/>
+        <p:nvPr/>
+      </p:nvGrpSpPr>
+      <p:grpSpPr>
+        <a:xfrm>
+          <a:off x="0" y="0"/>
+          <a:ext cx="0" cy="0"/>
+          <a:chOff x="0" y="0"/>
+          <a:chExt cx="0" cy="0"/>
+        </a:xfrm>
+      </p:grpSpPr>
+      <p:sp>
+        <p:nvSpPr>
+          <p:cNvPr id="4" name="Title 3"/>
+          <p:cNvSpPr>
+            <a:spLocks noGrp="1"/>
+          </p:cNvSpPr>
+          <p:nvPr>
+            <p:ph type="title"/>
+          </p:nvPr>
+        </p:nvSpPr>
+        <p:spPr>
+          <a:xfrm>
+            <a:off x="264589" y="185471"/>
+            <a:ext cx="7866702" cy="519113"/>
+          </a:xfrm>
+        </p:spPr>
+        <p:txBody>
+          <a:bodyPr>
+            <a:normAutofit fontScale="90000"/>
+          </a:bodyPr>
+          <a:lstStyle/>
+          <a:p>
+            <a:r>
+              <a:rPr lang="en-US" sz="2400" dirty="0" smtClean="0">
+                <a:solidFill>
+                  <a:srgbClr val="CB6015"/>
+                </a:solidFill>
+                <a:latin typeface="Helvetica Neue"/>
+                <a:cs typeface="Helvetica Neue"/>
+              </a:rPr>
+              <a:t>Property Graph Concepts</a:t>
+            </a:r>
+            <a:endParaRPr lang="en-US" sz="2400" dirty="0">
+              <a:solidFill>
+                <a:srgbClr val="CB6015"/>
+              </a:solidFill>
+              <a:latin typeface="Helvetica Neue"/>
+              <a:cs typeface="Helvetica Neue"/>
+            </a:endParaRPr>
+          </a:p>
+        </p:txBody>
+      </p:sp>
+      <p:sp>
+        <p:nvSpPr>
+          <p:cNvPr id="46" name="Footer Placeholder 3"/>
+          <p:cNvSpPr>
+            <a:spLocks noGrp="1"/>
+          </p:cNvSpPr>
+          <p:nvPr>
+            <p:ph type="ftr" sz="quarter" idx="4294967295"/>
+          </p:nvPr>
+        </p:nvSpPr>
+        <p:spPr>
+          <a:xfrm>
+            <a:off x="257158" y="4864275"/>
+            <a:ext cx="3979722" cy="155703"/>
+          </a:xfrm>
+          <a:prstGeom prst="rect">
+            <a:avLst/>
+          </a:prstGeom>
+        </p:spPr>
+        <p:txBody>
+          <a:bodyPr/>
+          <a:lstStyle/>
+          <a:p>
+            <a:pPr algn="l"/>
+            <a:r>
+              <a:rPr lang="en-US" sz="800" dirty="0" smtClean="0">
+                <a:solidFill>
+                  <a:schemeClr val="bg1">
+                    <a:lumMod val="75000"/>
+                  </a:schemeClr>
+                </a:solidFill>
+                <a:latin typeface="Helvetica Neue"/>
+                <a:ea typeface="ＭＳ Ｐゴシック" charset="0"/>
+                <a:cs typeface="Helvetica Neue"/>
+              </a:rPr>
+              <a:t>©2015 DataStax  </a:t>
+            </a:r>
+            <a:endParaRPr lang="en-US" sz="800" dirty="0">
+              <a:solidFill>
+                <a:schemeClr val="bg1">
+                  <a:lumMod val="75000"/>
+                </a:schemeClr>
+              </a:solidFill>
+              <a:latin typeface="Helvetica Neue"/>
+              <a:ea typeface="ＭＳ Ｐゴシック" charset="0"/>
+              <a:cs typeface="Helvetica Neue"/>
+            </a:endParaRPr>
+          </a:p>
+        </p:txBody>
+      </p:sp>
+      <p:grpSp>
+        <p:nvGrpSpPr>
+          <p:cNvPr id="10" name="Group 9"/>
+          <p:cNvGrpSpPr/>
+          <p:nvPr/>
+        </p:nvGrpSpPr>
+        <p:grpSpPr>
+          <a:xfrm>
+            <a:off x="4175816" y="2514393"/>
+            <a:ext cx="748923" cy="784060"/>
+            <a:chOff x="3565766" y="1537110"/>
+            <a:chExt cx="748923" cy="784060"/>
+          </a:xfrm>
+        </p:grpSpPr>
+        <p:grpSp>
+          <p:nvGrpSpPr>
+            <p:cNvPr id="8" name="Group 7"/>
+            <p:cNvGrpSpPr/>
+            <p:nvPr/>
+          </p:nvGrpSpPr>
+          <p:grpSpPr>
+            <a:xfrm>
+              <a:off x="3595072" y="1631464"/>
+              <a:ext cx="689706" cy="689706"/>
+              <a:chOff x="3282464" y="1641233"/>
+              <a:chExt cx="689706" cy="689706"/>
+            </a:xfrm>
+          </p:grpSpPr>
+          <p:sp>
+            <p:nvSpPr>
+              <p:cNvPr id="5" name="Oval 4"/>
+              <p:cNvSpPr/>
+              <p:nvPr/>
+            </p:nvSpPr>
+            <p:spPr>
+              <a:xfrm>
+                <a:off x="3331308" y="1690077"/>
+                <a:ext cx="594360" cy="594360"/>
+              </a:xfrm>
+              <a:prstGeom prst="ellipse">
+                <a:avLst/>
+              </a:prstGeom>
+              <a:solidFill>
+                <a:srgbClr val="0097BB"/>
+              </a:solidFill>
+              <a:ln>
+                <a:noFill/>
+              </a:ln>
+              <a:effectLst/>
+            </p:spPr>
+            <p:style>
+              <a:lnRef idx="1">
+                <a:schemeClr val="accent1"/>
+              </a:lnRef>
+              <a:fillRef idx="3">
+                <a:schemeClr val="accent1"/>
+              </a:fillRef>
+              <a:effectRef idx="2">
+                <a:schemeClr val="accent1"/>
+              </a:effectRef>
+              <a:fontRef idx="minor">
+                <a:schemeClr val="lt1"/>
+              </a:fontRef>
+            </p:style>
+            <p:txBody>
+              <a:bodyPr rtlCol="0" anchor="ctr"/>
+              <a:lstStyle/>
+              <a:p>
+                <a:pPr algn="ctr"/>
+                <a:endParaRPr lang="en-US"/>
+              </a:p>
+            </p:txBody>
+          </p:sp>
+          <p:sp>
+            <p:nvSpPr>
+              <p:cNvPr id="14" name="Oval 13"/>
+              <p:cNvSpPr/>
+              <p:nvPr/>
+            </p:nvSpPr>
+            <p:spPr>
+              <a:xfrm>
+                <a:off x="3282464" y="1641233"/>
+                <a:ext cx="689706" cy="689706"/>
+              </a:xfrm>
+              <a:prstGeom prst="ellipse">
+                <a:avLst/>
+              </a:prstGeom>
+              <a:noFill/>
+              <a:ln w="28575" cmpd="sng">
+                <a:solidFill>
+                  <a:srgbClr val="0097BB"/>
+                </a:solidFill>
+              </a:ln>
+              <a:effectLst/>
+            </p:spPr>
+            <p:style>
+              <a:lnRef idx="1">
+                <a:schemeClr val="accent1"/>
+              </a:lnRef>
+              <a:fillRef idx="3">
+                <a:schemeClr val="accent1"/>
+              </a:fillRef>
+              <a:effectRef idx="2">
+                <a:schemeClr val="accent1"/>
+              </a:effectRef>
+              <a:fontRef idx="minor">
+                <a:schemeClr val="lt1"/>
+              </a:fontRef>
+            </p:style>
+            <p:txBody>
+              <a:bodyPr rtlCol="0" anchor="ctr"/>
+              <a:lstStyle/>
+              <a:p>
+                <a:pPr algn="ctr"/>
+                <a:endParaRPr lang="en-US"/>
+              </a:p>
+            </p:txBody>
+          </p:sp>
+        </p:grpSp>
+        <p:sp>
+          <p:nvSpPr>
+            <p:cNvPr id="9" name="TextBox 8"/>
+            <p:cNvSpPr txBox="1"/>
+            <p:nvPr/>
+          </p:nvSpPr>
+          <p:spPr>
+            <a:xfrm>
+              <a:off x="3565766" y="1537110"/>
+              <a:ext cx="748923" cy="769441"/>
+            </a:xfrm>
+            <a:prstGeom prst="rect">
+              <a:avLst/>
+            </a:prstGeom>
+            <a:noFill/>
+          </p:spPr>
+          <p:txBody>
+            <a:bodyPr wrap="none" rtlCol="0">
+              <a:spAutoFit/>
+            </a:bodyPr>
+            <a:lstStyle/>
+            <a:p>
+              <a:r>
+                <a:rPr lang="en-US" sz="4400" dirty="0" smtClean="0">
+                  <a:solidFill>
+                    <a:schemeClr val="bg1"/>
+                  </a:solidFill>
+                  <a:latin typeface="Webdings" charset="2"/>
+                  <a:cs typeface="Webdings" charset="2"/>
+                </a:rPr>
+                <a:t></a:t>
+              </a:r>
+              <a:endParaRPr lang="en-US" sz="4400" dirty="0">
+                <a:solidFill>
+                  <a:schemeClr val="bg1"/>
+                </a:solidFill>
+                <a:latin typeface="Webdings" charset="2"/>
+                <a:cs typeface="Webdings" charset="2"/>
+              </a:endParaRPr>
+            </a:p>
+          </p:txBody>
+        </p:sp>
+      </p:grpSp>
+      <p:grpSp>
+        <p:nvGrpSpPr>
+          <p:cNvPr id="18" name="Group 17"/>
+          <p:cNvGrpSpPr/>
+          <p:nvPr/>
+        </p:nvGrpSpPr>
+        <p:grpSpPr>
+          <a:xfrm>
+            <a:off x="2797485" y="3721594"/>
+            <a:ext cx="748923" cy="784060"/>
+            <a:chOff x="3565766" y="1537110"/>
+            <a:chExt cx="748923" cy="784060"/>
+          </a:xfrm>
+        </p:grpSpPr>
+        <p:grpSp>
+          <p:nvGrpSpPr>
+            <p:cNvPr id="21" name="Group 20"/>
+            <p:cNvGrpSpPr/>
+            <p:nvPr/>
+          </p:nvGrpSpPr>
+          <p:grpSpPr>
+            <a:xfrm>
+              <a:off x="3595072" y="1631464"/>
+              <a:ext cx="689706" cy="689706"/>
+              <a:chOff x="3282464" y="1641233"/>
+              <a:chExt cx="689706" cy="689706"/>
+            </a:xfrm>
+          </p:grpSpPr>
+          <p:sp>
+            <p:nvSpPr>
+              <p:cNvPr id="23" name="Oval 22"/>
+              <p:cNvSpPr/>
+              <p:nvPr/>
+            </p:nvSpPr>
+            <p:spPr>
+              <a:xfrm>
+                <a:off x="3331308" y="1690077"/>
+                <a:ext cx="594360" cy="594360"/>
+              </a:xfrm>
+              <a:prstGeom prst="ellipse">
+                <a:avLst/>
+              </a:prstGeom>
+              <a:solidFill>
+                <a:srgbClr val="0097BB"/>
+              </a:solidFill>
+              <a:ln>
+                <a:noFill/>
+              </a:ln>
+              <a:effectLst/>
+            </p:spPr>
+            <p:style>
+              <a:lnRef idx="1">
+                <a:schemeClr val="accent1"/>
+              </a:lnRef>
+              <a:fillRef idx="3">
+                <a:schemeClr val="accent1"/>
+              </a:fillRef>
+              <a:effectRef idx="2">
+                <a:schemeClr val="accent1"/>
+              </a:effectRef>
+              <a:fontRef idx="minor">
+                <a:schemeClr val="lt1"/>
+              </a:fontRef>
+            </p:style>
+            <p:txBody>
+              <a:bodyPr rtlCol="0" anchor="ctr"/>
+              <a:lstStyle/>
+              <a:p>
+                <a:pPr algn="ctr"/>
+                <a:endParaRPr lang="en-US"/>
+              </a:p>
+            </p:txBody>
+          </p:sp>
+          <p:sp>
+            <p:nvSpPr>
+              <p:cNvPr id="24" name="Oval 23"/>
+              <p:cNvSpPr/>
+              <p:nvPr/>
+            </p:nvSpPr>
+            <p:spPr>
+              <a:xfrm>
+                <a:off x="3282464" y="1641233"/>
+                <a:ext cx="689706" cy="689706"/>
+              </a:xfrm>
+              <a:prstGeom prst="ellipse">
+                <a:avLst/>
+              </a:prstGeom>
+              <a:noFill/>
+              <a:ln w="28575" cmpd="sng">
+                <a:solidFill>
+                  <a:srgbClr val="0097BB"/>
+                </a:solidFill>
+              </a:ln>
+              <a:effectLst/>
+            </p:spPr>
+            <p:style>
+              <a:lnRef idx="1">
+                <a:schemeClr val="accent1"/>
+              </a:lnRef>
+              <a:fillRef idx="3">
+                <a:schemeClr val="accent1"/>
+              </a:fillRef>
+              <a:effectRef idx="2">
+                <a:schemeClr val="accent1"/>
+              </a:effectRef>
+              <a:fontRef idx="minor">
+                <a:schemeClr val="lt1"/>
+              </a:fontRef>
+            </p:style>
+            <p:txBody>
+              <a:bodyPr rtlCol="0" anchor="ctr"/>
+              <a:lstStyle/>
+              <a:p>
+                <a:pPr algn="ctr"/>
+                <a:endParaRPr lang="en-US"/>
+              </a:p>
+            </p:txBody>
+          </p:sp>
+        </p:grpSp>
+        <p:sp>
+          <p:nvSpPr>
+            <p:cNvPr id="22" name="TextBox 21"/>
+            <p:cNvSpPr txBox="1"/>
+            <p:nvPr/>
+          </p:nvSpPr>
+          <p:spPr>
+            <a:xfrm>
+              <a:off x="3565766" y="1537110"/>
+              <a:ext cx="748923" cy="769441"/>
+            </a:xfrm>
+            <a:prstGeom prst="rect">
+              <a:avLst/>
+            </a:prstGeom>
+            <a:noFill/>
+          </p:spPr>
+          <p:txBody>
+            <a:bodyPr wrap="none" rtlCol="0">
+              <a:spAutoFit/>
+            </a:bodyPr>
+            <a:lstStyle/>
+            <a:p>
+              <a:r>
+                <a:rPr lang="en-US" sz="4400" dirty="0" smtClean="0">
+                  <a:solidFill>
+                    <a:schemeClr val="bg1"/>
+                  </a:solidFill>
+                  <a:latin typeface="Webdings" charset="2"/>
+                  <a:cs typeface="Webdings" charset="2"/>
+                </a:rPr>
+                <a:t></a:t>
+              </a:r>
+              <a:endParaRPr lang="en-US" sz="4400" dirty="0">
+                <a:solidFill>
+                  <a:schemeClr val="bg1"/>
+                </a:solidFill>
+                <a:latin typeface="Webdings" charset="2"/>
+                <a:cs typeface="Webdings" charset="2"/>
+              </a:endParaRPr>
+            </a:p>
+          </p:txBody>
+        </p:sp>
+      </p:grpSp>
+      <p:grpSp>
+        <p:nvGrpSpPr>
+          <p:cNvPr id="25" name="Group 24"/>
+          <p:cNvGrpSpPr/>
+          <p:nvPr/>
+        </p:nvGrpSpPr>
+        <p:grpSpPr>
+          <a:xfrm>
+            <a:off x="1343318" y="2420735"/>
+            <a:ext cx="748923" cy="784060"/>
+            <a:chOff x="3565766" y="1537110"/>
+            <a:chExt cx="748923" cy="784060"/>
+          </a:xfrm>
+        </p:grpSpPr>
+        <p:grpSp>
+          <p:nvGrpSpPr>
+            <p:cNvPr id="26" name="Group 25"/>
+            <p:cNvGrpSpPr/>
+            <p:nvPr/>
+          </p:nvGrpSpPr>
+          <p:grpSpPr>
+            <a:xfrm>
+              <a:off x="3595072" y="1631464"/>
+              <a:ext cx="689706" cy="689706"/>
+              <a:chOff x="3282464" y="1641233"/>
+              <a:chExt cx="689706" cy="689706"/>
+            </a:xfrm>
+          </p:grpSpPr>
+          <p:sp>
+            <p:nvSpPr>
+              <p:cNvPr id="28" name="Oval 27"/>
+              <p:cNvSpPr/>
+              <p:nvPr/>
+            </p:nvSpPr>
+            <p:spPr>
+              <a:xfrm>
+                <a:off x="3331308" y="1690077"/>
+                <a:ext cx="594360" cy="594360"/>
+              </a:xfrm>
+              <a:prstGeom prst="ellipse">
+                <a:avLst/>
+              </a:prstGeom>
+              <a:solidFill>
+                <a:srgbClr val="0097BB"/>
+              </a:solidFill>
+              <a:ln>
+                <a:noFill/>
+              </a:ln>
+              <a:effectLst/>
+            </p:spPr>
+            <p:style>
+              <a:lnRef idx="1">
+                <a:schemeClr val="accent1"/>
+              </a:lnRef>
+              <a:fillRef idx="3">
+                <a:schemeClr val="accent1"/>
+              </a:fillRef>
+              <a:effectRef idx="2">
+                <a:schemeClr val="accent1"/>
+              </a:effectRef>
+              <a:fontRef idx="minor">
+                <a:schemeClr val="lt1"/>
+              </a:fontRef>
+            </p:style>
+            <p:txBody>
+              <a:bodyPr rtlCol="0" anchor="ctr"/>
+              <a:lstStyle/>
+              <a:p>
+                <a:pPr algn="ctr"/>
+                <a:endParaRPr lang="en-US"/>
+              </a:p>
+            </p:txBody>
+          </p:sp>
+          <p:sp>
+            <p:nvSpPr>
+              <p:cNvPr id="29" name="Oval 28"/>
+              <p:cNvSpPr/>
+              <p:nvPr/>
+            </p:nvSpPr>
+            <p:spPr>
+              <a:xfrm>
+                <a:off x="3282464" y="1641233"/>
+                <a:ext cx="689706" cy="689706"/>
+              </a:xfrm>
+              <a:prstGeom prst="ellipse">
+                <a:avLst/>
+              </a:prstGeom>
+              <a:noFill/>
+              <a:ln w="28575" cmpd="sng">
+                <a:solidFill>
+                  <a:srgbClr val="0097BB"/>
+                </a:solidFill>
+              </a:ln>
+              <a:effectLst/>
+            </p:spPr>
+            <p:style>
+              <a:lnRef idx="1">
+                <a:schemeClr val="accent1"/>
+              </a:lnRef>
+              <a:fillRef idx="3">
+                <a:schemeClr val="accent1"/>
+              </a:fillRef>
+              <a:effectRef idx="2">
+                <a:schemeClr val="accent1"/>
+              </a:effectRef>
+              <a:fontRef idx="minor">
+                <a:schemeClr val="lt1"/>
+              </a:fontRef>
+            </p:style>
+            <p:txBody>
+              <a:bodyPr rtlCol="0" anchor="ctr"/>
+              <a:lstStyle/>
+              <a:p>
+                <a:pPr algn="ctr"/>
+                <a:endParaRPr lang="en-US"/>
+              </a:p>
+            </p:txBody>
+          </p:sp>
+        </p:grpSp>
+        <p:sp>
+          <p:nvSpPr>
+            <p:cNvPr id="27" name="TextBox 26"/>
+            <p:cNvSpPr txBox="1"/>
+            <p:nvPr/>
+          </p:nvSpPr>
+          <p:spPr>
+            <a:xfrm>
+              <a:off x="3565766" y="1537110"/>
+              <a:ext cx="748923" cy="769441"/>
+            </a:xfrm>
+            <a:prstGeom prst="rect">
+              <a:avLst/>
+            </a:prstGeom>
+            <a:noFill/>
+          </p:spPr>
+          <p:txBody>
+            <a:bodyPr wrap="none" rtlCol="0">
+              <a:spAutoFit/>
+            </a:bodyPr>
+            <a:lstStyle/>
+            <a:p>
+              <a:r>
+                <a:rPr lang="en-US" sz="4400" dirty="0" smtClean="0">
+                  <a:solidFill>
+                    <a:schemeClr val="bg1"/>
+                  </a:solidFill>
+                  <a:latin typeface="Webdings" charset="2"/>
+                  <a:cs typeface="Webdings" charset="2"/>
+                </a:rPr>
+                <a:t></a:t>
+              </a:r>
+              <a:endParaRPr lang="en-US" sz="4400" dirty="0">
+                <a:solidFill>
+                  <a:schemeClr val="bg1"/>
+                </a:solidFill>
+                <a:latin typeface="Webdings" charset="2"/>
+                <a:cs typeface="Webdings" charset="2"/>
+              </a:endParaRPr>
+            </a:p>
+          </p:txBody>
+        </p:sp>
+      </p:grpSp>
+      <p:grpSp>
+        <p:nvGrpSpPr>
+          <p:cNvPr id="30" name="Group 29"/>
+          <p:cNvGrpSpPr/>
+          <p:nvPr/>
+        </p:nvGrpSpPr>
+        <p:grpSpPr>
+          <a:xfrm>
+            <a:off x="2895385" y="1063819"/>
+            <a:ext cx="689706" cy="696139"/>
+            <a:chOff x="3595072" y="1625031"/>
+            <a:chExt cx="689706" cy="696139"/>
+          </a:xfrm>
+        </p:grpSpPr>
+        <p:grpSp>
+          <p:nvGrpSpPr>
+            <p:cNvPr id="31" name="Group 30"/>
+            <p:cNvGrpSpPr/>
+            <p:nvPr/>
+          </p:nvGrpSpPr>
+          <p:grpSpPr>
+            <a:xfrm>
+              <a:off x="3595072" y="1631464"/>
+              <a:ext cx="689706" cy="689706"/>
+              <a:chOff x="3282464" y="1641233"/>
+              <a:chExt cx="689706" cy="689706"/>
+            </a:xfrm>
+          </p:grpSpPr>
+          <p:sp>
+            <p:nvSpPr>
+              <p:cNvPr id="33" name="Oval 32"/>
+              <p:cNvSpPr/>
+              <p:nvPr/>
+            </p:nvSpPr>
+            <p:spPr>
+              <a:xfrm>
+                <a:off x="3331308" y="1690077"/>
+                <a:ext cx="594360" cy="594360"/>
+              </a:xfrm>
+              <a:prstGeom prst="ellipse">
+                <a:avLst/>
+              </a:prstGeom>
+              <a:solidFill>
+                <a:srgbClr val="0097BB"/>
+              </a:solidFill>
+              <a:ln>
+                <a:noFill/>
+              </a:ln>
+              <a:effectLst/>
+            </p:spPr>
+            <p:style>
+              <a:lnRef idx="1">
+                <a:schemeClr val="accent1"/>
+              </a:lnRef>
+              <a:fillRef idx="3">
+                <a:schemeClr val="accent1"/>
+              </a:fillRef>
+              <a:effectRef idx="2">
+                <a:schemeClr val="accent1"/>
+              </a:effectRef>
+              <a:fontRef idx="minor">
+                <a:schemeClr val="lt1"/>
+              </a:fontRef>
+            </p:style>
+            <p:txBody>
+              <a:bodyPr rtlCol="0" anchor="ctr"/>
+              <a:lstStyle/>
+              <a:p>
+                <a:pPr algn="ctr"/>
+                <a:endParaRPr lang="en-US"/>
+              </a:p>
+            </p:txBody>
+          </p:sp>
+          <p:sp>
+            <p:nvSpPr>
+              <p:cNvPr id="34" name="Oval 33"/>
+              <p:cNvSpPr/>
+              <p:nvPr/>
+            </p:nvSpPr>
+            <p:spPr>
+              <a:xfrm>
+                <a:off x="3282464" y="1641233"/>
+                <a:ext cx="689706" cy="689706"/>
+              </a:xfrm>
+              <a:prstGeom prst="ellipse">
+                <a:avLst/>
+              </a:prstGeom>
+              <a:noFill/>
+              <a:ln w="28575" cmpd="sng">
+                <a:solidFill>
+                  <a:srgbClr val="0097BB"/>
+                </a:solidFill>
+              </a:ln>
+              <a:effectLst/>
+            </p:spPr>
+            <p:style>
+              <a:lnRef idx="1">
+                <a:schemeClr val="accent1"/>
+              </a:lnRef>
+              <a:fillRef idx="3">
+                <a:schemeClr val="accent1"/>
+              </a:fillRef>
+              <a:effectRef idx="2">
+                <a:schemeClr val="accent1"/>
+              </a:effectRef>
+              <a:fontRef idx="minor">
+                <a:schemeClr val="lt1"/>
+              </a:fontRef>
+            </p:style>
+            <p:txBody>
+              <a:bodyPr rtlCol="0" anchor="ctr"/>
+              <a:lstStyle/>
+              <a:p>
+                <a:pPr algn="ctr"/>
+                <a:endParaRPr lang="en-US"/>
+              </a:p>
+            </p:txBody>
+          </p:sp>
+        </p:grpSp>
+        <p:sp>
+          <p:nvSpPr>
+            <p:cNvPr id="32" name="TextBox 31"/>
+            <p:cNvSpPr txBox="1"/>
+            <p:nvPr/>
+          </p:nvSpPr>
+          <p:spPr>
+            <a:xfrm>
+              <a:off x="3653687" y="1625031"/>
+              <a:ext cx="595035" cy="584776"/>
+            </a:xfrm>
+            <a:prstGeom prst="rect">
+              <a:avLst/>
+            </a:prstGeom>
+            <a:noFill/>
+          </p:spPr>
+          <p:txBody>
+            <a:bodyPr wrap="none" rtlCol="0">
+              <a:spAutoFit/>
+            </a:bodyPr>
+            <a:lstStyle/>
+            <a:p>
+              <a:r>
+                <a:rPr lang="en-US" sz="3200" dirty="0" smtClean="0">
+                  <a:solidFill>
+                    <a:schemeClr val="bg1"/>
+                  </a:solidFill>
+                  <a:latin typeface="Webdings" charset="2"/>
+                  <a:cs typeface="Webdings" charset="2"/>
+                </a:rPr>
+                <a:t></a:t>
+              </a:r>
+              <a:endParaRPr lang="en-US" sz="3200" dirty="0">
+                <a:solidFill>
+                  <a:schemeClr val="bg1"/>
+                </a:solidFill>
+                <a:latin typeface="Webdings" charset="2"/>
+                <a:cs typeface="Webdings" charset="2"/>
+              </a:endParaRPr>
+            </a:p>
+          </p:txBody>
+        </p:sp>
+      </p:grpSp>
+      <p:grpSp>
+        <p:nvGrpSpPr>
+          <p:cNvPr id="35" name="Group 34"/>
+          <p:cNvGrpSpPr/>
+          <p:nvPr/>
+        </p:nvGrpSpPr>
+        <p:grpSpPr>
+          <a:xfrm>
+            <a:off x="4709816" y="1242004"/>
+            <a:ext cx="689706" cy="696139"/>
+            <a:chOff x="3595072" y="1625031"/>
+            <a:chExt cx="689706" cy="696139"/>
+          </a:xfrm>
+        </p:grpSpPr>
+        <p:grpSp>
+          <p:nvGrpSpPr>
+            <p:cNvPr id="36" name="Group 35"/>
+            <p:cNvGrpSpPr/>
+            <p:nvPr/>
+          </p:nvGrpSpPr>
+          <p:grpSpPr>
+            <a:xfrm>
+              <a:off x="3595072" y="1631464"/>
+              <a:ext cx="689706" cy="689706"/>
+              <a:chOff x="3282464" y="1641233"/>
+              <a:chExt cx="689706" cy="689706"/>
+            </a:xfrm>
+          </p:grpSpPr>
+          <p:sp>
+            <p:nvSpPr>
+              <p:cNvPr id="38" name="Oval 37"/>
+              <p:cNvSpPr/>
+              <p:nvPr/>
+            </p:nvSpPr>
+            <p:spPr>
+              <a:xfrm>
+                <a:off x="3331308" y="1690077"/>
+                <a:ext cx="594360" cy="594360"/>
+              </a:xfrm>
+              <a:prstGeom prst="ellipse">
+                <a:avLst/>
+              </a:prstGeom>
+              <a:solidFill>
+                <a:srgbClr val="0097BB"/>
+              </a:solidFill>
+              <a:ln>
+                <a:noFill/>
+              </a:ln>
+              <a:effectLst/>
+            </p:spPr>
+            <p:style>
+              <a:lnRef idx="1">
+                <a:schemeClr val="accent1"/>
+              </a:lnRef>
+              <a:fillRef idx="3">
+                <a:schemeClr val="accent1"/>
+              </a:fillRef>
+              <a:effectRef idx="2">
+                <a:schemeClr val="accent1"/>
+              </a:effectRef>
+              <a:fontRef idx="minor">
+                <a:schemeClr val="lt1"/>
+              </a:fontRef>
+            </p:style>
+            <p:txBody>
+              <a:bodyPr rtlCol="0" anchor="ctr"/>
+              <a:lstStyle/>
+              <a:p>
+                <a:pPr algn="ctr"/>
+                <a:endParaRPr lang="en-US"/>
+              </a:p>
+            </p:txBody>
+          </p:sp>
+          <p:sp>
+            <p:nvSpPr>
+              <p:cNvPr id="39" name="Oval 38"/>
+              <p:cNvSpPr/>
+              <p:nvPr/>
+            </p:nvSpPr>
+            <p:spPr>
+              <a:xfrm>
+                <a:off x="3282464" y="1641233"/>
+                <a:ext cx="689706" cy="689706"/>
+              </a:xfrm>
+              <a:prstGeom prst="ellipse">
+                <a:avLst/>
+              </a:prstGeom>
+              <a:noFill/>
+              <a:ln w="28575" cmpd="sng">
+                <a:solidFill>
+                  <a:srgbClr val="0097BB"/>
+                </a:solidFill>
+              </a:ln>
+              <a:effectLst/>
+            </p:spPr>
+            <p:style>
+              <a:lnRef idx="1">
+                <a:schemeClr val="accent1"/>
+              </a:lnRef>
+              <a:fillRef idx="3">
+                <a:schemeClr val="accent1"/>
+              </a:fillRef>
+              <a:effectRef idx="2">
+                <a:schemeClr val="accent1"/>
+              </a:effectRef>
+              <a:fontRef idx="minor">
+                <a:schemeClr val="lt1"/>
+              </a:fontRef>
+            </p:style>
+            <p:txBody>
+              <a:bodyPr rtlCol="0" anchor="ctr"/>
+              <a:lstStyle/>
+              <a:p>
+                <a:pPr algn="ctr"/>
+                <a:endParaRPr lang="en-US"/>
+              </a:p>
+            </p:txBody>
+          </p:sp>
+        </p:grpSp>
+        <p:sp>
+          <p:nvSpPr>
+            <p:cNvPr id="37" name="TextBox 36"/>
+            <p:cNvSpPr txBox="1"/>
+            <p:nvPr/>
+          </p:nvSpPr>
+          <p:spPr>
+            <a:xfrm>
+              <a:off x="3653687" y="1625031"/>
+              <a:ext cx="595035" cy="584776"/>
+            </a:xfrm>
+            <a:prstGeom prst="rect">
+              <a:avLst/>
+            </a:prstGeom>
+            <a:noFill/>
+          </p:spPr>
+          <p:txBody>
+            <a:bodyPr wrap="none" rtlCol="0">
+              <a:spAutoFit/>
+            </a:bodyPr>
+            <a:lstStyle/>
+            <a:p>
+              <a:r>
+                <a:rPr lang="en-US" sz="3200" dirty="0" smtClean="0">
+                  <a:solidFill>
+                    <a:schemeClr val="bg1"/>
+                  </a:solidFill>
+                  <a:latin typeface="Webdings" charset="2"/>
+                  <a:cs typeface="Webdings" charset="2"/>
+                </a:rPr>
+                <a:t></a:t>
+              </a:r>
+              <a:endParaRPr lang="en-US" sz="3200" dirty="0">
+                <a:solidFill>
+                  <a:schemeClr val="bg1"/>
+                </a:solidFill>
+                <a:latin typeface="Webdings" charset="2"/>
+                <a:cs typeface="Webdings" charset="2"/>
+              </a:endParaRPr>
+            </a:p>
+          </p:txBody>
+        </p:sp>
+      </p:grpSp>
+      <p:grpSp>
+        <p:nvGrpSpPr>
+          <p:cNvPr id="40" name="Group 39"/>
+          <p:cNvGrpSpPr/>
+          <p:nvPr/>
+        </p:nvGrpSpPr>
+        <p:grpSpPr>
+          <a:xfrm>
+            <a:off x="6305140" y="2789056"/>
+            <a:ext cx="689706" cy="689706"/>
+            <a:chOff x="3595072" y="1631464"/>
+            <a:chExt cx="689706" cy="689706"/>
+          </a:xfrm>
+        </p:grpSpPr>
+        <p:grpSp>
+          <p:nvGrpSpPr>
+            <p:cNvPr id="41" name="Group 40"/>
+            <p:cNvGrpSpPr/>
+            <p:nvPr/>
+          </p:nvGrpSpPr>
+          <p:grpSpPr>
+            <a:xfrm>
+              <a:off x="3595072" y="1631464"/>
+              <a:ext cx="689706" cy="689706"/>
+              <a:chOff x="3282464" y="1641233"/>
+              <a:chExt cx="689706" cy="689706"/>
+            </a:xfrm>
+          </p:grpSpPr>
+          <p:sp>
+            <p:nvSpPr>
+              <p:cNvPr id="43" name="Oval 42"/>
+              <p:cNvSpPr/>
+              <p:nvPr/>
+            </p:nvSpPr>
+            <p:spPr>
+              <a:xfrm>
+                <a:off x="3331308" y="1690077"/>
+                <a:ext cx="594360" cy="594360"/>
+              </a:xfrm>
+              <a:prstGeom prst="ellipse">
+                <a:avLst/>
+              </a:prstGeom>
+              <a:solidFill>
+                <a:srgbClr val="0097BB"/>
+              </a:solidFill>
+              <a:ln>
+                <a:noFill/>
+              </a:ln>
+              <a:effectLst/>
+            </p:spPr>
+            <p:style>
+              <a:lnRef idx="1">
+                <a:schemeClr val="accent1"/>
+              </a:lnRef>
+              <a:fillRef idx="3">
+                <a:schemeClr val="accent1"/>
+              </a:fillRef>
+              <a:effectRef idx="2">
+                <a:schemeClr val="accent1"/>
+              </a:effectRef>
+              <a:fontRef idx="minor">
+                <a:schemeClr val="lt1"/>
+              </a:fontRef>
+            </p:style>
+            <p:txBody>
+              <a:bodyPr rtlCol="0" anchor="ctr"/>
+              <a:lstStyle/>
+              <a:p>
+                <a:pPr algn="ctr"/>
+                <a:endParaRPr lang="en-US"/>
+              </a:p>
+            </p:txBody>
+          </p:sp>
+          <p:sp>
+            <p:nvSpPr>
+              <p:cNvPr id="44" name="Oval 43"/>
+              <p:cNvSpPr/>
+              <p:nvPr/>
+            </p:nvSpPr>
+            <p:spPr>
+              <a:xfrm>
+                <a:off x="3282464" y="1641233"/>
+                <a:ext cx="689706" cy="689706"/>
+              </a:xfrm>
+              <a:prstGeom prst="ellipse">
+                <a:avLst/>
+              </a:prstGeom>
+              <a:noFill/>
+              <a:ln w="28575" cmpd="sng">
+                <a:solidFill>
+                  <a:srgbClr val="0097BB"/>
+                </a:solidFill>
+              </a:ln>
+              <a:effectLst/>
+            </p:spPr>
+            <p:style>
+              <a:lnRef idx="1">
+                <a:schemeClr val="accent1"/>
+              </a:lnRef>
+              <a:fillRef idx="3">
+                <a:schemeClr val="accent1"/>
+              </a:fillRef>
+              <a:effectRef idx="2">
+                <a:schemeClr val="accent1"/>
+              </a:effectRef>
+              <a:fontRef idx="minor">
+                <a:schemeClr val="lt1"/>
+              </a:fontRef>
+            </p:style>
+            <p:txBody>
+              <a:bodyPr rtlCol="0" anchor="ctr"/>
+              <a:lstStyle/>
+              <a:p>
+                <a:pPr algn="ctr"/>
+                <a:endParaRPr lang="en-US"/>
+              </a:p>
+            </p:txBody>
+          </p:sp>
+        </p:grpSp>
+        <p:sp>
+          <p:nvSpPr>
+            <p:cNvPr id="42" name="TextBox 41"/>
+            <p:cNvSpPr txBox="1"/>
+            <p:nvPr/>
+          </p:nvSpPr>
+          <p:spPr>
+            <a:xfrm>
+              <a:off x="3643918" y="1654338"/>
+              <a:ext cx="595035" cy="584776"/>
+            </a:xfrm>
+            <a:prstGeom prst="rect">
+              <a:avLst/>
+            </a:prstGeom>
+            <a:noFill/>
+          </p:spPr>
+          <p:txBody>
+            <a:bodyPr wrap="none" rtlCol="0">
+              <a:spAutoFit/>
+            </a:bodyPr>
+            <a:lstStyle/>
+            <a:p>
+              <a:r>
+                <a:rPr lang="en-US" sz="3200" dirty="0" smtClean="0">
+                  <a:solidFill>
+                    <a:schemeClr val="bg1"/>
+                  </a:solidFill>
+                  <a:latin typeface="Webdings" charset="2"/>
+                  <a:cs typeface="Webdings" charset="2"/>
+                </a:rPr>
+                <a:t></a:t>
+              </a:r>
+              <a:endParaRPr lang="en-US" sz="3200" dirty="0">
+                <a:solidFill>
+                  <a:schemeClr val="bg1"/>
+                </a:solidFill>
+                <a:latin typeface="Webdings" charset="2"/>
+                <a:cs typeface="Webdings" charset="2"/>
+              </a:endParaRPr>
+            </a:p>
+          </p:txBody>
+        </p:sp>
+      </p:grpSp>
+      <p:grpSp>
+        <p:nvGrpSpPr>
+          <p:cNvPr id="45" name="Group 44"/>
+          <p:cNvGrpSpPr/>
+          <p:nvPr/>
+        </p:nvGrpSpPr>
+        <p:grpSpPr>
+          <a:xfrm>
+            <a:off x="5142087" y="3815948"/>
+            <a:ext cx="689706" cy="689706"/>
+            <a:chOff x="3595072" y="1631464"/>
+            <a:chExt cx="689706" cy="689706"/>
+          </a:xfrm>
+        </p:grpSpPr>
+        <p:grpSp>
+          <p:nvGrpSpPr>
+            <p:cNvPr id="47" name="Group 46"/>
+            <p:cNvGrpSpPr/>
+            <p:nvPr/>
+          </p:nvGrpSpPr>
+          <p:grpSpPr>
+            <a:xfrm>
+              <a:off x="3595072" y="1631464"/>
+              <a:ext cx="689706" cy="689706"/>
+              <a:chOff x="3282464" y="1641233"/>
+              <a:chExt cx="689706" cy="689706"/>
+            </a:xfrm>
+          </p:grpSpPr>
+          <p:sp>
+            <p:nvSpPr>
+              <p:cNvPr id="49" name="Oval 48"/>
+              <p:cNvSpPr/>
+              <p:nvPr/>
+            </p:nvSpPr>
+            <p:spPr>
+              <a:xfrm>
+                <a:off x="3331308" y="1690077"/>
+                <a:ext cx="594360" cy="594360"/>
+              </a:xfrm>
+              <a:prstGeom prst="ellipse">
+                <a:avLst/>
+              </a:prstGeom>
+              <a:solidFill>
+                <a:srgbClr val="0097BB"/>
+              </a:solidFill>
+              <a:ln>
+                <a:noFill/>
+              </a:ln>
+              <a:effectLst/>
+            </p:spPr>
+            <p:style>
+              <a:lnRef idx="1">
+                <a:schemeClr val="accent1"/>
+              </a:lnRef>
+              <a:fillRef idx="3">
+                <a:schemeClr val="accent1"/>
+              </a:fillRef>
+              <a:effectRef idx="2">
+                <a:schemeClr val="accent1"/>
+              </a:effectRef>
+              <a:fontRef idx="minor">
+                <a:schemeClr val="lt1"/>
+              </a:fontRef>
+            </p:style>
+            <p:txBody>
+              <a:bodyPr rtlCol="0" anchor="ctr"/>
+              <a:lstStyle/>
+              <a:p>
+                <a:pPr algn="ctr"/>
+                <a:endParaRPr lang="en-US"/>
+              </a:p>
+            </p:txBody>
+          </p:sp>
+          <p:sp>
+            <p:nvSpPr>
+              <p:cNvPr id="50" name="Oval 49"/>
+              <p:cNvSpPr/>
+              <p:nvPr/>
+            </p:nvSpPr>
+            <p:spPr>
+              <a:xfrm>
+                <a:off x="3282464" y="1641233"/>
+                <a:ext cx="689706" cy="689706"/>
+              </a:xfrm>
+              <a:prstGeom prst="ellipse">
+                <a:avLst/>
+              </a:prstGeom>
+              <a:noFill/>
+              <a:ln w="28575" cmpd="sng">
+                <a:solidFill>
+                  <a:srgbClr val="0097BB"/>
+                </a:solidFill>
+              </a:ln>
+              <a:effectLst/>
+            </p:spPr>
+            <p:style>
+              <a:lnRef idx="1">
+                <a:schemeClr val="accent1"/>
+              </a:lnRef>
+              <a:fillRef idx="3">
+                <a:schemeClr val="accent1"/>
+              </a:fillRef>
+              <a:effectRef idx="2">
+                <a:schemeClr val="accent1"/>
+              </a:effectRef>
+              <a:fontRef idx="minor">
+                <a:schemeClr val="lt1"/>
+              </a:fontRef>
+            </p:style>
+            <p:txBody>
+              <a:bodyPr rtlCol="0" anchor="ctr"/>
+              <a:lstStyle/>
+              <a:p>
+                <a:pPr algn="ctr"/>
+                <a:endParaRPr lang="en-US"/>
+              </a:p>
+            </p:txBody>
+          </p:sp>
+        </p:grpSp>
+        <p:sp>
+          <p:nvSpPr>
+            <p:cNvPr id="48" name="TextBox 47"/>
+            <p:cNvSpPr txBox="1"/>
+            <p:nvPr/>
+          </p:nvSpPr>
+          <p:spPr>
+            <a:xfrm>
+              <a:off x="3643918" y="1654338"/>
+              <a:ext cx="595035" cy="584776"/>
+            </a:xfrm>
+            <a:prstGeom prst="rect">
+              <a:avLst/>
+            </a:prstGeom>
+            <a:noFill/>
+          </p:spPr>
+          <p:txBody>
+            <a:bodyPr wrap="none" rtlCol="0">
+              <a:spAutoFit/>
+            </a:bodyPr>
+            <a:lstStyle/>
+            <a:p>
+              <a:r>
+                <a:rPr lang="en-US" sz="3200" dirty="0" smtClean="0">
+                  <a:solidFill>
+                    <a:schemeClr val="bg1"/>
+                  </a:solidFill>
+                  <a:latin typeface="Webdings" charset="2"/>
+                  <a:cs typeface="Webdings" charset="2"/>
+                </a:rPr>
+                <a:t></a:t>
+              </a:r>
+              <a:endParaRPr lang="en-US" sz="3200" dirty="0">
+                <a:solidFill>
+                  <a:schemeClr val="bg1"/>
+                </a:solidFill>
+                <a:latin typeface="Webdings" charset="2"/>
+                <a:cs typeface="Webdings" charset="2"/>
+              </a:endParaRPr>
+            </a:p>
+          </p:txBody>
+        </p:sp>
+      </p:grpSp>
+      <p:grpSp>
+        <p:nvGrpSpPr>
+          <p:cNvPr id="51" name="Group 50"/>
+          <p:cNvGrpSpPr/>
+          <p:nvPr/>
+        </p:nvGrpSpPr>
+        <p:grpSpPr>
+          <a:xfrm>
+            <a:off x="6556791" y="1453465"/>
+            <a:ext cx="689706" cy="689706"/>
+            <a:chOff x="3595072" y="1631464"/>
+            <a:chExt cx="689706" cy="689706"/>
+          </a:xfrm>
+        </p:grpSpPr>
+        <p:grpSp>
+          <p:nvGrpSpPr>
+            <p:cNvPr id="52" name="Group 51"/>
+            <p:cNvGrpSpPr/>
+            <p:nvPr/>
+          </p:nvGrpSpPr>
+          <p:grpSpPr>
+            <a:xfrm>
+              <a:off x="3595072" y="1631464"/>
+              <a:ext cx="689706" cy="689706"/>
+              <a:chOff x="3282464" y="1641233"/>
+              <a:chExt cx="689706" cy="689706"/>
+            </a:xfrm>
+          </p:grpSpPr>
+          <p:sp>
+            <p:nvSpPr>
+              <p:cNvPr id="54" name="Oval 53"/>
+              <p:cNvSpPr/>
+              <p:nvPr/>
+            </p:nvSpPr>
+            <p:spPr>
+              <a:xfrm>
+                <a:off x="3331308" y="1690077"/>
+                <a:ext cx="594360" cy="594360"/>
+              </a:xfrm>
+              <a:prstGeom prst="ellipse">
+                <a:avLst/>
+              </a:prstGeom>
+              <a:solidFill>
+                <a:srgbClr val="0097BB"/>
+              </a:solidFill>
+              <a:ln>
+                <a:noFill/>
+              </a:ln>
+              <a:effectLst/>
+            </p:spPr>
+            <p:style>
+              <a:lnRef idx="1">
+                <a:schemeClr val="accent1"/>
+              </a:lnRef>
+              <a:fillRef idx="3">
+                <a:schemeClr val="accent1"/>
+              </a:fillRef>
+              <a:effectRef idx="2">
+                <a:schemeClr val="accent1"/>
+              </a:effectRef>
+              <a:fontRef idx="minor">
+                <a:schemeClr val="lt1"/>
+              </a:fontRef>
+            </p:style>
+            <p:txBody>
+              <a:bodyPr rtlCol="0" anchor="ctr"/>
+              <a:lstStyle/>
+              <a:p>
+                <a:pPr algn="ctr"/>
+                <a:endParaRPr lang="en-US"/>
+              </a:p>
+            </p:txBody>
+          </p:sp>
+          <p:sp>
+            <p:nvSpPr>
+              <p:cNvPr id="55" name="Oval 54"/>
+              <p:cNvSpPr/>
+              <p:nvPr/>
+            </p:nvSpPr>
+            <p:spPr>
+              <a:xfrm>
+                <a:off x="3282464" y="1641233"/>
+                <a:ext cx="689706" cy="689706"/>
+              </a:xfrm>
+              <a:prstGeom prst="ellipse">
+                <a:avLst/>
+              </a:prstGeom>
+              <a:noFill/>
+              <a:ln w="28575" cmpd="sng">
+                <a:solidFill>
+                  <a:srgbClr val="0097BB"/>
+                </a:solidFill>
+              </a:ln>
+              <a:effectLst/>
+            </p:spPr>
+            <p:style>
+              <a:lnRef idx="1">
+                <a:schemeClr val="accent1"/>
+              </a:lnRef>
+              <a:fillRef idx="3">
+                <a:schemeClr val="accent1"/>
+              </a:fillRef>
+              <a:effectRef idx="2">
+                <a:schemeClr val="accent1"/>
+              </a:effectRef>
+              <a:fontRef idx="minor">
+                <a:schemeClr val="lt1"/>
+              </a:fontRef>
+            </p:style>
+            <p:txBody>
+              <a:bodyPr rtlCol="0" anchor="ctr"/>
+              <a:lstStyle/>
+              <a:p>
+                <a:pPr algn="ctr"/>
+                <a:endParaRPr lang="en-US"/>
+              </a:p>
+            </p:txBody>
+          </p:sp>
+        </p:grpSp>
+        <p:sp>
+          <p:nvSpPr>
+            <p:cNvPr id="53" name="TextBox 52"/>
+            <p:cNvSpPr txBox="1"/>
+            <p:nvPr/>
+          </p:nvSpPr>
+          <p:spPr>
+            <a:xfrm>
+              <a:off x="3643918" y="1654338"/>
+              <a:ext cx="595035" cy="584776"/>
+            </a:xfrm>
+            <a:prstGeom prst="rect">
+              <a:avLst/>
+            </a:prstGeom>
+            <a:noFill/>
+          </p:spPr>
+          <p:txBody>
+            <a:bodyPr wrap="none" rtlCol="0">
+              <a:spAutoFit/>
+            </a:bodyPr>
+            <a:lstStyle/>
+            <a:p>
+              <a:r>
+                <a:rPr lang="en-US" sz="3200" dirty="0" smtClean="0">
+                  <a:solidFill>
+                    <a:schemeClr val="bg1"/>
+                  </a:solidFill>
+                  <a:latin typeface="Webdings" charset="2"/>
+                  <a:cs typeface="Webdings" charset="2"/>
+                </a:rPr>
+                <a:t></a:t>
+              </a:r>
+              <a:endParaRPr lang="en-US" sz="3200" dirty="0">
+                <a:solidFill>
+                  <a:schemeClr val="bg1"/>
+                </a:solidFill>
+                <a:latin typeface="Webdings" charset="2"/>
+                <a:cs typeface="Webdings" charset="2"/>
+              </a:endParaRPr>
+            </a:p>
+          </p:txBody>
+        </p:sp>
+      </p:grpSp>
+      <p:cxnSp>
+        <p:nvCxnSpPr>
+          <p:cNvPr id="16" name="Straight Arrow Connector 15"/>
+          <p:cNvCxnSpPr>
+            <a:endCxn id="34" idx="3"/>
+          </p:cNvCxnSpPr>
+          <p:nvPr/>
+        </p:nvCxnSpPr>
+        <p:spPr>
+          <a:xfrm flipV="1">
+            <a:off x="1944073" y="1658953"/>
+            <a:ext cx="1052317" cy="904980"/>
+          </a:xfrm>
+          <a:prstGeom prst="straightConnector1">
+            <a:avLst/>
+          </a:prstGeom>
+          <a:ln w="38100" cmpd="sng">
+            <a:solidFill>
+              <a:srgbClr val="0097BB"/>
+            </a:solidFill>
+            <a:headEnd type="none"/>
+            <a:tailEnd type="triangle" w="lg" len="lg"/>
+          </a:ln>
+          <a:effectLst/>
+        </p:spPr>
+        <p:style>
+          <a:lnRef idx="2">
+            <a:schemeClr val="accent1"/>
+          </a:lnRef>
+          <a:fillRef idx="0">
+            <a:schemeClr val="accent1"/>
+          </a:fillRef>
+          <a:effectRef idx="1">
+            <a:schemeClr val="accent1"/>
+          </a:effectRef>
+          <a:fontRef idx="minor">
+            <a:schemeClr val="tx1"/>
+          </a:fontRef>
+        </p:style>
+      </p:cxnSp>
+      <p:cxnSp>
+        <p:nvCxnSpPr>
+          <p:cNvPr id="56" name="Straight Arrow Connector 55"/>
+          <p:cNvCxnSpPr>
+            <a:endCxn id="34" idx="5"/>
+          </p:cNvCxnSpPr>
+          <p:nvPr/>
+        </p:nvCxnSpPr>
+        <p:spPr>
+          <a:xfrm flipH="1" flipV="1">
+            <a:off x="3484086" y="1658953"/>
+            <a:ext cx="909098" cy="998638"/>
+          </a:xfrm>
+          <a:prstGeom prst="straightConnector1">
+            <a:avLst/>
+          </a:prstGeom>
+          <a:ln w="38100" cmpd="sng">
+            <a:solidFill>
+              <a:srgbClr val="0097BB"/>
+            </a:solidFill>
+            <a:headEnd type="none"/>
+            <a:tailEnd type="triangle" w="lg" len="lg"/>
+          </a:ln>
+          <a:effectLst/>
+        </p:spPr>
+        <p:style>
+          <a:lnRef idx="2">
+            <a:schemeClr val="accent1"/>
+          </a:lnRef>
+          <a:fillRef idx="0">
+            <a:schemeClr val="accent1"/>
+          </a:fillRef>
+          <a:effectRef idx="1">
+            <a:schemeClr val="accent1"/>
+          </a:effectRef>
+          <a:fontRef idx="minor">
+            <a:schemeClr val="tx1"/>
+          </a:fontRef>
+        </p:style>
+      </p:cxnSp>
+      <p:cxnSp>
+        <p:nvCxnSpPr>
+          <p:cNvPr id="58" name="Straight Arrow Connector 57"/>
+          <p:cNvCxnSpPr>
+            <a:stCxn id="39" idx="2"/>
+            <a:endCxn id="34" idx="6"/>
+          </p:cNvCxnSpPr>
+          <p:nvPr/>
+        </p:nvCxnSpPr>
+        <p:spPr>
+          <a:xfrm flipH="1" flipV="1">
+            <a:off x="3585091" y="1415105"/>
+            <a:ext cx="1124725" cy="178185"/>
+          </a:xfrm>
+          <a:prstGeom prst="straightConnector1">
+            <a:avLst/>
+          </a:prstGeom>
+          <a:ln w="38100" cmpd="sng">
+            <a:solidFill>
+              <a:srgbClr val="0097BB"/>
+            </a:solidFill>
+            <a:headEnd type="triangle" w="lg" len="lg"/>
+            <a:tailEnd type="triangle" w="lg" len="lg"/>
+          </a:ln>
+          <a:effectLst/>
+        </p:spPr>
+        <p:style>
+          <a:lnRef idx="2">
+            <a:schemeClr val="accent1"/>
+          </a:lnRef>
+          <a:fillRef idx="0">
+            <a:schemeClr val="accent1"/>
+          </a:fillRef>
+          <a:effectRef idx="1">
+            <a:schemeClr val="accent1"/>
+          </a:effectRef>
+          <a:fontRef idx="minor">
+            <a:schemeClr val="tx1"/>
+          </a:fontRef>
+        </p:style>
+      </p:cxnSp>
+      <p:cxnSp>
+        <p:nvCxnSpPr>
+          <p:cNvPr id="61" name="Straight Arrow Connector 60"/>
+          <p:cNvCxnSpPr>
+            <a:endCxn id="34" idx="4"/>
+          </p:cNvCxnSpPr>
+          <p:nvPr/>
+        </p:nvCxnSpPr>
+        <p:spPr>
+          <a:xfrm flipV="1">
+            <a:off x="3240238" y="1759958"/>
+            <a:ext cx="0" cy="2055990"/>
+          </a:xfrm>
+          <a:prstGeom prst="straightConnector1">
+            <a:avLst/>
+          </a:prstGeom>
+          <a:ln w="38100" cmpd="sng">
+            <a:solidFill>
+              <a:srgbClr val="0097BB"/>
+            </a:solidFill>
+            <a:headEnd type="none"/>
+            <a:tailEnd type="triangle" w="lg" len="lg"/>
+          </a:ln>
+          <a:effectLst/>
+        </p:spPr>
+        <p:style>
+          <a:lnRef idx="2">
+            <a:schemeClr val="accent1"/>
+          </a:lnRef>
+          <a:fillRef idx="0">
+            <a:schemeClr val="accent1"/>
+          </a:fillRef>
+          <a:effectRef idx="1">
+            <a:schemeClr val="accent1"/>
+          </a:effectRef>
+          <a:fontRef idx="minor">
+            <a:schemeClr val="tx1"/>
+          </a:fontRef>
+        </p:style>
+      </p:cxnSp>
+      <p:cxnSp>
+        <p:nvCxnSpPr>
+          <p:cNvPr id="66" name="Straight Arrow Connector 65"/>
+          <p:cNvCxnSpPr/>
+          <p:nvPr/>
+        </p:nvCxnSpPr>
+        <p:spPr>
+          <a:xfrm flipH="1" flipV="1">
+            <a:off x="1944073" y="3133909"/>
+            <a:ext cx="951312" cy="783044"/>
+          </a:xfrm>
+          <a:prstGeom prst="straightConnector1">
+            <a:avLst/>
+          </a:prstGeom>
+          <a:ln w="38100" cmpd="sng">
+            <a:solidFill>
+              <a:srgbClr val="0097BB"/>
+            </a:solidFill>
+            <a:headEnd type="none"/>
+            <a:tailEnd type="triangle" w="lg" len="lg"/>
+          </a:ln>
+          <a:effectLst/>
+        </p:spPr>
+        <p:style>
+          <a:lnRef idx="2">
+            <a:schemeClr val="accent1"/>
+          </a:lnRef>
+          <a:fillRef idx="0">
+            <a:schemeClr val="accent1"/>
+          </a:fillRef>
+          <a:effectRef idx="1">
+            <a:schemeClr val="accent1"/>
+          </a:effectRef>
+          <a:fontRef idx="minor">
+            <a:schemeClr val="tx1"/>
+          </a:fontRef>
+        </p:style>
+      </p:cxnSp>
+      <p:cxnSp>
+        <p:nvCxnSpPr>
+          <p:cNvPr id="70" name="Straight Arrow Connector 69"/>
+          <p:cNvCxnSpPr>
+            <a:stCxn id="14" idx="2"/>
+            <a:endCxn id="29" idx="6"/>
+          </p:cNvCxnSpPr>
+          <p:nvPr/>
+        </p:nvCxnSpPr>
+        <p:spPr>
+          <a:xfrm flipH="1" flipV="1">
+            <a:off x="2062330" y="2859942"/>
+            <a:ext cx="2142792" cy="93658"/>
+          </a:xfrm>
+          <a:prstGeom prst="straightConnector1">
+            <a:avLst/>
+          </a:prstGeom>
+          <a:ln w="38100" cmpd="sng">
+            <a:solidFill>
+              <a:srgbClr val="0097BB"/>
+            </a:solidFill>
+            <a:headEnd type="none"/>
+            <a:tailEnd type="triangle" w="lg" len="lg"/>
+          </a:ln>
+          <a:effectLst/>
+        </p:spPr>
+        <p:style>
+          <a:lnRef idx="2">
+            <a:schemeClr val="accent1"/>
+          </a:lnRef>
+          <a:fillRef idx="0">
+            <a:schemeClr val="accent1"/>
+          </a:fillRef>
+          <a:effectRef idx="1">
+            <a:schemeClr val="accent1"/>
+          </a:effectRef>
+          <a:fontRef idx="minor">
+            <a:schemeClr val="tx1"/>
+          </a:fontRef>
+        </p:style>
+      </p:cxnSp>
+      <p:cxnSp>
+        <p:nvCxnSpPr>
+          <p:cNvPr id="73" name="Straight Arrow Connector 72"/>
+          <p:cNvCxnSpPr>
+            <a:stCxn id="39" idx="6"/>
+            <a:endCxn id="55" idx="2"/>
+          </p:cNvCxnSpPr>
+          <p:nvPr/>
+        </p:nvCxnSpPr>
+        <p:spPr>
+          <a:xfrm>
+            <a:off x="5399522" y="1593290"/>
+            <a:ext cx="1157269" cy="205028"/>
+          </a:xfrm>
+          <a:prstGeom prst="straightConnector1">
+            <a:avLst/>
+          </a:prstGeom>
+          <a:ln w="38100" cmpd="sng">
+            <a:solidFill>
+              <a:srgbClr val="0097BB"/>
+            </a:solidFill>
+            <a:headEnd type="none"/>
+            <a:tailEnd type="triangle" w="lg" len="lg"/>
+          </a:ln>
+          <a:effectLst/>
+        </p:spPr>
+        <p:style>
+          <a:lnRef idx="2">
+            <a:schemeClr val="accent1"/>
+          </a:lnRef>
+          <a:fillRef idx="0">
+            <a:schemeClr val="accent1"/>
+          </a:fillRef>
+          <a:effectRef idx="1">
+            <a:schemeClr val="accent1"/>
+          </a:effectRef>
+          <a:fontRef idx="minor">
+            <a:schemeClr val="tx1"/>
+          </a:fontRef>
+        </p:style>
+      </p:cxnSp>
+      <p:cxnSp>
+        <p:nvCxnSpPr>
+          <p:cNvPr id="76" name="Straight Arrow Connector 75"/>
+          <p:cNvCxnSpPr>
+            <a:stCxn id="44" idx="0"/>
+            <a:endCxn id="55" idx="4"/>
+          </p:cNvCxnSpPr>
+          <p:nvPr/>
+        </p:nvCxnSpPr>
+        <p:spPr>
+          <a:xfrm flipV="1">
+            <a:off x="6649993" y="2143171"/>
+            <a:ext cx="251651" cy="645885"/>
+          </a:xfrm>
+          <a:prstGeom prst="straightConnector1">
+            <a:avLst/>
+          </a:prstGeom>
+          <a:ln w="38100" cmpd="sng">
+            <a:solidFill>
+              <a:srgbClr val="0097BB"/>
+            </a:solidFill>
+            <a:headEnd type="none"/>
+            <a:tailEnd type="triangle" w="lg" len="lg"/>
+          </a:ln>
+          <a:effectLst/>
+        </p:spPr>
+        <p:style>
+          <a:lnRef idx="2">
+            <a:schemeClr val="accent1"/>
+          </a:lnRef>
+          <a:fillRef idx="0">
+            <a:schemeClr val="accent1"/>
+          </a:fillRef>
+          <a:effectRef idx="1">
+            <a:schemeClr val="accent1"/>
+          </a:effectRef>
+          <a:fontRef idx="minor">
+            <a:schemeClr val="tx1"/>
+          </a:fontRef>
+        </p:style>
+      </p:cxnSp>
+      <p:cxnSp>
+        <p:nvCxnSpPr>
+          <p:cNvPr id="79" name="Straight Arrow Connector 78"/>
+          <p:cNvCxnSpPr>
+            <a:stCxn id="44" idx="3"/>
+            <a:endCxn id="50" idx="7"/>
+          </p:cNvCxnSpPr>
+          <p:nvPr/>
+        </p:nvCxnSpPr>
+        <p:spPr>
+          <a:xfrm flipH="1">
+            <a:off x="5730788" y="3377757"/>
+            <a:ext cx="675357" cy="539196"/>
+          </a:xfrm>
+          <a:prstGeom prst="straightConnector1">
+            <a:avLst/>
+          </a:prstGeom>
+          <a:ln w="38100" cmpd="sng">
+            <a:solidFill>
+              <a:srgbClr val="0097BB"/>
+            </a:solidFill>
+            <a:headEnd type="none"/>
+            <a:tailEnd type="triangle" w="lg" len="lg"/>
+          </a:ln>
+          <a:effectLst/>
+        </p:spPr>
+        <p:style>
+          <a:lnRef idx="2">
+            <a:schemeClr val="accent1"/>
+          </a:lnRef>
+          <a:fillRef idx="0">
+            <a:schemeClr val="accent1"/>
+          </a:fillRef>
+          <a:effectRef idx="1">
+            <a:schemeClr val="accent1"/>
+          </a:effectRef>
+          <a:fontRef idx="minor">
+            <a:schemeClr val="tx1"/>
+          </a:fontRef>
+        </p:style>
+      </p:cxnSp>
+      <p:cxnSp>
+        <p:nvCxnSpPr>
+          <p:cNvPr id="82" name="Straight Arrow Connector 81"/>
+          <p:cNvCxnSpPr>
+            <a:stCxn id="24" idx="6"/>
+            <a:endCxn id="50" idx="2"/>
+          </p:cNvCxnSpPr>
+          <p:nvPr/>
+        </p:nvCxnSpPr>
+        <p:spPr>
+          <a:xfrm>
+            <a:off x="3516497" y="4160801"/>
+            <a:ext cx="1625590" cy="0"/>
+          </a:xfrm>
+          <a:prstGeom prst="straightConnector1">
+            <a:avLst/>
+          </a:prstGeom>
+          <a:ln w="38100" cmpd="sng">
+            <a:solidFill>
+              <a:srgbClr val="0097BB"/>
+            </a:solidFill>
+            <a:headEnd type="none"/>
+            <a:tailEnd type="triangle" w="lg" len="lg"/>
+          </a:ln>
+          <a:effectLst/>
+        </p:spPr>
+        <p:style>
+          <a:lnRef idx="2">
+            <a:schemeClr val="accent1"/>
+          </a:lnRef>
+          <a:fillRef idx="0">
+            <a:schemeClr val="accent1"/>
+          </a:fillRef>
+          <a:effectRef idx="1">
+            <a:schemeClr val="accent1"/>
+          </a:effectRef>
+          <a:fontRef idx="minor">
+            <a:schemeClr val="tx1"/>
+          </a:fontRef>
+        </p:style>
+      </p:cxnSp>
+      <p:cxnSp>
+        <p:nvCxnSpPr>
+          <p:cNvPr id="86" name="Straight Arrow Connector 85"/>
+          <p:cNvCxnSpPr>
+            <a:endCxn id="44" idx="2"/>
+          </p:cNvCxnSpPr>
+          <p:nvPr/>
+        </p:nvCxnSpPr>
+        <p:spPr>
+          <a:xfrm>
+            <a:off x="4894828" y="2953600"/>
+            <a:ext cx="1410312" cy="180309"/>
+          </a:xfrm>
+          <a:prstGeom prst="straightConnector1">
+            <a:avLst/>
+          </a:prstGeom>
+          <a:ln w="38100" cmpd="sng">
+            <a:solidFill>
+              <a:srgbClr val="0097BB"/>
+            </a:solidFill>
+            <a:headEnd type="none"/>
+            <a:tailEnd type="triangle" w="lg" len="lg"/>
+          </a:ln>
+          <a:effectLst/>
+        </p:spPr>
+        <p:style>
+          <a:lnRef idx="2">
+            <a:schemeClr val="accent1"/>
+          </a:lnRef>
+          <a:fillRef idx="0">
+            <a:schemeClr val="accent1"/>
+          </a:fillRef>
+          <a:effectRef idx="1">
+            <a:schemeClr val="accent1"/>
+          </a:effectRef>
+          <a:fontRef idx="minor">
+            <a:schemeClr val="tx1"/>
+          </a:fontRef>
+        </p:style>
+      </p:cxnSp>
+      <p:sp>
+        <p:nvSpPr>
+          <p:cNvPr id="100" name="TextBox 99"/>
+          <p:cNvSpPr txBox="1"/>
+          <p:nvPr/>
+        </p:nvSpPr>
+        <p:spPr>
+          <a:xfrm>
+            <a:off x="2774455" y="741442"/>
+            <a:ext cx="928459" cy="307777"/>
+          </a:xfrm>
+          <a:prstGeom prst="rect">
+            <a:avLst/>
+          </a:prstGeom>
+          <a:noFill/>
+        </p:spPr>
+        <p:txBody>
+          <a:bodyPr wrap="none" rtlCol="0">
+            <a:spAutoFit/>
+          </a:bodyPr>
+          <a:lstStyle/>
+          <a:p>
+            <a:r>
+              <a:rPr lang="en-US" sz="1400" dirty="0" err="1" smtClean="0">
+                <a:solidFill>
+                  <a:srgbClr val="0A556D"/>
+                </a:solidFill>
+                <a:latin typeface="Helvetica"/>
+                <a:cs typeface="Helvetica"/>
+              </a:rPr>
+              <a:t>DataStax</a:t>
+            </a:r>
+            <a:endParaRPr lang="en-US" sz="1400" dirty="0">
+              <a:solidFill>
+                <a:srgbClr val="0A556D"/>
+              </a:solidFill>
+              <a:latin typeface="Helvetica"/>
+              <a:cs typeface="Helvetica"/>
+            </a:endParaRPr>
+          </a:p>
+        </p:txBody>
+      </p:sp>
+      <p:sp>
+        <p:nvSpPr>
+          <p:cNvPr id="101" name="TextBox 100"/>
+          <p:cNvSpPr txBox="1"/>
+          <p:nvPr/>
+        </p:nvSpPr>
+        <p:spPr>
+          <a:xfrm>
+            <a:off x="4530057" y="913380"/>
+            <a:ext cx="1052629" cy="307777"/>
+          </a:xfrm>
+          <a:prstGeom prst="rect">
+            <a:avLst/>
+          </a:prstGeom>
+          <a:noFill/>
+        </p:spPr>
+        <p:txBody>
+          <a:bodyPr wrap="none" rtlCol="0">
+            <a:spAutoFit/>
+          </a:bodyPr>
+          <a:lstStyle/>
+          <a:p>
+            <a:r>
+              <a:rPr lang="en-US" sz="1400" dirty="0" err="1" smtClean="0">
+                <a:solidFill>
+                  <a:srgbClr val="0A556D"/>
+                </a:solidFill>
+                <a:latin typeface="Helvetica"/>
+                <a:cs typeface="Helvetica"/>
+              </a:rPr>
+              <a:t>DataBricks</a:t>
+            </a:r>
+            <a:endParaRPr lang="en-US" sz="1400" dirty="0">
+              <a:solidFill>
+                <a:srgbClr val="0A556D"/>
+              </a:solidFill>
+              <a:latin typeface="Helvetica"/>
+              <a:cs typeface="Helvetica"/>
+            </a:endParaRPr>
+          </a:p>
+        </p:txBody>
+      </p:sp>
+      <p:sp>
+        <p:nvSpPr>
+          <p:cNvPr id="102" name="TextBox 101"/>
+          <p:cNvSpPr txBox="1"/>
+          <p:nvPr/>
+        </p:nvSpPr>
+        <p:spPr>
+          <a:xfrm>
+            <a:off x="6549366" y="1114625"/>
+            <a:ext cx="659155" cy="307777"/>
+          </a:xfrm>
+          <a:prstGeom prst="rect">
+            <a:avLst/>
+          </a:prstGeom>
+          <a:noFill/>
+        </p:spPr>
+        <p:txBody>
+          <a:bodyPr wrap="none" rtlCol="0">
+            <a:spAutoFit/>
+          </a:bodyPr>
+          <a:lstStyle/>
+          <a:p>
+            <a:r>
+              <a:rPr lang="en-US" sz="1400" dirty="0" smtClean="0">
+                <a:solidFill>
+                  <a:srgbClr val="0A556D"/>
+                </a:solidFill>
+                <a:latin typeface="Helvetica"/>
+                <a:cs typeface="Helvetica"/>
+              </a:rPr>
+              <a:t>Spark</a:t>
+            </a:r>
+            <a:endParaRPr lang="en-US" sz="1400" dirty="0">
+              <a:solidFill>
+                <a:srgbClr val="0A556D"/>
+              </a:solidFill>
+              <a:latin typeface="Helvetica"/>
+              <a:cs typeface="Helvetica"/>
+            </a:endParaRPr>
+          </a:p>
+        </p:txBody>
+      </p:sp>
+      <p:sp>
+        <p:nvSpPr>
+          <p:cNvPr id="103" name="TextBox 102"/>
+          <p:cNvSpPr txBox="1"/>
+          <p:nvPr/>
+        </p:nvSpPr>
+        <p:spPr>
+          <a:xfrm>
+            <a:off x="6374767" y="3468993"/>
+            <a:ext cx="553820" cy="307777"/>
+          </a:xfrm>
+          <a:prstGeom prst="rect">
+            <a:avLst/>
+          </a:prstGeom>
+          <a:noFill/>
+        </p:spPr>
+        <p:txBody>
+          <a:bodyPr wrap="none" rtlCol="0">
+            <a:spAutoFit/>
+          </a:bodyPr>
+          <a:lstStyle/>
+          <a:p>
+            <a:r>
+              <a:rPr lang="en-US" sz="1400" dirty="0" smtClean="0">
+                <a:solidFill>
+                  <a:srgbClr val="0A556D"/>
+                </a:solidFill>
+                <a:latin typeface="Helvetica"/>
+                <a:cs typeface="Helvetica"/>
+              </a:rPr>
+              <a:t>DSE</a:t>
+            </a:r>
+            <a:endParaRPr lang="en-US" sz="1400" dirty="0">
+              <a:solidFill>
+                <a:srgbClr val="0A556D"/>
+              </a:solidFill>
+              <a:latin typeface="Helvetica"/>
+              <a:cs typeface="Helvetica"/>
+            </a:endParaRPr>
+          </a:p>
+        </p:txBody>
+      </p:sp>
+      <p:sp>
+        <p:nvSpPr>
+          <p:cNvPr id="104" name="TextBox 103"/>
+          <p:cNvSpPr txBox="1"/>
+          <p:nvPr/>
+        </p:nvSpPr>
+        <p:spPr>
+          <a:xfrm>
+            <a:off x="4963815" y="4495885"/>
+            <a:ext cx="1056700" cy="307777"/>
+          </a:xfrm>
+          <a:prstGeom prst="rect">
+            <a:avLst/>
+          </a:prstGeom>
+          <a:noFill/>
+        </p:spPr>
+        <p:txBody>
+          <a:bodyPr wrap="none" rtlCol="0">
+            <a:spAutoFit/>
+          </a:bodyPr>
+          <a:lstStyle/>
+          <a:p>
+            <a:r>
+              <a:rPr lang="en-US" sz="1400" dirty="0" smtClean="0">
+                <a:solidFill>
+                  <a:srgbClr val="0A556D"/>
+                </a:solidFill>
+                <a:latin typeface="Helvetica"/>
+                <a:cs typeface="Helvetica"/>
+              </a:rPr>
+              <a:t>Cassandra</a:t>
+            </a:r>
+            <a:endParaRPr lang="en-US" sz="1400" dirty="0">
+              <a:solidFill>
+                <a:srgbClr val="0A556D"/>
+              </a:solidFill>
+              <a:latin typeface="Helvetica"/>
+              <a:cs typeface="Helvetica"/>
+            </a:endParaRPr>
+          </a:p>
+        </p:txBody>
+      </p:sp>
+      <p:sp>
+        <p:nvSpPr>
+          <p:cNvPr id="105" name="TextBox 104"/>
+          <p:cNvSpPr txBox="1"/>
+          <p:nvPr/>
+        </p:nvSpPr>
+        <p:spPr>
+          <a:xfrm>
+            <a:off x="2577831" y="4472443"/>
+            <a:ext cx="1302472" cy="307777"/>
+          </a:xfrm>
+          <a:prstGeom prst="rect">
+            <a:avLst/>
+          </a:prstGeom>
+          <a:noFill/>
+        </p:spPr>
+        <p:txBody>
+          <a:bodyPr wrap="none" rtlCol="0">
+            <a:spAutoFit/>
+          </a:bodyPr>
+          <a:lstStyle/>
+          <a:p>
+            <a:r>
+              <a:rPr lang="en-US" sz="1400" dirty="0" smtClean="0">
+                <a:solidFill>
+                  <a:srgbClr val="0A556D"/>
+                </a:solidFill>
+                <a:latin typeface="Helvetica"/>
+                <a:cs typeface="Helvetica"/>
+              </a:rPr>
+              <a:t>Jonathan Ellis</a:t>
+            </a:r>
+            <a:endParaRPr lang="en-US" sz="1400" dirty="0">
+              <a:solidFill>
+                <a:srgbClr val="0A556D"/>
+              </a:solidFill>
+              <a:latin typeface="Helvetica"/>
+              <a:cs typeface="Helvetica"/>
+            </a:endParaRPr>
+          </a:p>
+        </p:txBody>
+      </p:sp>
+      <p:sp>
+        <p:nvSpPr>
+          <p:cNvPr id="106" name="TextBox 105"/>
+          <p:cNvSpPr txBox="1"/>
+          <p:nvPr/>
+        </p:nvSpPr>
+        <p:spPr>
+          <a:xfrm>
+            <a:off x="3947075" y="3296590"/>
+            <a:ext cx="1197764" cy="444224"/>
+          </a:xfrm>
+          <a:prstGeom prst="rect">
+            <a:avLst/>
+          </a:prstGeom>
+          <a:noFill/>
+        </p:spPr>
+        <p:txBody>
+          <a:bodyPr wrap="none" rtlCol="0">
+            <a:spAutoFit/>
+          </a:bodyPr>
+          <a:lstStyle/>
+          <a:p>
+            <a:pPr algn="ctr">
+              <a:lnSpc>
+                <a:spcPct val="80000"/>
+              </a:lnSpc>
+            </a:pPr>
+            <a:r>
+              <a:rPr lang="en-US" sz="1400" dirty="0" smtClean="0">
+                <a:solidFill>
+                  <a:srgbClr val="0A556D"/>
+                </a:solidFill>
+                <a:latin typeface="Helvetica"/>
+                <a:cs typeface="Helvetica"/>
+              </a:rPr>
+              <a:t>Robin </a:t>
+            </a:r>
+          </a:p>
+          <a:p>
+            <a:pPr algn="ctr">
+              <a:lnSpc>
+                <a:spcPct val="80000"/>
+              </a:lnSpc>
+            </a:pPr>
+            <a:r>
+              <a:rPr lang="en-US" sz="1400" dirty="0" smtClean="0">
+                <a:solidFill>
+                  <a:srgbClr val="0A556D"/>
+                </a:solidFill>
+                <a:latin typeface="Helvetica"/>
+                <a:cs typeface="Helvetica"/>
+              </a:rPr>
+              <a:t>Schumacher</a:t>
+            </a:r>
+            <a:endParaRPr lang="en-US" sz="1400" dirty="0">
+              <a:solidFill>
+                <a:srgbClr val="0A556D"/>
+              </a:solidFill>
+              <a:latin typeface="Helvetica"/>
+              <a:cs typeface="Helvetica"/>
+            </a:endParaRPr>
+          </a:p>
+        </p:txBody>
+      </p:sp>
+      <p:sp>
+        <p:nvSpPr>
+          <p:cNvPr id="107" name="TextBox 106"/>
+          <p:cNvSpPr txBox="1"/>
+          <p:nvPr/>
+        </p:nvSpPr>
+        <p:spPr>
+          <a:xfrm>
+            <a:off x="1245301" y="3247745"/>
+            <a:ext cx="933055" cy="444224"/>
+          </a:xfrm>
+          <a:prstGeom prst="rect">
+            <a:avLst/>
+          </a:prstGeom>
+          <a:noFill/>
+        </p:spPr>
+        <p:txBody>
+          <a:bodyPr wrap="none" rtlCol="0">
+            <a:spAutoFit/>
+          </a:bodyPr>
+          <a:lstStyle/>
+          <a:p>
+            <a:pPr algn="ctr">
+              <a:lnSpc>
+                <a:spcPct val="80000"/>
+              </a:lnSpc>
+            </a:pPr>
+            <a:r>
+              <a:rPr lang="en-US" sz="1400" dirty="0" smtClean="0">
+                <a:solidFill>
+                  <a:srgbClr val="0A556D"/>
+                </a:solidFill>
+                <a:latin typeface="Helvetica"/>
+                <a:cs typeface="Helvetica"/>
+              </a:rPr>
+              <a:t>Billy </a:t>
+            </a:r>
+            <a:br>
+              <a:rPr lang="en-US" sz="1400" dirty="0" smtClean="0">
+                <a:solidFill>
+                  <a:srgbClr val="0A556D"/>
+                </a:solidFill>
+                <a:latin typeface="Helvetica"/>
+                <a:cs typeface="Helvetica"/>
+              </a:rPr>
+            </a:br>
+            <a:r>
+              <a:rPr lang="en-US" sz="1400" dirty="0" smtClean="0">
+                <a:solidFill>
+                  <a:srgbClr val="0A556D"/>
+                </a:solidFill>
+                <a:latin typeface="Helvetica"/>
+                <a:cs typeface="Helvetica"/>
+              </a:rPr>
+              <a:t>Bosworth</a:t>
+            </a:r>
+            <a:endParaRPr lang="en-US" sz="1400" dirty="0">
+              <a:solidFill>
+                <a:srgbClr val="0A556D"/>
+              </a:solidFill>
+              <a:latin typeface="Helvetica"/>
+              <a:cs typeface="Helvetica"/>
+            </a:endParaRPr>
+          </a:p>
+        </p:txBody>
+      </p:sp>
+      <p:sp>
+        <p:nvSpPr>
+          <p:cNvPr id="108" name="TextBox 107"/>
+          <p:cNvSpPr txBox="1"/>
+          <p:nvPr/>
+        </p:nvSpPr>
+        <p:spPr>
+          <a:xfrm rot="561620">
+            <a:off x="3840478" y="1219130"/>
+            <a:ext cx="670676" cy="261610"/>
+          </a:xfrm>
+          <a:prstGeom prst="rect">
+            <a:avLst/>
+          </a:prstGeom>
+          <a:noFill/>
+        </p:spPr>
+        <p:txBody>
+          <a:bodyPr wrap="none" rtlCol="0">
+            <a:spAutoFit/>
+          </a:bodyPr>
+          <a:lstStyle/>
+          <a:p>
+            <a:r>
+              <a:rPr lang="en-US" sz="1100" b="1" dirty="0" smtClean="0">
+                <a:solidFill>
+                  <a:srgbClr val="0A556D"/>
+                </a:solidFill>
+                <a:latin typeface="Helvetica"/>
+                <a:cs typeface="Helvetica"/>
+              </a:rPr>
+              <a:t>partner</a:t>
+            </a:r>
+            <a:endParaRPr lang="en-US" sz="1100" b="1" dirty="0">
+              <a:solidFill>
+                <a:srgbClr val="0A556D"/>
+              </a:solidFill>
+              <a:latin typeface="Helvetica"/>
+              <a:cs typeface="Helvetica"/>
+            </a:endParaRPr>
+          </a:p>
+        </p:txBody>
+      </p:sp>
+      <p:sp>
+        <p:nvSpPr>
+          <p:cNvPr id="109" name="TextBox 108"/>
+          <p:cNvSpPr txBox="1"/>
+          <p:nvPr/>
+        </p:nvSpPr>
+        <p:spPr>
+          <a:xfrm>
+            <a:off x="3965998" y="1989331"/>
+            <a:ext cx="1313180" cy="430887"/>
+          </a:xfrm>
+          <a:prstGeom prst="rect">
+            <a:avLst/>
+          </a:prstGeom>
+          <a:noFill/>
+        </p:spPr>
+        <p:txBody>
+          <a:bodyPr wrap="none" rtlCol="0">
+            <a:spAutoFit/>
+          </a:bodyPr>
+          <a:lstStyle/>
+          <a:p>
+            <a:r>
+              <a:rPr lang="en-US" sz="1100" b="1" dirty="0" err="1" smtClean="0">
+                <a:solidFill>
+                  <a:srgbClr val="0A556D"/>
+                </a:solidFill>
+                <a:latin typeface="Helvetica"/>
+                <a:cs typeface="Helvetica"/>
+              </a:rPr>
+              <a:t>worksFor</a:t>
+            </a:r>
+            <a:r>
+              <a:rPr lang="en-US" sz="1100" b="1" dirty="0" smtClean="0">
+                <a:solidFill>
+                  <a:srgbClr val="0A556D"/>
+                </a:solidFill>
+                <a:latin typeface="Helvetica"/>
+                <a:cs typeface="Helvetica"/>
+              </a:rPr>
+              <a:t/>
+            </a:r>
+            <a:br>
+              <a:rPr lang="en-US" sz="1100" b="1" dirty="0" smtClean="0">
+                <a:solidFill>
+                  <a:srgbClr val="0A556D"/>
+                </a:solidFill>
+                <a:latin typeface="Helvetica"/>
+                <a:cs typeface="Helvetica"/>
+              </a:rPr>
+            </a:br>
+            <a:r>
+              <a:rPr lang="en-US" sz="1100" b="1" dirty="0" smtClean="0">
+                <a:solidFill>
+                  <a:srgbClr val="0A556D"/>
+                </a:solidFill>
+                <a:latin typeface="Helvetica"/>
+                <a:cs typeface="Helvetica"/>
+              </a:rPr>
+              <a:t>   </a:t>
+            </a:r>
+            <a:r>
+              <a:rPr lang="en-US" sz="1100" dirty="0" smtClean="0">
+                <a:solidFill>
+                  <a:srgbClr val="0A556D"/>
+                </a:solidFill>
+                <a:latin typeface="Helvetica"/>
+                <a:cs typeface="Helvetica"/>
+              </a:rPr>
+              <a:t>title: VP Product</a:t>
+            </a:r>
+            <a:endParaRPr lang="en-US" sz="1100" dirty="0">
+              <a:solidFill>
+                <a:srgbClr val="0A556D"/>
+              </a:solidFill>
+              <a:latin typeface="Helvetica"/>
+              <a:cs typeface="Helvetica"/>
+            </a:endParaRPr>
+          </a:p>
+        </p:txBody>
+      </p:sp>
+      <p:sp>
+        <p:nvSpPr>
+          <p:cNvPr id="110" name="TextBox 109"/>
+          <p:cNvSpPr txBox="1"/>
+          <p:nvPr/>
+        </p:nvSpPr>
+        <p:spPr>
+          <a:xfrm rot="573286">
+            <a:off x="5551153" y="1400837"/>
+            <a:ext cx="796174" cy="261610"/>
+          </a:xfrm>
+          <a:prstGeom prst="rect">
+            <a:avLst/>
+          </a:prstGeom>
+          <a:noFill/>
+        </p:spPr>
+        <p:txBody>
+          <a:bodyPr wrap="none" rtlCol="0">
+            <a:spAutoFit/>
+          </a:bodyPr>
+          <a:lstStyle/>
+          <a:p>
+            <a:r>
+              <a:rPr lang="en-US" sz="1100" b="1" dirty="0" smtClean="0">
+                <a:solidFill>
+                  <a:srgbClr val="0A556D"/>
+                </a:solidFill>
+                <a:latin typeface="Helvetica"/>
+                <a:cs typeface="Helvetica"/>
+              </a:rPr>
+              <a:t>develops</a:t>
+            </a:r>
+            <a:endParaRPr lang="en-US" sz="1100" b="1" dirty="0">
+              <a:solidFill>
+                <a:srgbClr val="0A556D"/>
+              </a:solidFill>
+              <a:latin typeface="Helvetica"/>
+              <a:cs typeface="Helvetica"/>
+            </a:endParaRPr>
+          </a:p>
+        </p:txBody>
+      </p:sp>
+      <p:sp>
+        <p:nvSpPr>
+          <p:cNvPr id="111" name="TextBox 110"/>
+          <p:cNvSpPr txBox="1"/>
+          <p:nvPr/>
+        </p:nvSpPr>
+        <p:spPr>
+          <a:xfrm>
+            <a:off x="3836342" y="4171757"/>
+            <a:ext cx="796174" cy="261610"/>
+          </a:xfrm>
+          <a:prstGeom prst="rect">
+            <a:avLst/>
+          </a:prstGeom>
+          <a:noFill/>
+        </p:spPr>
+        <p:txBody>
+          <a:bodyPr wrap="none" rtlCol="0">
+            <a:spAutoFit/>
+          </a:bodyPr>
+          <a:lstStyle/>
+          <a:p>
+            <a:r>
+              <a:rPr lang="en-US" sz="1100" b="1" dirty="0" smtClean="0">
+                <a:solidFill>
+                  <a:srgbClr val="0A556D"/>
+                </a:solidFill>
+                <a:latin typeface="Helvetica"/>
+                <a:cs typeface="Helvetica"/>
+              </a:rPr>
+              <a:t>develops</a:t>
+            </a:r>
+            <a:endParaRPr lang="en-US" sz="1100" b="1" dirty="0">
+              <a:solidFill>
+                <a:srgbClr val="0A556D"/>
+              </a:solidFill>
+              <a:latin typeface="Helvetica"/>
+              <a:cs typeface="Helvetica"/>
+            </a:endParaRPr>
+          </a:p>
+        </p:txBody>
+      </p:sp>
+      <p:sp>
+        <p:nvSpPr>
+          <p:cNvPr id="112" name="TextBox 111"/>
+          <p:cNvSpPr txBox="1"/>
+          <p:nvPr/>
+        </p:nvSpPr>
+        <p:spPr>
+          <a:xfrm>
+            <a:off x="5634418" y="3405094"/>
+            <a:ext cx="506193" cy="261610"/>
+          </a:xfrm>
+          <a:prstGeom prst="rect">
+            <a:avLst/>
+          </a:prstGeom>
+          <a:noFill/>
+        </p:spPr>
+        <p:txBody>
+          <a:bodyPr wrap="none" rtlCol="0">
+            <a:spAutoFit/>
+          </a:bodyPr>
+          <a:lstStyle/>
+          <a:p>
+            <a:r>
+              <a:rPr lang="en-US" sz="1100" b="1" dirty="0" smtClean="0">
+                <a:solidFill>
+                  <a:srgbClr val="0A556D"/>
+                </a:solidFill>
+                <a:latin typeface="Helvetica"/>
+                <a:cs typeface="Helvetica"/>
+              </a:rPr>
+              <a:t>uses</a:t>
+            </a:r>
+            <a:endParaRPr lang="en-US" sz="1100" b="1" dirty="0">
+              <a:solidFill>
+                <a:srgbClr val="0A556D"/>
+              </a:solidFill>
+              <a:latin typeface="Helvetica"/>
+              <a:cs typeface="Helvetica"/>
+            </a:endParaRPr>
+          </a:p>
+        </p:txBody>
+      </p:sp>
+      <p:sp>
+        <p:nvSpPr>
+          <p:cNvPr id="113" name="TextBox 112"/>
+          <p:cNvSpPr txBox="1"/>
+          <p:nvPr/>
+        </p:nvSpPr>
+        <p:spPr>
+          <a:xfrm>
+            <a:off x="6260507" y="2358400"/>
+            <a:ext cx="506193" cy="261610"/>
+          </a:xfrm>
+          <a:prstGeom prst="rect">
+            <a:avLst/>
+          </a:prstGeom>
+          <a:noFill/>
+        </p:spPr>
+        <p:txBody>
+          <a:bodyPr wrap="none" rtlCol="0">
+            <a:spAutoFit/>
+          </a:bodyPr>
+          <a:lstStyle/>
+          <a:p>
+            <a:r>
+              <a:rPr lang="en-US" sz="1100" b="1" dirty="0" smtClean="0">
+                <a:solidFill>
+                  <a:srgbClr val="0A556D"/>
+                </a:solidFill>
+                <a:latin typeface="Helvetica"/>
+                <a:cs typeface="Helvetica"/>
+              </a:rPr>
+              <a:t>uses</a:t>
+            </a:r>
+            <a:endParaRPr lang="en-US" sz="1100" b="1" dirty="0">
+              <a:solidFill>
+                <a:srgbClr val="0A556D"/>
+              </a:solidFill>
+              <a:latin typeface="Helvetica"/>
+              <a:cs typeface="Helvetica"/>
+            </a:endParaRPr>
+          </a:p>
+        </p:txBody>
+      </p:sp>
+      <p:sp>
+        <p:nvSpPr>
+          <p:cNvPr id="114" name="TextBox 113"/>
+          <p:cNvSpPr txBox="1"/>
+          <p:nvPr/>
+        </p:nvSpPr>
+        <p:spPr>
+          <a:xfrm rot="196166">
+            <a:off x="3352767" y="2645265"/>
+            <a:ext cx="832611" cy="261610"/>
+          </a:xfrm>
+          <a:prstGeom prst="rect">
+            <a:avLst/>
+          </a:prstGeom>
+          <a:noFill/>
+        </p:spPr>
+        <p:txBody>
+          <a:bodyPr wrap="none" rtlCol="0">
+            <a:spAutoFit/>
+          </a:bodyPr>
+          <a:lstStyle/>
+          <a:p>
+            <a:r>
+              <a:rPr lang="en-US" sz="1100" b="1" dirty="0" err="1" smtClean="0">
+                <a:solidFill>
+                  <a:srgbClr val="0A556D"/>
+                </a:solidFill>
+                <a:latin typeface="Helvetica"/>
+                <a:cs typeface="Helvetica"/>
+              </a:rPr>
+              <a:t>reportsTo</a:t>
+            </a:r>
+            <a:endParaRPr lang="en-US" sz="1100" b="1" dirty="0">
+              <a:solidFill>
+                <a:srgbClr val="0A556D"/>
+              </a:solidFill>
+              <a:latin typeface="Helvetica"/>
+              <a:cs typeface="Helvetica"/>
+            </a:endParaRPr>
+          </a:p>
+        </p:txBody>
+      </p:sp>
+      <p:sp>
+        <p:nvSpPr>
+          <p:cNvPr id="115" name="TextBox 114"/>
+          <p:cNvSpPr txBox="1"/>
+          <p:nvPr/>
+        </p:nvSpPr>
+        <p:spPr>
+          <a:xfrm>
+            <a:off x="1941844" y="3694912"/>
+            <a:ext cx="832611" cy="261610"/>
+          </a:xfrm>
+          <a:prstGeom prst="rect">
+            <a:avLst/>
+          </a:prstGeom>
+          <a:noFill/>
+        </p:spPr>
+        <p:txBody>
+          <a:bodyPr wrap="none" rtlCol="0">
+            <a:spAutoFit/>
+          </a:bodyPr>
+          <a:lstStyle/>
+          <a:p>
+            <a:r>
+              <a:rPr lang="en-US" sz="1100" b="1" dirty="0" err="1" smtClean="0">
+                <a:solidFill>
+                  <a:srgbClr val="0A556D"/>
+                </a:solidFill>
+                <a:latin typeface="Helvetica"/>
+                <a:cs typeface="Helvetica"/>
+              </a:rPr>
+              <a:t>reportsTo</a:t>
+            </a:r>
+            <a:endParaRPr lang="en-US" sz="1100" b="1" dirty="0">
+              <a:solidFill>
+                <a:srgbClr val="0A556D"/>
+              </a:solidFill>
+              <a:latin typeface="Helvetica"/>
+              <a:cs typeface="Helvetica"/>
+            </a:endParaRPr>
+          </a:p>
+        </p:txBody>
+      </p:sp>
+      <p:sp>
+        <p:nvSpPr>
+          <p:cNvPr id="116" name="TextBox 115"/>
+          <p:cNvSpPr txBox="1"/>
+          <p:nvPr/>
+        </p:nvSpPr>
+        <p:spPr>
+          <a:xfrm rot="450671">
+            <a:off x="5154385" y="2758444"/>
+            <a:ext cx="796243" cy="261610"/>
+          </a:xfrm>
+          <a:prstGeom prst="rect">
+            <a:avLst/>
+          </a:prstGeom>
+          <a:noFill/>
+        </p:spPr>
+        <p:txBody>
+          <a:bodyPr wrap="none" rtlCol="0">
+            <a:spAutoFit/>
+          </a:bodyPr>
+          <a:lstStyle/>
+          <a:p>
+            <a:r>
+              <a:rPr lang="en-US" sz="1100" b="1" dirty="0" smtClean="0">
+                <a:solidFill>
+                  <a:srgbClr val="0A556D"/>
+                </a:solidFill>
+                <a:latin typeface="Helvetica"/>
+                <a:cs typeface="Helvetica"/>
+              </a:rPr>
+              <a:t>manages</a:t>
+            </a:r>
+            <a:endParaRPr lang="en-US" sz="1100" b="1" dirty="0">
+              <a:solidFill>
+                <a:srgbClr val="0A556D"/>
+              </a:solidFill>
+              <a:latin typeface="Helvetica"/>
+              <a:cs typeface="Helvetica"/>
+            </a:endParaRPr>
+          </a:p>
+        </p:txBody>
+      </p:sp>
+      <p:sp>
+        <p:nvSpPr>
+          <p:cNvPr id="117" name="TextBox 116"/>
+          <p:cNvSpPr txBox="1"/>
+          <p:nvPr/>
+        </p:nvSpPr>
+        <p:spPr>
+          <a:xfrm>
+            <a:off x="2347320" y="3030680"/>
+            <a:ext cx="902811" cy="430887"/>
+          </a:xfrm>
+          <a:prstGeom prst="rect">
+            <a:avLst/>
+          </a:prstGeom>
+          <a:noFill/>
+        </p:spPr>
+        <p:txBody>
+          <a:bodyPr wrap="none" rtlCol="0">
+            <a:spAutoFit/>
+          </a:bodyPr>
+          <a:lstStyle/>
+          <a:p>
+            <a:pPr algn="r"/>
+            <a:r>
+              <a:rPr lang="en-US" sz="1100" b="1" dirty="0" err="1" smtClean="0">
+                <a:solidFill>
+                  <a:srgbClr val="0A556D"/>
+                </a:solidFill>
+                <a:latin typeface="Helvetica"/>
+                <a:cs typeface="Helvetica"/>
+              </a:rPr>
+              <a:t>worksFor</a:t>
+            </a:r>
+            <a:r>
+              <a:rPr lang="en-US" sz="1100" b="1" dirty="0" smtClean="0">
+                <a:solidFill>
+                  <a:srgbClr val="0A556D"/>
+                </a:solidFill>
+                <a:latin typeface="Helvetica"/>
+                <a:cs typeface="Helvetica"/>
+              </a:rPr>
+              <a:t/>
+            </a:r>
+            <a:br>
+              <a:rPr lang="en-US" sz="1100" b="1" dirty="0" smtClean="0">
+                <a:solidFill>
+                  <a:srgbClr val="0A556D"/>
+                </a:solidFill>
+                <a:latin typeface="Helvetica"/>
+                <a:cs typeface="Helvetica"/>
+              </a:rPr>
+            </a:br>
+            <a:r>
+              <a:rPr lang="en-US" sz="1100" b="1" dirty="0" smtClean="0">
+                <a:solidFill>
+                  <a:srgbClr val="0A556D"/>
+                </a:solidFill>
+                <a:latin typeface="Helvetica"/>
+                <a:cs typeface="Helvetica"/>
+              </a:rPr>
+              <a:t>   </a:t>
+            </a:r>
+            <a:r>
+              <a:rPr lang="en-US" sz="1100" dirty="0" smtClean="0">
+                <a:solidFill>
+                  <a:srgbClr val="0A556D"/>
+                </a:solidFill>
+                <a:latin typeface="Helvetica"/>
+                <a:cs typeface="Helvetica"/>
+              </a:rPr>
+              <a:t>title: CTO</a:t>
+            </a:r>
+            <a:endParaRPr lang="en-US" sz="1100" dirty="0">
+              <a:solidFill>
+                <a:srgbClr val="0A556D"/>
+              </a:solidFill>
+              <a:latin typeface="Helvetica"/>
+              <a:cs typeface="Helvetica"/>
+            </a:endParaRPr>
+          </a:p>
+        </p:txBody>
+      </p:sp>
+      <p:sp>
+        <p:nvSpPr>
+          <p:cNvPr id="118" name="TextBox 117"/>
+          <p:cNvSpPr txBox="1"/>
+          <p:nvPr/>
+        </p:nvSpPr>
+        <p:spPr>
+          <a:xfrm>
+            <a:off x="1506009" y="1777091"/>
+            <a:ext cx="922185" cy="430887"/>
+          </a:xfrm>
+          <a:prstGeom prst="rect">
+            <a:avLst/>
+          </a:prstGeom>
+          <a:noFill/>
+        </p:spPr>
+        <p:txBody>
+          <a:bodyPr wrap="none" rtlCol="0">
+            <a:spAutoFit/>
+          </a:bodyPr>
+          <a:lstStyle/>
+          <a:p>
+            <a:pPr algn="r"/>
+            <a:r>
+              <a:rPr lang="en-US" sz="1100" b="1" dirty="0" err="1" smtClean="0">
+                <a:solidFill>
+                  <a:srgbClr val="0A556D"/>
+                </a:solidFill>
+                <a:latin typeface="Helvetica"/>
+                <a:cs typeface="Helvetica"/>
+              </a:rPr>
+              <a:t>worksFor</a:t>
+            </a:r>
+            <a:r>
+              <a:rPr lang="en-US" sz="1100" b="1" dirty="0" smtClean="0">
+                <a:solidFill>
+                  <a:srgbClr val="0A556D"/>
+                </a:solidFill>
+                <a:latin typeface="Helvetica"/>
+                <a:cs typeface="Helvetica"/>
+              </a:rPr>
+              <a:t/>
+            </a:r>
+            <a:br>
+              <a:rPr lang="en-US" sz="1100" b="1" dirty="0" smtClean="0">
+                <a:solidFill>
+                  <a:srgbClr val="0A556D"/>
+                </a:solidFill>
+                <a:latin typeface="Helvetica"/>
+                <a:cs typeface="Helvetica"/>
+              </a:rPr>
+            </a:br>
+            <a:r>
+              <a:rPr lang="en-US" sz="1100" b="1" dirty="0" smtClean="0">
+                <a:solidFill>
+                  <a:srgbClr val="0A556D"/>
+                </a:solidFill>
+                <a:latin typeface="Helvetica"/>
+                <a:cs typeface="Helvetica"/>
+              </a:rPr>
+              <a:t>   </a:t>
+            </a:r>
+            <a:r>
+              <a:rPr lang="en-US" sz="1100" dirty="0" smtClean="0">
+                <a:solidFill>
+                  <a:srgbClr val="0A556D"/>
+                </a:solidFill>
+                <a:latin typeface="Helvetica"/>
+                <a:cs typeface="Helvetica"/>
+              </a:rPr>
+              <a:t>title: CEO </a:t>
+            </a:r>
+            <a:endParaRPr lang="en-US" sz="1100" dirty="0">
+              <a:solidFill>
+                <a:schemeClr val="bg1"/>
+              </a:solidFill>
+              <a:latin typeface="Helvetica"/>
+              <a:cs typeface="Helvetica"/>
+            </a:endParaRPr>
+          </a:p>
+        </p:txBody>
+      </p:sp>
+      <p:grpSp>
+        <p:nvGrpSpPr>
+          <p:cNvPr id="122" name="Group 121"/>
+          <p:cNvGrpSpPr/>
+          <p:nvPr/>
+        </p:nvGrpSpPr>
+        <p:grpSpPr>
+          <a:xfrm>
+            <a:off x="132456" y="3864792"/>
+            <a:ext cx="1373553" cy="450360"/>
+            <a:chOff x="7694246" y="1295889"/>
+            <a:chExt cx="1373553" cy="450360"/>
+          </a:xfrm>
+        </p:grpSpPr>
+        <p:sp>
+          <p:nvSpPr>
+            <p:cNvPr id="120" name="Rounded Rectangle 119"/>
+            <p:cNvSpPr/>
+            <p:nvPr/>
+          </p:nvSpPr>
+          <p:spPr>
+            <a:xfrm>
+              <a:off x="7737232" y="1336573"/>
+              <a:ext cx="1289304" cy="365760"/>
+            </a:xfrm>
+            <a:prstGeom prst="roundRect">
+              <a:avLst/>
+            </a:prstGeom>
+            <a:solidFill>
+              <a:srgbClr val="BB4B1B"/>
+            </a:solidFill>
+            <a:ln>
+              <a:noFill/>
+            </a:ln>
+            <a:effectLst/>
+          </p:spPr>
+          <p:style>
+            <a:lnRef idx="1">
+              <a:schemeClr val="accent1"/>
+            </a:lnRef>
+            <a:fillRef idx="3">
+              <a:schemeClr val="accent1"/>
+            </a:fillRef>
+            <a:effectRef idx="2">
+              <a:schemeClr val="accent1"/>
+            </a:effectRef>
+            <a:fontRef idx="minor">
+              <a:schemeClr val="lt1"/>
+            </a:fontRef>
+          </p:style>
+          <p:txBody>
+            <a:bodyPr rtlCol="0" anchor="ctr"/>
+            <a:lstStyle/>
+            <a:p>
+              <a:pPr algn="ctr"/>
+              <a:r>
+                <a:rPr lang="en-US" dirty="0" smtClean="0"/>
+                <a:t>Property</a:t>
+              </a:r>
+              <a:endParaRPr lang="en-US" dirty="0"/>
+            </a:p>
+          </p:txBody>
+        </p:sp>
+        <p:sp>
+          <p:nvSpPr>
+            <p:cNvPr id="121" name="Rounded Rectangle 120"/>
+            <p:cNvSpPr/>
+            <p:nvPr/>
+          </p:nvSpPr>
+          <p:spPr>
+            <a:xfrm>
+              <a:off x="7694246" y="1295889"/>
+              <a:ext cx="1373553" cy="450360"/>
+            </a:xfrm>
+            <a:prstGeom prst="roundRect">
+              <a:avLst/>
+            </a:prstGeom>
+            <a:noFill/>
+            <a:ln w="28575" cmpd="sng">
+              <a:solidFill>
+                <a:srgbClr val="BB4B1B"/>
+              </a:solidFill>
+            </a:ln>
+            <a:effectLst/>
+          </p:spPr>
+          <p:style>
+            <a:lnRef idx="1">
+              <a:schemeClr val="accent1"/>
+            </a:lnRef>
+            <a:fillRef idx="3">
+              <a:schemeClr val="accent1"/>
+            </a:fillRef>
+            <a:effectRef idx="2">
+              <a:schemeClr val="accent1"/>
+            </a:effectRef>
+            <a:fontRef idx="minor">
+              <a:schemeClr val="lt1"/>
+            </a:fontRef>
+          </p:style>
+          <p:txBody>
+            <a:bodyPr rtlCol="0" anchor="ctr"/>
+            <a:lstStyle/>
+            <a:p>
+              <a:pPr algn="ctr"/>
+              <a:endParaRPr lang="en-US"/>
+            </a:p>
+          </p:txBody>
+        </p:sp>
+      </p:grpSp>
+      <p:grpSp>
+        <p:nvGrpSpPr>
+          <p:cNvPr id="123" name="Group 122"/>
+          <p:cNvGrpSpPr/>
+          <p:nvPr/>
+        </p:nvGrpSpPr>
+        <p:grpSpPr>
+          <a:xfrm>
+            <a:off x="402087" y="913380"/>
+            <a:ext cx="1373553" cy="450360"/>
+            <a:chOff x="7694246" y="1295889"/>
+            <a:chExt cx="1373553" cy="450360"/>
+          </a:xfrm>
+        </p:grpSpPr>
+        <p:sp>
+          <p:nvSpPr>
+            <p:cNvPr id="124" name="Rounded Rectangle 123"/>
+            <p:cNvSpPr/>
+            <p:nvPr/>
+          </p:nvSpPr>
+          <p:spPr>
+            <a:xfrm>
+              <a:off x="7737232" y="1336573"/>
+              <a:ext cx="1289304" cy="365760"/>
+            </a:xfrm>
+            <a:prstGeom prst="roundRect">
+              <a:avLst/>
+            </a:prstGeom>
+            <a:solidFill>
+              <a:srgbClr val="BB4B1B"/>
+            </a:solidFill>
+            <a:ln>
+              <a:noFill/>
+            </a:ln>
+            <a:effectLst/>
+          </p:spPr>
+          <p:style>
+            <a:lnRef idx="1">
+              <a:schemeClr val="accent1"/>
+            </a:lnRef>
+            <a:fillRef idx="3">
+              <a:schemeClr val="accent1"/>
+            </a:fillRef>
+            <a:effectRef idx="2">
+              <a:schemeClr val="accent1"/>
+            </a:effectRef>
+            <a:fontRef idx="minor">
+              <a:schemeClr val="lt1"/>
+            </a:fontRef>
+          </p:style>
+          <p:txBody>
+            <a:bodyPr rtlCol="0" anchor="ctr"/>
+            <a:lstStyle/>
+            <a:p>
+              <a:pPr algn="ctr"/>
+              <a:r>
+                <a:rPr lang="en-US" dirty="0" smtClean="0"/>
+                <a:t>Edge</a:t>
+              </a:r>
+              <a:endParaRPr lang="en-US" dirty="0"/>
+            </a:p>
+          </p:txBody>
+        </p:sp>
+        <p:sp>
+          <p:nvSpPr>
+            <p:cNvPr id="125" name="Rounded Rectangle 124"/>
+            <p:cNvSpPr/>
+            <p:nvPr/>
+          </p:nvSpPr>
+          <p:spPr>
+            <a:xfrm>
+              <a:off x="7694246" y="1295889"/>
+              <a:ext cx="1373553" cy="450360"/>
+            </a:xfrm>
+            <a:prstGeom prst="roundRect">
+              <a:avLst/>
+            </a:prstGeom>
+            <a:noFill/>
+            <a:ln w="28575" cmpd="sng">
+              <a:solidFill>
+                <a:srgbClr val="BB4B1B"/>
+              </a:solidFill>
+            </a:ln>
+            <a:effectLst/>
+          </p:spPr>
+          <p:style>
+            <a:lnRef idx="1">
+              <a:schemeClr val="accent1"/>
+            </a:lnRef>
+            <a:fillRef idx="3">
+              <a:schemeClr val="accent1"/>
+            </a:fillRef>
+            <a:effectRef idx="2">
+              <a:schemeClr val="accent1"/>
+            </a:effectRef>
+            <a:fontRef idx="minor">
+              <a:schemeClr val="lt1"/>
+            </a:fontRef>
+          </p:style>
+          <p:txBody>
+            <a:bodyPr rtlCol="0" anchor="ctr"/>
+            <a:lstStyle/>
+            <a:p>
+              <a:pPr algn="ctr"/>
+              <a:endParaRPr lang="en-US"/>
+            </a:p>
+          </p:txBody>
+        </p:sp>
+      </p:grpSp>
+      <p:grpSp>
+        <p:nvGrpSpPr>
+          <p:cNvPr id="126" name="Group 125"/>
+          <p:cNvGrpSpPr/>
+          <p:nvPr/>
+        </p:nvGrpSpPr>
+        <p:grpSpPr>
+          <a:xfrm>
+            <a:off x="7559026" y="2383567"/>
+            <a:ext cx="1373553" cy="450360"/>
+            <a:chOff x="7694246" y="1295889"/>
+            <a:chExt cx="1373553" cy="450360"/>
+          </a:xfrm>
+        </p:grpSpPr>
+        <p:sp>
+          <p:nvSpPr>
+            <p:cNvPr id="127" name="Rounded Rectangle 126"/>
+            <p:cNvSpPr/>
+            <p:nvPr/>
+          </p:nvSpPr>
+          <p:spPr>
+            <a:xfrm>
+              <a:off x="7737232" y="1336573"/>
+              <a:ext cx="1289304" cy="365760"/>
+            </a:xfrm>
+            <a:prstGeom prst="roundRect">
+              <a:avLst/>
+            </a:prstGeom>
+            <a:solidFill>
+              <a:srgbClr val="BB4B1B"/>
+            </a:solidFill>
+            <a:ln>
+              <a:noFill/>
+            </a:ln>
+            <a:effectLst/>
+          </p:spPr>
+          <p:style>
+            <a:lnRef idx="1">
+              <a:schemeClr val="accent1"/>
+            </a:lnRef>
+            <a:fillRef idx="3">
+              <a:schemeClr val="accent1"/>
+            </a:fillRef>
+            <a:effectRef idx="2">
+              <a:schemeClr val="accent1"/>
+            </a:effectRef>
+            <a:fontRef idx="minor">
+              <a:schemeClr val="lt1"/>
+            </a:fontRef>
+          </p:style>
+          <p:txBody>
+            <a:bodyPr rtlCol="0" anchor="ctr"/>
+            <a:lstStyle/>
+            <a:p>
+              <a:pPr algn="ctr"/>
+              <a:r>
+                <a:rPr lang="en-US" dirty="0" smtClean="0"/>
+                <a:t>Vertex</a:t>
+              </a:r>
+              <a:endParaRPr lang="en-US" dirty="0"/>
+            </a:p>
+          </p:txBody>
+        </p:sp>
+        <p:sp>
+          <p:nvSpPr>
+            <p:cNvPr id="128" name="Rounded Rectangle 127"/>
+            <p:cNvSpPr/>
+            <p:nvPr/>
+          </p:nvSpPr>
+          <p:spPr>
+            <a:xfrm>
+              <a:off x="7694246" y="1295889"/>
+              <a:ext cx="1373553" cy="450360"/>
+            </a:xfrm>
+            <a:prstGeom prst="roundRect">
+              <a:avLst/>
+            </a:prstGeom>
+            <a:noFill/>
+            <a:ln w="28575" cmpd="sng">
+              <a:solidFill>
+                <a:srgbClr val="BB4B1B"/>
+              </a:solidFill>
+            </a:ln>
+            <a:effectLst/>
+          </p:spPr>
+          <p:style>
+            <a:lnRef idx="1">
+              <a:schemeClr val="accent1"/>
+            </a:lnRef>
+            <a:fillRef idx="3">
+              <a:schemeClr val="accent1"/>
+            </a:fillRef>
+            <a:effectRef idx="2">
+              <a:schemeClr val="accent1"/>
+            </a:effectRef>
+            <a:fontRef idx="minor">
+              <a:schemeClr val="lt1"/>
+            </a:fontRef>
+          </p:style>
+          <p:txBody>
+            <a:bodyPr rtlCol="0" anchor="ctr"/>
+            <a:lstStyle/>
+            <a:p>
+              <a:pPr algn="ctr"/>
+              <a:endParaRPr lang="en-US"/>
+            </a:p>
+          </p:txBody>
+        </p:sp>
+      </p:grpSp>
+      <p:cxnSp>
+        <p:nvCxnSpPr>
+          <p:cNvPr id="134" name="Elbow Connector 133"/>
+          <p:cNvCxnSpPr/>
+          <p:nvPr/>
+        </p:nvCxnSpPr>
+        <p:spPr>
+          <a:xfrm rot="5400000" flipH="1" flipV="1">
+            <a:off x="348605" y="2629236"/>
+            <a:ext cx="1784336" cy="686776"/>
+          </a:xfrm>
+          <a:prstGeom prst="bentConnector2">
+            <a:avLst/>
+          </a:prstGeom>
+          <a:ln w="28575" cmpd="sng">
+            <a:solidFill>
+              <a:srgbClr val="BB4B1B"/>
+            </a:solidFill>
+            <a:headEnd type="none"/>
+            <a:tailEnd type="triangle" w="lg" len="lg"/>
+          </a:ln>
+          <a:effectLst/>
+        </p:spPr>
+        <p:style>
+          <a:lnRef idx="2">
+            <a:schemeClr val="accent1"/>
+          </a:lnRef>
+          <a:fillRef idx="0">
+            <a:schemeClr val="accent1"/>
+          </a:fillRef>
+          <a:effectRef idx="1">
+            <a:schemeClr val="accent1"/>
+          </a:effectRef>
+          <a:fontRef idx="minor">
+            <a:schemeClr val="tx1"/>
+          </a:fontRef>
+        </p:style>
+      </p:cxnSp>
+      <p:cxnSp>
+        <p:nvCxnSpPr>
+          <p:cNvPr id="138" name="Elbow Connector 137"/>
+          <p:cNvCxnSpPr>
+            <a:stCxn id="121" idx="0"/>
+            <a:endCxn id="107" idx="1"/>
+          </p:cNvCxnSpPr>
+          <p:nvPr/>
+        </p:nvCxnSpPr>
+        <p:spPr>
+          <a:xfrm rot="5400000" flipH="1" flipV="1">
+            <a:off x="834800" y="3454291"/>
+            <a:ext cx="394935" cy="426068"/>
+          </a:xfrm>
+          <a:prstGeom prst="bentConnector2">
+            <a:avLst/>
+          </a:prstGeom>
+          <a:ln w="28575" cmpd="sng">
+            <a:solidFill>
+              <a:srgbClr val="BB4B1B"/>
+            </a:solidFill>
+            <a:headEnd type="none"/>
+            <a:tailEnd type="triangle" w="lg" len="lg"/>
+          </a:ln>
+          <a:effectLst/>
+        </p:spPr>
+        <p:style>
+          <a:lnRef idx="2">
+            <a:schemeClr val="accent1"/>
+          </a:lnRef>
+          <a:fillRef idx="0">
+            <a:schemeClr val="accent1"/>
+          </a:fillRef>
+          <a:effectRef idx="1">
+            <a:schemeClr val="accent1"/>
+          </a:effectRef>
+          <a:fontRef idx="minor">
+            <a:schemeClr val="tx1"/>
+          </a:fontRef>
+        </p:style>
+      </p:cxnSp>
+      <p:cxnSp>
+        <p:nvCxnSpPr>
+          <p:cNvPr id="141" name="Elbow Connector 140"/>
+          <p:cNvCxnSpPr>
+            <a:stCxn id="125" idx="3"/>
+          </p:cNvCxnSpPr>
+          <p:nvPr/>
+        </p:nvCxnSpPr>
+        <p:spPr>
+          <a:xfrm>
+            <a:off x="1775640" y="1138560"/>
+            <a:ext cx="881592" cy="753082"/>
+          </a:xfrm>
+          <a:prstGeom prst="bentConnector3">
+            <a:avLst>
+              <a:gd name="adj1" fmla="val 98758"/>
+            </a:avLst>
+          </a:prstGeom>
+          <a:ln w="28575" cmpd="sng">
+            <a:solidFill>
+              <a:srgbClr val="BB4B1B"/>
+            </a:solidFill>
+            <a:headEnd type="none"/>
+            <a:tailEnd type="triangle" w="lg" len="lg"/>
+          </a:ln>
+          <a:effectLst/>
+        </p:spPr>
+        <p:style>
+          <a:lnRef idx="2">
+            <a:schemeClr val="accent1"/>
+          </a:lnRef>
+          <a:fillRef idx="0">
+            <a:schemeClr val="accent1"/>
+          </a:fillRef>
+          <a:effectRef idx="1">
+            <a:schemeClr val="accent1"/>
+          </a:effectRef>
+          <a:fontRef idx="minor">
+            <a:schemeClr val="tx1"/>
+          </a:fontRef>
+        </p:style>
+      </p:cxnSp>
+      <p:cxnSp>
+        <p:nvCxnSpPr>
+          <p:cNvPr id="145" name="Elbow Connector 144"/>
+          <p:cNvCxnSpPr>
+            <a:stCxn id="128" idx="0"/>
+            <a:endCxn id="55" idx="6"/>
+          </p:cNvCxnSpPr>
+          <p:nvPr/>
+        </p:nvCxnSpPr>
+        <p:spPr>
+          <a:xfrm rot="16200000" flipV="1">
+            <a:off x="7453526" y="1591290"/>
+            <a:ext cx="585249" cy="999306"/>
+          </a:xfrm>
+          <a:prstGeom prst="bentConnector2">
+            <a:avLst/>
+          </a:prstGeom>
+          <a:ln w="28575" cmpd="sng">
+            <a:solidFill>
+              <a:srgbClr val="BB4B1B"/>
+            </a:solidFill>
+            <a:headEnd type="none"/>
+            <a:tailEnd type="triangle" w="lg" len="lg"/>
+          </a:ln>
+          <a:effectLst/>
+        </p:spPr>
+        <p:style>
+          <a:lnRef idx="2">
+            <a:schemeClr val="accent1"/>
+          </a:lnRef>
+          <a:fillRef idx="0">
+            <a:schemeClr val="accent1"/>
+          </a:fillRef>
+          <a:effectRef idx="1">
+            <a:schemeClr val="accent1"/>
+          </a:effectRef>
+          <a:fontRef idx="minor">
+            <a:schemeClr val="tx1"/>
+          </a:fontRef>
+        </p:style>
+      </p:cxnSp>
+    </p:spTree>
+    <p:extLst>
+      <p:ext uri="{BB962C8B-B14F-4D97-AF65-F5344CB8AC3E}">
+        <p14:creationId xmlns:p14="http://schemas.microsoft.com/office/powerpoint/2010/main" val="184944081"/>
+      </p:ext>
+    </p:extLst>
+  </p:cSld>
+  <p:clrMapOvr>
+    <a:masterClrMapping/>
+  </p:clrMapOvr>
+  <p:timing>
+    <p:tnLst>
+      <p:par>
+        <p:cTn id="1" dur="indefinite" restart="never" nodeType="tmRoot"/>
+      </p:par>
+    </p:tnLst>
+  </p:timing>
+</p:sld>
+</file>
+
+<file path=ppt/slides/slide9.xml><?xml version="1.0" encoding="utf-8"?>
+<p:sld xmlns:a="http://schemas.openxmlformats.org/drawingml/2006/main" xmlns:r="http://schemas.openxmlformats.org/officeDocument/2006/relationships" xmlns:p="http://schemas.openxmlformats.org/presentationml/2006/main">
+  <p:cSld>
+    <p:spTree>
+      <p:nvGrpSpPr>
+        <p:cNvPr id="1" name=""/>
+        <p:cNvGrpSpPr/>
+        <p:nvPr/>
+      </p:nvGrpSpPr>
+      <p:grpSpPr>
+        <a:xfrm>
+          <a:off x="0" y="0"/>
+          <a:ext cx="0" cy="0"/>
+          <a:chOff x="0" y="0"/>
+          <a:chExt cx="0" cy="0"/>
+        </a:xfrm>
+      </p:grpSpPr>
+      <p:sp>
+        <p:nvSpPr>
+          <p:cNvPr id="3" name="Footer Placeholder 2"/>
+          <p:cNvSpPr>
+            <a:spLocks noGrp="1"/>
+          </p:cNvSpPr>
+          <p:nvPr>
+            <p:ph type="ftr" sz="quarter" idx="11"/>
+          </p:nvPr>
+        </p:nvSpPr>
+        <p:spPr/>
+        <p:txBody>
+          <a:bodyPr/>
+          <a:lstStyle/>
+          <a:p>
+            <a:r>
+              <a:rPr lang="en-US" dirty="0"/>
+              <a:t>© DataStax, All Rights Reserved.</a:t>
+            </a:r>
+          </a:p>
+        </p:txBody>
+      </p:sp>
+      <p:sp>
+        <p:nvSpPr>
+          <p:cNvPr id="4" name="Slide Number Placeholder 3"/>
+          <p:cNvSpPr>
+            <a:spLocks noGrp="1"/>
+          </p:cNvSpPr>
+          <p:nvPr>
+            <p:ph type="sldNum" sz="quarter" idx="12"/>
+          </p:nvPr>
+        </p:nvSpPr>
+        <p:spPr/>
+        <p:txBody>
+          <a:bodyPr/>
+          <a:lstStyle/>
+          <a:p>
+            <a:fld id="{B10D5614-B734-4280-8F57-1D4947433C97}" type="slidenum">
+              <a:rPr lang="en-US" smtClean="0"/>
+              <a:pPr/>
+              <a:t>9</a:t>
+            </a:fld>
+            <a:endParaRPr lang="en-US" dirty="0"/>
+          </a:p>
+        </p:txBody>
+      </p:sp>
+      <p:sp>
+        <p:nvSpPr>
+          <p:cNvPr id="2" name="TextBox 1"/>
+          <p:cNvSpPr txBox="1"/>
+          <p:nvPr/>
+        </p:nvSpPr>
+        <p:spPr>
+          <a:xfrm>
+            <a:off x="611560" y="3363838"/>
+            <a:ext cx="8532440" cy="1200329"/>
+          </a:xfrm>
+          <a:prstGeom prst="rect">
+            <a:avLst/>
+          </a:prstGeom>
+          <a:noFill/>
+        </p:spPr>
+        <p:txBody>
+          <a:bodyPr wrap="square" rtlCol="0">
+            <a:spAutoFit/>
+          </a:bodyPr>
+          <a:lstStyle/>
+          <a:p>
+            <a:r>
+              <a:rPr lang="en-US" b="1" dirty="0">
+                <a:latin typeface="Courier New"/>
+                <a:cs typeface="Courier New"/>
+              </a:rPr>
+              <a:t> </a:t>
+            </a:r>
+            <a:r>
+              <a:rPr lang="en-US" b="1" dirty="0" err="1">
+                <a:solidFill>
+                  <a:srgbClr val="0989A9"/>
+                </a:solidFill>
+                <a:latin typeface="Courier New"/>
+                <a:cs typeface="Courier New"/>
+              </a:rPr>
+              <a:t>g</a:t>
+            </a:r>
+            <a:r>
+              <a:rPr lang="en-US" b="1" dirty="0" err="1">
+                <a:latin typeface="Courier New"/>
+                <a:cs typeface="Courier New"/>
+              </a:rPr>
+              <a:t>.</a:t>
+            </a:r>
+            <a:r>
+              <a:rPr lang="en-US" b="1" dirty="0" err="1">
+                <a:solidFill>
+                  <a:schemeClr val="accent5">
+                    <a:lumMod val="75000"/>
+                  </a:schemeClr>
+                </a:solidFill>
+                <a:latin typeface="Courier New"/>
+                <a:cs typeface="Courier New"/>
+              </a:rPr>
+              <a:t>V</a:t>
+            </a:r>
+            <a:r>
+              <a:rPr lang="en-US" b="1" dirty="0">
+                <a:latin typeface="Courier New"/>
+                <a:cs typeface="Courier New"/>
+              </a:rPr>
+              <a:t>().</a:t>
+            </a:r>
+            <a:r>
+              <a:rPr lang="en-US" b="1" dirty="0">
+                <a:solidFill>
+                  <a:srgbClr val="0989A9"/>
+                </a:solidFill>
+                <a:latin typeface="Courier New"/>
+                <a:cs typeface="Courier New"/>
+              </a:rPr>
+              <a:t>has</a:t>
+            </a:r>
+            <a:r>
+              <a:rPr lang="en-US" b="1" dirty="0">
+                <a:latin typeface="Courier New"/>
+                <a:cs typeface="Courier New"/>
+              </a:rPr>
+              <a:t>(</a:t>
+            </a:r>
+            <a:r>
+              <a:rPr lang="en-US" b="1" dirty="0">
+                <a:solidFill>
+                  <a:srgbClr val="7CA023"/>
+                </a:solidFill>
+                <a:latin typeface="Courier New"/>
+                <a:cs typeface="Courier New"/>
+              </a:rPr>
+              <a:t>"</a:t>
+            </a:r>
+            <a:r>
+              <a:rPr lang="en-US" b="1" dirty="0" err="1">
+                <a:solidFill>
+                  <a:srgbClr val="7CA023"/>
+                </a:solidFill>
+                <a:latin typeface="Courier New"/>
+                <a:cs typeface="Courier New"/>
+              </a:rPr>
+              <a:t>name"</a:t>
+            </a:r>
+            <a:r>
+              <a:rPr lang="en-US" b="1" dirty="0" err="1">
+                <a:latin typeface="Courier New"/>
+                <a:cs typeface="Courier New"/>
+              </a:rPr>
+              <a:t>,</a:t>
+            </a:r>
+            <a:r>
+              <a:rPr lang="en-US" b="1" dirty="0" err="1">
+                <a:solidFill>
+                  <a:srgbClr val="7CA023"/>
+                </a:solidFill>
+                <a:latin typeface="Courier New"/>
+                <a:cs typeface="Courier New"/>
+              </a:rPr>
+              <a:t>"gremlin</a:t>
+            </a:r>
+            <a:r>
+              <a:rPr lang="en-US" b="1" dirty="0">
+                <a:solidFill>
+                  <a:srgbClr val="7CA023"/>
+                </a:solidFill>
+                <a:latin typeface="Courier New"/>
+                <a:cs typeface="Courier New"/>
+              </a:rPr>
+              <a:t>"</a:t>
+            </a:r>
+            <a:r>
+              <a:rPr lang="en-US" b="1" dirty="0">
+                <a:latin typeface="Courier New"/>
+                <a:cs typeface="Courier New"/>
+              </a:rPr>
+              <a:t>).</a:t>
+            </a:r>
+          </a:p>
+          <a:p>
+            <a:r>
+              <a:rPr lang="en-US" b="1" dirty="0">
+                <a:latin typeface="Courier New"/>
+                <a:cs typeface="Courier New"/>
+              </a:rPr>
+              <a:t>      </a:t>
+            </a:r>
+            <a:r>
+              <a:rPr lang="en-US" b="1" dirty="0">
+                <a:solidFill>
+                  <a:srgbClr val="0989A9"/>
+                </a:solidFill>
+                <a:latin typeface="Courier New"/>
+                <a:cs typeface="Courier New"/>
+              </a:rPr>
+              <a:t>repeat</a:t>
+            </a:r>
+            <a:r>
+              <a:rPr lang="en-US" b="1" dirty="0">
+                <a:latin typeface="Courier New"/>
+                <a:cs typeface="Courier New"/>
+              </a:rPr>
+              <a:t>(</a:t>
+            </a:r>
+            <a:r>
+              <a:rPr lang="en-US" b="1" dirty="0">
+                <a:solidFill>
+                  <a:srgbClr val="0989A9"/>
+                </a:solidFill>
+                <a:latin typeface="Courier New"/>
+                <a:cs typeface="Courier New"/>
+              </a:rPr>
+              <a:t>in</a:t>
+            </a:r>
+            <a:r>
+              <a:rPr lang="en-US" b="1" dirty="0">
+                <a:latin typeface="Courier New"/>
+                <a:cs typeface="Courier New"/>
+              </a:rPr>
+              <a:t>(</a:t>
+            </a:r>
+            <a:r>
+              <a:rPr lang="en-US" b="1" dirty="0">
+                <a:solidFill>
+                  <a:srgbClr val="7CA023"/>
+                </a:solidFill>
+                <a:latin typeface="Courier New"/>
+                <a:cs typeface="Courier New"/>
+              </a:rPr>
+              <a:t>"manages"</a:t>
+            </a:r>
+            <a:r>
+              <a:rPr lang="en-US" b="1" dirty="0">
+                <a:latin typeface="Courier New"/>
+                <a:cs typeface="Courier New"/>
+              </a:rPr>
+              <a:t>)).</a:t>
+            </a:r>
+            <a:r>
+              <a:rPr lang="en-US" b="1" dirty="0">
+                <a:solidFill>
+                  <a:srgbClr val="0989A9"/>
+                </a:solidFill>
+                <a:latin typeface="Courier New"/>
+                <a:cs typeface="Courier New"/>
+              </a:rPr>
+              <a:t>until</a:t>
+            </a:r>
+            <a:r>
+              <a:rPr lang="en-US" b="1" dirty="0">
+                <a:latin typeface="Courier New"/>
+                <a:cs typeface="Courier New"/>
+              </a:rPr>
+              <a:t>(</a:t>
+            </a:r>
+            <a:r>
+              <a:rPr lang="en-US" b="1" dirty="0">
+                <a:solidFill>
+                  <a:srgbClr val="0989A9"/>
+                </a:solidFill>
+                <a:latin typeface="Courier New"/>
+                <a:cs typeface="Courier New"/>
+              </a:rPr>
+              <a:t>has</a:t>
+            </a:r>
+            <a:r>
+              <a:rPr lang="en-US" b="1" dirty="0">
+                <a:latin typeface="Courier New"/>
+                <a:cs typeface="Courier New"/>
+              </a:rPr>
+              <a:t>(</a:t>
+            </a:r>
+            <a:r>
+              <a:rPr lang="en-US" b="1" dirty="0">
+                <a:solidFill>
+                  <a:srgbClr val="7CA023"/>
+                </a:solidFill>
+                <a:latin typeface="Courier New"/>
+                <a:cs typeface="Courier New"/>
+              </a:rPr>
+              <a:t>"title"</a:t>
+            </a:r>
+            <a:r>
+              <a:rPr lang="en-US" b="1" dirty="0">
+                <a:latin typeface="Courier New"/>
+                <a:cs typeface="Courier New"/>
+              </a:rPr>
+              <a:t>,</a:t>
+            </a:r>
+            <a:r>
+              <a:rPr lang="en-US" b="1" dirty="0">
+                <a:solidFill>
+                  <a:srgbClr val="7CA023"/>
+                </a:solidFill>
+                <a:latin typeface="Courier New"/>
+                <a:cs typeface="Courier New"/>
+              </a:rPr>
+              <a:t>"</a:t>
+            </a:r>
+            <a:r>
+              <a:rPr lang="en-US" b="1" dirty="0" err="1">
+                <a:solidFill>
+                  <a:srgbClr val="7CA023"/>
+                </a:solidFill>
+                <a:latin typeface="Courier New"/>
+                <a:cs typeface="Courier New"/>
+              </a:rPr>
+              <a:t>ceo</a:t>
+            </a:r>
+            <a:r>
+              <a:rPr lang="en-US" b="1" dirty="0">
+                <a:solidFill>
+                  <a:srgbClr val="7CA023"/>
+                </a:solidFill>
+                <a:latin typeface="Courier New"/>
+                <a:cs typeface="Courier New"/>
+              </a:rPr>
+              <a:t>"</a:t>
+            </a:r>
+            <a:r>
+              <a:rPr lang="en-US" b="1" dirty="0">
+                <a:latin typeface="Courier New"/>
+                <a:cs typeface="Courier New"/>
+              </a:rPr>
+              <a:t>)).</a:t>
+            </a:r>
+          </a:p>
+          <a:p>
+            <a:r>
+              <a:rPr lang="en-US" b="1" dirty="0">
+                <a:latin typeface="Courier New"/>
+                <a:cs typeface="Courier New"/>
+              </a:rPr>
+              <a:t>      </a:t>
+            </a:r>
+            <a:r>
+              <a:rPr lang="en-US" b="1" dirty="0">
+                <a:solidFill>
+                  <a:srgbClr val="0989A9"/>
+                </a:solidFill>
+                <a:latin typeface="Courier New"/>
+                <a:cs typeface="Courier New"/>
+              </a:rPr>
+              <a:t>path</a:t>
+            </a:r>
+            <a:r>
+              <a:rPr lang="en-US" b="1" dirty="0">
+                <a:latin typeface="Courier New"/>
+                <a:cs typeface="Courier New"/>
+              </a:rPr>
+              <a:t>().</a:t>
+            </a:r>
+            <a:r>
+              <a:rPr lang="en-US" b="1" dirty="0">
+                <a:solidFill>
+                  <a:srgbClr val="0989A9"/>
+                </a:solidFill>
+                <a:latin typeface="Courier New"/>
+                <a:cs typeface="Courier New"/>
+              </a:rPr>
+              <a:t>by</a:t>
+            </a:r>
+            <a:r>
+              <a:rPr lang="en-US" b="1" dirty="0">
+                <a:latin typeface="Courier New"/>
+                <a:cs typeface="Courier New"/>
+              </a:rPr>
+              <a:t>(</a:t>
+            </a:r>
+            <a:r>
+              <a:rPr lang="en-US" b="1" dirty="0">
+                <a:solidFill>
+                  <a:srgbClr val="7CA023"/>
+                </a:solidFill>
+                <a:latin typeface="Courier New"/>
+                <a:cs typeface="Courier New"/>
+              </a:rPr>
+              <a:t>"name"</a:t>
+            </a:r>
+            <a:r>
+              <a:rPr lang="en-US" b="1" dirty="0" smtClean="0">
+                <a:latin typeface="Courier New"/>
+                <a:cs typeface="Courier New"/>
+              </a:rPr>
+              <a:t>)</a:t>
+            </a:r>
+          </a:p>
+          <a:p>
+            <a:r>
+              <a:rPr lang="en-US" dirty="0" smtClean="0">
+                <a:latin typeface="Courier New"/>
+                <a:cs typeface="Courier New"/>
+                <a:sym typeface="Wingdings"/>
+              </a:rPr>
+              <a:t>&gt;&gt; </a:t>
+            </a:r>
+            <a:r>
+              <a:rPr lang="en-US" dirty="0" smtClean="0">
+                <a:latin typeface="Courier New"/>
+                <a:cs typeface="Courier New"/>
+              </a:rPr>
+              <a:t>The management chain from Gremlin to the CEO</a:t>
+            </a:r>
+            <a:endParaRPr lang="en-US" dirty="0">
+              <a:latin typeface="Courier New"/>
+              <a:cs typeface="Courier New"/>
+            </a:endParaRPr>
+          </a:p>
+        </p:txBody>
+      </p:sp>
+      <p:grpSp>
+        <p:nvGrpSpPr>
+          <p:cNvPr id="9" name="Group 8"/>
+          <p:cNvGrpSpPr/>
+          <p:nvPr/>
+        </p:nvGrpSpPr>
+        <p:grpSpPr>
+          <a:xfrm>
+            <a:off x="1331640" y="267494"/>
+            <a:ext cx="3024336" cy="3024336"/>
+            <a:chOff x="1763688" y="195486"/>
+            <a:chExt cx="3024336" cy="3024336"/>
+          </a:xfrm>
+        </p:grpSpPr>
+        <p:pic>
+          <p:nvPicPr>
+            <p:cNvPr id="7" name="Picture 6"/>
+            <p:cNvPicPr>
+              <a:picLocks noChangeAspect="1"/>
+            </p:cNvPicPr>
+            <p:nvPr/>
+          </p:nvPicPr>
+          <p:blipFill rotWithShape="1">
+            <a:blip r:embed="rId2"/>
+            <a:srcRect r="64621"/>
+            <a:stretch/>
+          </p:blipFill>
+          <p:spPr>
+            <a:xfrm>
+              <a:off x="1763688" y="195486"/>
+              <a:ext cx="2758846" cy="3024336"/>
+            </a:xfrm>
+            <a:prstGeom prst="rect">
+              <a:avLst/>
+            </a:prstGeom>
+          </p:spPr>
+        </p:pic>
+        <p:sp>
+          <p:nvSpPr>
+            <p:cNvPr id="8" name="Rectangle 7"/>
+            <p:cNvSpPr/>
+            <p:nvPr/>
+          </p:nvSpPr>
+          <p:spPr>
+            <a:xfrm>
+              <a:off x="4283968" y="1707654"/>
+              <a:ext cx="504056" cy="1008112"/>
+            </a:xfrm>
+            <a:prstGeom prst="rect">
+              <a:avLst/>
+            </a:prstGeom>
+            <a:ln>
+              <a:noFill/>
+            </a:ln>
+          </p:spPr>
+          <p:style>
+            <a:lnRef idx="2">
+              <a:schemeClr val="dk1"/>
+            </a:lnRef>
+            <a:fillRef idx="1">
+              <a:schemeClr val="lt1"/>
+            </a:fillRef>
+            <a:effectRef idx="0">
+              <a:schemeClr val="dk1"/>
+            </a:effectRef>
+            <a:fontRef idx="minor">
+              <a:schemeClr val="dk1"/>
+            </a:fontRef>
+          </p:style>
+          <p:txBody>
+            <a:bodyPr rtlCol="0" anchor="ctr"/>
+            <a:lstStyle/>
+            <a:p>
+              <a:pPr algn="ctr"/>
+              <a:endParaRPr lang="en-US"/>
+            </a:p>
+          </p:txBody>
+        </p:sp>
+      </p:grpSp>
+      <p:sp>
+        <p:nvSpPr>
+          <p:cNvPr id="6" name="TextBox 5"/>
+          <p:cNvSpPr txBox="1"/>
+          <p:nvPr/>
+        </p:nvSpPr>
+        <p:spPr>
+          <a:xfrm>
+            <a:off x="4067944" y="1853411"/>
+            <a:ext cx="4762842" cy="646331"/>
+          </a:xfrm>
+          <a:prstGeom prst="rect">
+            <a:avLst/>
+          </a:prstGeom>
+          <a:noFill/>
+        </p:spPr>
+        <p:txBody>
+          <a:bodyPr wrap="none" rtlCol="0">
+            <a:spAutoFit/>
+          </a:bodyPr>
+          <a:lstStyle/>
+          <a:p>
+            <a:r>
+              <a:rPr lang="en-US" sz="3600" dirty="0" err="1" smtClean="0">
+                <a:solidFill>
+                  <a:schemeClr val="accent4">
+                    <a:lumMod val="50000"/>
+                  </a:schemeClr>
+                </a:solidFill>
+                <a:latin typeface="Helvetica Neue"/>
+                <a:cs typeface="Helvetica Neue"/>
+              </a:rPr>
+              <a:t>tinkerpop.apache.org</a:t>
+            </a:r>
+            <a:endParaRPr lang="en-US" sz="3600" dirty="0">
+              <a:solidFill>
+                <a:schemeClr val="accent4">
+                  <a:lumMod val="50000"/>
+                </a:schemeClr>
+              </a:solidFill>
+              <a:latin typeface="Helvetica Neue"/>
+              <a:cs typeface="Helvetica Neue"/>
+            </a:endParaRPr>
+          </a:p>
+        </p:txBody>
+      </p:sp>
+      <p:sp>
+        <p:nvSpPr>
+          <p:cNvPr id="10" name="Title 1"/>
+          <p:cNvSpPr>
+            <a:spLocks noGrp="1"/>
+          </p:cNvSpPr>
+          <p:nvPr>
+            <p:ph type="title"/>
+          </p:nvPr>
+        </p:nvSpPr>
+        <p:spPr>
+          <a:xfrm>
+            <a:off x="381002" y="200026"/>
+            <a:ext cx="7544152" cy="519112"/>
+          </a:xfrm>
+        </p:spPr>
+        <p:txBody>
+          <a:bodyPr>
+            <a:normAutofit fontScale="90000"/>
+          </a:bodyPr>
+          <a:lstStyle/>
+          <a:p>
+            <a:r>
+              <a:rPr lang="en-US" dirty="0" smtClean="0"/>
+              <a:t>Gremlin</a:t>
+            </a:r>
+            <a:endParaRPr lang="en-US" dirty="0"/>
+          </a:p>
+        </p:txBody>
+      </p:sp>
+    </p:spTree>
+    <p:extLst>
+      <p:ext uri="{BB962C8B-B14F-4D97-AF65-F5344CB8AC3E}">
+        <p14:creationId xmlns:p14="http://schemas.microsoft.com/office/powerpoint/2010/main" val="740689824"/>
+      </p:ext>
+    </p:extLst>
+  </p:cSld>
+  <p:clrMapOvr>
+    <a:masterClrMapping/>
+  </p:clrMapOvr>
+  <mc:AlternateContent xmlns:mc="http://schemas.openxmlformats.org/markup-compatibility/2006" xmlns:p14="http://schemas.microsoft.com/office/powerpoint/2010/main">
+    <mc:Choice Requires="p14">
+      <p:transition p14:dur="0"/>
+    </mc:Choice>
+    <mc:Fallback xmlns="">
+      <p:transition xmlns:p14="http://schemas.microsoft.com/office/powerpoint/2010/main"/>
+    </mc:Fallback>
+  </mc:AlternateContent>
+  <p:timing>
+    <p:tnLst>
+      <p:par>
+        <p:cTn id="1" dur="indefinite" restart="never" nodeType="tmRoot"/>
+      </p:par>
+    </p:tnLst>
+  </p:timing>
 </p:sld>
 </file>
 

--- a/lectures/Lecture 5 - Graph.pptx
+++ b/lectures/Lecture 5 - Graph.pptx
@@ -22220,6 +22220,47 @@
           </a:p>
         </p:txBody>
       </p:sp>
+      <p:pic>
+        <p:nvPicPr>
+          <p:cNvPr id="4" name="Picture 2" descr="https://lh4.googleusercontent.com/S34j9hYJ8iTSslnIDUFC_cQaOdCUdUs5cW3t21ic_4ic5DHHl_aK0no9srRbSwtlsTRhUYr2bOsLpnmRf1uEJPQipsfhVO_TuuR2rDxrkMhyRKTRh-eYWTQJtIaKLQqGMIdFtuneauA"/>
+          <p:cNvPicPr>
+            <a:picLocks noChangeAspect="1" noChangeArrowheads="1"/>
+          </p:cNvPicPr>
+          <p:nvPr/>
+        </p:nvPicPr>
+        <p:blipFill>
+          <a:blip r:embed="rId4">
+            <a:extLst>
+              <a:ext uri="{28A0092B-C50C-407E-A947-70E740481C1C}">
+                <a14:useLocalDpi xmlns:a14="http://schemas.microsoft.com/office/drawing/2010/main" val="0"/>
+              </a:ext>
+            </a:extLst>
+          </a:blip>
+          <a:srcRect/>
+          <a:stretch>
+            <a:fillRect/>
+          </a:stretch>
+        </p:blipFill>
+        <p:spPr bwMode="auto">
+          <a:xfrm>
+            <a:off x="4800600" y="0"/>
+            <a:ext cx="4343400" cy="2571750"/>
+          </a:xfrm>
+          <a:prstGeom prst="rect">
+            <a:avLst/>
+          </a:prstGeom>
+          <a:noFill/>
+          <a:extLst>
+            <a:ext uri="{909E8E84-426E-40DD-AFC4-6F175D3DCCD1}">
+              <a14:hiddenFill xmlns:a14="http://schemas.microsoft.com/office/drawing/2010/main">
+                <a:solidFill>
+                  <a:srgbClr val="FFFFFF"/>
+                </a:solidFill>
+              </a14:hiddenFill>
+            </a:ext>
+          </a:extLst>
+        </p:spPr>
+      </p:pic>
     </p:spTree>
   </p:cSld>
   <p:clrMapOvr>
